--- a/Documento/Presentación.pptx
+++ b/Documento/Presentación.pptx
@@ -281,7 +281,7 @@
             <a:fld id="{D83FDC75-7F73-4A4A-A77C-09AADF00E0EA}" type="datetimeFigureOut">
               <a:rPr lang="en-US" smtClean="0"/>
               <a:pPr/>
-              <a:t>4/23/2017</a:t>
+              <a:t>4/25/2017</a:t>
             </a:fld>
             <a:endParaRPr lang="en-US" dirty="0"/>
           </a:p>
@@ -443,7 +443,7 @@
             <a:fld id="{48AEF76B-3757-4A0B-AF93-28494465C1DD}" type="datetimeFigureOut">
               <a:rPr lang="en-US" smtClean="0"/>
               <a:pPr/>
-              <a:t>4/23/2017</a:t>
+              <a:t>4/25/2017</a:t>
             </a:fld>
             <a:endParaRPr lang="en-US" dirty="0"/>
           </a:p>
@@ -7242,6 +7242,10 @@
             <a:pPr>
               <a:defRPr/>
             </a:pPr>
+            <a:r>
+              <a:rPr lang="en-US"/>
+              <a:t>ejemplo</a:t>
+            </a:r>
             <a:endParaRPr lang="en-US" dirty="0"/>
           </a:p>
         </p:txBody>

--- a/Documento/Presentación.pptx
+++ b/Documento/Presentación.pptx
@@ -5,34 +5,36 @@
     <p:sldMasterId id="2147483648" r:id="rId2"/>
   </p:sldMasterIdLst>
   <p:notesMasterIdLst>
-    <p:notesMasterId r:id="rId25"/>
+    <p:notesMasterId r:id="rId27"/>
   </p:notesMasterIdLst>
   <p:handoutMasterIdLst>
-    <p:handoutMasterId r:id="rId26"/>
+    <p:handoutMasterId r:id="rId28"/>
   </p:handoutMasterIdLst>
   <p:sldIdLst>
     <p:sldId id="259" r:id="rId3"/>
     <p:sldId id="261" r:id="rId4"/>
     <p:sldId id="279" r:id="rId5"/>
     <p:sldId id="293" r:id="rId6"/>
-    <p:sldId id="296" r:id="rId7"/>
-    <p:sldId id="294" r:id="rId8"/>
-    <p:sldId id="295" r:id="rId9"/>
-    <p:sldId id="280" r:id="rId10"/>
-    <p:sldId id="281" r:id="rId11"/>
-    <p:sldId id="282" r:id="rId12"/>
-    <p:sldId id="283" r:id="rId13"/>
-    <p:sldId id="286" r:id="rId14"/>
-    <p:sldId id="284" r:id="rId15"/>
-    <p:sldId id="290" r:id="rId16"/>
-    <p:sldId id="285" r:id="rId17"/>
-    <p:sldId id="288" r:id="rId18"/>
-    <p:sldId id="289" r:id="rId19"/>
-    <p:sldId id="287" r:id="rId20"/>
-    <p:sldId id="291" r:id="rId21"/>
-    <p:sldId id="292" r:id="rId22"/>
-    <p:sldId id="277" r:id="rId23"/>
-    <p:sldId id="278" r:id="rId24"/>
+    <p:sldId id="294" r:id="rId7"/>
+    <p:sldId id="280" r:id="rId8"/>
+    <p:sldId id="281" r:id="rId9"/>
+    <p:sldId id="284" r:id="rId10"/>
+    <p:sldId id="282" r:id="rId11"/>
+    <p:sldId id="283" r:id="rId12"/>
+    <p:sldId id="286" r:id="rId13"/>
+    <p:sldId id="288" r:id="rId14"/>
+    <p:sldId id="295" r:id="rId15"/>
+    <p:sldId id="298" r:id="rId16"/>
+    <p:sldId id="299" r:id="rId17"/>
+    <p:sldId id="300" r:id="rId18"/>
+    <p:sldId id="290" r:id="rId19"/>
+    <p:sldId id="285" r:id="rId20"/>
+    <p:sldId id="287" r:id="rId21"/>
+    <p:sldId id="291" r:id="rId22"/>
+    <p:sldId id="292" r:id="rId23"/>
+    <p:sldId id="277" r:id="rId24"/>
+    <p:sldId id="297" r:id="rId25"/>
+    <p:sldId id="296" r:id="rId26"/>
   </p:sldIdLst>
   <p:sldSz cx="9144000" cy="6858000" type="screen4x3"/>
   <p:notesSz cx="6858000" cy="9144000"/>
@@ -144,24 +146,26 @@
             <p14:sldId id="261"/>
             <p14:sldId id="279"/>
             <p14:sldId id="293"/>
-            <p14:sldId id="296"/>
             <p14:sldId id="294"/>
-            <p14:sldId id="295"/>
             <p14:sldId id="280"/>
             <p14:sldId id="281"/>
+            <p14:sldId id="284"/>
             <p14:sldId id="282"/>
             <p14:sldId id="283"/>
             <p14:sldId id="286"/>
-            <p14:sldId id="284"/>
+            <p14:sldId id="288"/>
+            <p14:sldId id="295"/>
+            <p14:sldId id="298"/>
+            <p14:sldId id="299"/>
+            <p14:sldId id="300"/>
             <p14:sldId id="290"/>
             <p14:sldId id="285"/>
-            <p14:sldId id="288"/>
-            <p14:sldId id="289"/>
             <p14:sldId id="287"/>
             <p14:sldId id="291"/>
             <p14:sldId id="292"/>
             <p14:sldId id="277"/>
-            <p14:sldId id="278"/>
+            <p14:sldId id="297"/>
+            <p14:sldId id="296"/>
           </p14:sldIdLst>
         </p14:section>
       </p14:sectionLst>
@@ -281,7 +285,7 @@
             <a:fld id="{D83FDC75-7F73-4A4A-A77C-09AADF00E0EA}" type="datetimeFigureOut">
               <a:rPr lang="en-US" smtClean="0"/>
               <a:pPr/>
-              <a:t>4/25/2017</a:t>
+              <a:t>4/26/2017</a:t>
             </a:fld>
             <a:endParaRPr lang="en-US" dirty="0"/>
           </a:p>
@@ -443,7 +447,7 @@
             <a:fld id="{48AEF76B-3757-4A0B-AF93-28494465C1DD}" type="datetimeFigureOut">
               <a:rPr lang="en-US" smtClean="0"/>
               <a:pPr/>
-              <a:t>4/25/2017</a:t>
+              <a:t>4/26/2017</a:t>
             </a:fld>
             <a:endParaRPr lang="en-US" dirty="0"/>
           </a:p>
@@ -1168,7 +1172,7 @@
             <a:fld id="{B2B44A5F-6CE4-493C-A0D7-6834FF76660C}" type="slidenum">
               <a:rPr lang="en-US" smtClean="0"/>
               <a:pPr/>
-              <a:t>21</a:t>
+              <a:t>22</a:t>
             </a:fld>
             <a:endParaRPr lang="en-US" dirty="0"/>
           </a:p>
@@ -1218,179 +1222,6 @@
               <a:buFontTx/>
               <a:buNone/>
             </a:pPr>
-            <a:endParaRPr lang="en-US" dirty="0"/>
-          </a:p>
-        </p:txBody>
-      </p:sp>
-    </p:spTree>
-  </p:cSld>
-  <p:clrMapOvr>
-    <a:masterClrMapping/>
-  </p:clrMapOvr>
-</p:notes>
-</file>
-
-<file path=ppt/notesSlides/notesSlide4.xml><?xml version="1.0" encoding="utf-8"?>
-<p:notes xmlns:a="http://schemas.openxmlformats.org/drawingml/2006/main" xmlns:r="http://schemas.openxmlformats.org/officeDocument/2006/relationships" xmlns:p="http://schemas.openxmlformats.org/presentationml/2006/main">
-  <p:cSld>
-    <p:spTree>
-      <p:nvGrpSpPr>
-        <p:cNvPr id="1" name=""/>
-        <p:cNvGrpSpPr/>
-        <p:nvPr/>
-      </p:nvGrpSpPr>
-      <p:grpSpPr>
-        <a:xfrm>
-          <a:off x="0" y="0"/>
-          <a:ext cx="0" cy="0"/>
-          <a:chOff x="0" y="0"/>
-          <a:chExt cx="0" cy="0"/>
-        </a:xfrm>
-      </p:grpSpPr>
-      <p:sp>
-        <p:nvSpPr>
-          <p:cNvPr id="43010" name="Rectangle 23"/>
-          <p:cNvSpPr>
-            <a:spLocks noGrp="1" noChangeArrowheads="1"/>
-          </p:cNvSpPr>
-          <p:nvPr>
-            <p:ph type="hdr" sz="quarter"/>
-          </p:nvPr>
-        </p:nvSpPr>
-        <p:spPr>
-          <a:noFill/>
-        </p:spPr>
-        <p:txBody>
-          <a:bodyPr/>
-          <a:lstStyle/>
-          <a:p>
-            <a:r>
-              <a:rPr lang="en-US" dirty="0"/>
-              <a:t>Microsoft </a:t>
-            </a:r>
-            <a:r>
-              <a:rPr lang="en-US" b="1" dirty="0"/>
-              <a:t>Engineering Excellence</a:t>
-            </a:r>
-            <a:endParaRPr lang="en-US" dirty="0"/>
-          </a:p>
-        </p:txBody>
-      </p:sp>
-      <p:sp>
-        <p:nvSpPr>
-          <p:cNvPr id="43011" name="Rectangle 25"/>
-          <p:cNvSpPr>
-            <a:spLocks noGrp="1" noChangeArrowheads="1"/>
-          </p:cNvSpPr>
-          <p:nvPr>
-            <p:ph type="ftr" sz="quarter" idx="4"/>
-          </p:nvPr>
-        </p:nvSpPr>
-        <p:spPr>
-          <a:noFill/>
-        </p:spPr>
-        <p:txBody>
-          <a:bodyPr/>
-          <a:lstStyle/>
-          <a:p>
-            <a:r>
-              <a:rPr lang="en-US" dirty="0"/>
-              <a:t>Microsoft Confidential</a:t>
-            </a:r>
-          </a:p>
-        </p:txBody>
-      </p:sp>
-      <p:sp>
-        <p:nvSpPr>
-          <p:cNvPr id="43012" name="Rectangle 26"/>
-          <p:cNvSpPr>
-            <a:spLocks noGrp="1" noChangeArrowheads="1"/>
-          </p:cNvSpPr>
-          <p:nvPr>
-            <p:ph type="sldNum" sz="quarter" idx="5"/>
-          </p:nvPr>
-        </p:nvSpPr>
-        <p:spPr>
-          <a:noFill/>
-        </p:spPr>
-        <p:txBody>
-          <a:bodyPr/>
-          <a:lstStyle/>
-          <a:p>
-            <a:fld id="{B5FF76F4-FC11-42FE-9D94-04E3E6D16C06}" type="slidenum">
-              <a:rPr lang="en-US" smtClean="0"/>
-              <a:pPr/>
-              <a:t>22</a:t>
-            </a:fld>
-            <a:endParaRPr lang="en-US" dirty="0"/>
-          </a:p>
-        </p:txBody>
-      </p:sp>
-      <p:sp>
-        <p:nvSpPr>
-          <p:cNvPr id="43013" name="Rectangle 2"/>
-          <p:cNvSpPr>
-            <a:spLocks noGrp="1" noRot="1" noChangeAspect="1" noChangeArrowheads="1" noTextEdit="1"/>
-          </p:cNvSpPr>
-          <p:nvPr>
-            <p:ph type="sldImg"/>
-          </p:nvPr>
-        </p:nvSpPr>
-        <p:spPr>
-          <a:xfrm>
-            <a:off x="1143000" y="450850"/>
-            <a:ext cx="4572000" cy="3429000"/>
-          </a:xfrm>
-          <a:ln/>
-        </p:spPr>
-      </p:sp>
-      <p:sp>
-        <p:nvSpPr>
-          <p:cNvPr id="43014" name="Rectangle 3"/>
-          <p:cNvSpPr>
-            <a:spLocks noGrp="1" noChangeArrowheads="1"/>
-          </p:cNvSpPr>
-          <p:nvPr>
-            <p:ph type="body" idx="1"/>
-          </p:nvPr>
-        </p:nvSpPr>
-        <p:spPr>
-          <a:xfrm>
-            <a:off x="307492" y="4130103"/>
-            <a:ext cx="6261652" cy="4603230"/>
-          </a:xfrm>
-          <a:noFill/>
-          <a:ln/>
-        </p:spPr>
-        <p:txBody>
-          <a:bodyPr/>
-          <a:lstStyle/>
-          <a:p>
-            <a:r>
-              <a:rPr lang="en-US" dirty="0"/>
-              <a:t>Is your presentation as crisp as possible? Consider moving extra content to the appendix.</a:t>
-            </a:r>
-          </a:p>
-          <a:p>
-            <a:r>
-              <a:rPr lang="en-US" dirty="0"/>
-              <a:t>Use appendix slides to store content that you might want to refer to during the Question slide or that may be useful for attendees to investigate deeper in the future.</a:t>
-            </a:r>
-          </a:p>
-          <a:p>
-            <a:pPr>
-              <a:buFontTx/>
-              <a:buNone/>
-            </a:pPr>
-            <a:endParaRPr lang="en-US" dirty="0"/>
-          </a:p>
-          <a:p>
-            <a:endParaRPr lang="en-US" dirty="0"/>
-          </a:p>
-          <a:p>
-            <a:endParaRPr lang="en-US" dirty="0"/>
-          </a:p>
-          <a:p>
             <a:endParaRPr lang="en-US" dirty="0"/>
           </a:p>
         </p:txBody>
@@ -5069,7 +4900,7 @@
           <a:p>
             <a:r>
               <a:rPr lang="es-MX" dirty="0"/>
-              <a:t>Propuesta de solución</a:t>
+              <a:t>Justificación</a:t>
             </a:r>
           </a:p>
         </p:txBody>
@@ -5084,22 +4915,31 @@
             <p:ph idx="1"/>
           </p:nvPr>
         </p:nvSpPr>
-        <p:spPr>
-          <a:xfrm>
-            <a:off x="762000" y="1844824"/>
-            <a:ext cx="8202488" cy="4048952"/>
-          </a:xfrm>
-        </p:spPr>
-        <p:txBody>
-          <a:bodyPr/>
-          <a:lstStyle/>
-          <a:p>
-            <a:pPr marL="0" indent="0" algn="just">
-              <a:buNone/>
-            </a:pPr>
+        <p:spPr/>
+        <p:txBody>
+          <a:bodyPr/>
+          <a:lstStyle/>
+          <a:p>
+            <a:pPr algn="just"/>
             <a:r>
               <a:rPr lang="es-MX" dirty="0"/>
-              <a:t>Se propone diseñar y desarrollar una herramienta de visualización y tratamiento de tomografías axiales computarizadas almacenadas en archivos con formato DICOM, la cual permitirá a médicos y radiólogos una fácil y mejorada interpretación de resultados.</a:t>
+              <a:t>La interpretación de los estudios </a:t>
+            </a:r>
+            <a:r>
+              <a:rPr lang="es-MX" dirty="0" err="1"/>
+              <a:t>tomográficos</a:t>
+            </a:r>
+            <a:r>
+              <a:rPr lang="es-MX" dirty="0"/>
+              <a:t> radiológicos se realiza comúnmente con base en un análisis visual de las imágenes adquiridas de los equipos </a:t>
+            </a:r>
+            <a:r>
+              <a:rPr lang="es-MX" dirty="0" err="1"/>
+              <a:t>imageneológicos</a:t>
+            </a:r>
+            <a:r>
+              <a:rPr lang="es-MX" dirty="0"/>
+              <a:t> por parte del médico radiólogo, estos análisis son susceptibles a malas interpretaciones debido a error humano.</a:t>
             </a:r>
           </a:p>
         </p:txBody>
@@ -5139,7 +4979,7 @@
     </p:spTree>
     <p:extLst>
       <p:ext uri="{BB962C8B-B14F-4D97-AF65-F5344CB8AC3E}">
-        <p14:creationId xmlns:p14="http://schemas.microsoft.com/office/powerpoint/2010/main" val="3550672237"/>
+        <p14:creationId xmlns:p14="http://schemas.microsoft.com/office/powerpoint/2010/main" val="788808638"/>
       </p:ext>
     </p:extLst>
   </p:cSld>
@@ -5186,7 +5026,7 @@
           <a:p>
             <a:r>
               <a:rPr lang="es-MX" dirty="0"/>
-              <a:t>Justificación</a:t>
+              <a:t>Objetivo general</a:t>
             </a:r>
           </a:p>
         </p:txBody>
@@ -5206,9 +5046,24 @@
           <a:bodyPr/>
           <a:lstStyle/>
           <a:p>
+            <a:pPr marL="0" indent="0">
+              <a:buNone/>
+            </a:pPr>
+            <a:endParaRPr lang="es-MX" dirty="0"/>
+          </a:p>
+          <a:p>
+            <a:pPr marL="0" indent="0">
+              <a:buNone/>
+            </a:pPr>
+            <a:endParaRPr lang="es-MX" dirty="0"/>
+          </a:p>
+          <a:p>
+            <a:pPr marL="0" indent="0" algn="just">
+              <a:buNone/>
+            </a:pPr>
             <a:r>
               <a:rPr lang="es-MX" dirty="0"/>
-              <a:t>L</a:t>
+              <a:t>Desarrollar un software de asistencia al radiólogo para la interpretación adecuada de las tomografías axiales computarizadas.</a:t>
             </a:r>
           </a:p>
         </p:txBody>
@@ -5248,7 +5103,7 @@
     </p:spTree>
     <p:extLst>
       <p:ext uri="{BB962C8B-B14F-4D97-AF65-F5344CB8AC3E}">
-        <p14:creationId xmlns:p14="http://schemas.microsoft.com/office/powerpoint/2010/main" val="788808638"/>
+        <p14:creationId xmlns:p14="http://schemas.microsoft.com/office/powerpoint/2010/main" val="155687209"/>
       </p:ext>
     </p:extLst>
   </p:cSld>
@@ -5295,48 +5150,40 @@
           <a:p>
             <a:r>
               <a:rPr lang="es-MX" dirty="0"/>
-              <a:t>Objetivo general</a:t>
-            </a:r>
-          </a:p>
-        </p:txBody>
-      </p:sp>
-      <p:sp>
-        <p:nvSpPr>
-          <p:cNvPr id="3" name="Content Placeholder 2"/>
-          <p:cNvSpPr>
-            <a:spLocks noGrp="1"/>
-          </p:cNvSpPr>
+              <a:t>Diseño del sistema</a:t>
+            </a:r>
+          </a:p>
+        </p:txBody>
+      </p:sp>
+      <p:pic>
+        <p:nvPicPr>
+          <p:cNvPr id="6" name="Content Placeholder 5"/>
+          <p:cNvPicPr>
+            <a:picLocks noGrp="1" noChangeAspect="1"/>
+          </p:cNvPicPr>
           <p:nvPr>
             <p:ph idx="1"/>
           </p:nvPr>
-        </p:nvSpPr>
-        <p:spPr/>
-        <p:txBody>
-          <a:bodyPr/>
-          <a:lstStyle/>
-          <a:p>
-            <a:pPr marL="0" indent="0">
-              <a:buNone/>
-            </a:pPr>
-            <a:endParaRPr lang="es-MX" dirty="0"/>
-          </a:p>
-          <a:p>
-            <a:pPr marL="0" indent="0">
-              <a:buNone/>
-            </a:pPr>
-            <a:endParaRPr lang="es-MX" dirty="0"/>
-          </a:p>
-          <a:p>
-            <a:pPr marL="0" indent="0" algn="just">
-              <a:buNone/>
-            </a:pPr>
-            <a:r>
-              <a:rPr lang="es-MX" dirty="0"/>
-              <a:t>Desarrollar un software de asistencia al radiólogo para la interpretación adecuada de las tomografías axiales computarizadas.</a:t>
-            </a:r>
-          </a:p>
-        </p:txBody>
-      </p:sp>
+        </p:nvPicPr>
+        <p:blipFill>
+          <a:blip r:embed="rId2" cstate="email">
+            <a:extLst>
+              <a:ext uri="{28A0092B-C50C-407E-A947-70E740481C1C}">
+                <a14:useLocalDpi xmlns:a14="http://schemas.microsoft.com/office/drawing/2010/main" val="0"/>
+              </a:ext>
+            </a:extLst>
+          </a:blip>
+          <a:stretch>
+            <a:fillRect/>
+          </a:stretch>
+        </p:blipFill>
+        <p:spPr>
+          <a:xfrm>
+            <a:off x="827584" y="1844824"/>
+            <a:ext cx="8077200" cy="3960440"/>
+          </a:xfrm>
+        </p:spPr>
+      </p:pic>
       <p:sp>
         <p:nvSpPr>
           <p:cNvPr id="4" name="Slide Number Placeholder 3"/>
@@ -5372,7 +5219,7 @@
     </p:spTree>
     <p:extLst>
       <p:ext uri="{BB962C8B-B14F-4D97-AF65-F5344CB8AC3E}">
-        <p14:creationId xmlns:p14="http://schemas.microsoft.com/office/powerpoint/2010/main" val="155687209"/>
+        <p14:creationId xmlns:p14="http://schemas.microsoft.com/office/powerpoint/2010/main" val="1675899458"/>
       </p:ext>
     </p:extLst>
   </p:cSld>
@@ -5404,52 +5251,31 @@
       </p:grpSpPr>
       <p:sp>
         <p:nvSpPr>
-          <p:cNvPr id="2" name="Title 1"/>
-          <p:cNvSpPr>
-            <a:spLocks noGrp="1"/>
-          </p:cNvSpPr>
-          <p:nvPr>
-            <p:ph type="title"/>
-          </p:nvPr>
-        </p:nvSpPr>
-        <p:spPr/>
-        <p:txBody>
-          <a:bodyPr/>
-          <a:lstStyle/>
-          <a:p>
-            <a:r>
-              <a:rPr lang="es-MX" dirty="0"/>
-              <a:t>Trabajo previo</a:t>
-            </a:r>
-          </a:p>
-        </p:txBody>
-      </p:sp>
-      <p:pic>
-        <p:nvPicPr>
-          <p:cNvPr id="5" name="Content Placeholder 4"/>
-          <p:cNvPicPr>
-            <a:picLocks noGrp="1" noChangeAspect="1"/>
-          </p:cNvPicPr>
+          <p:cNvPr id="3" name="Content Placeholder 2"/>
+          <p:cNvSpPr>
+            <a:spLocks noGrp="1"/>
+          </p:cNvSpPr>
           <p:nvPr>
             <p:ph idx="1"/>
           </p:nvPr>
-        </p:nvPicPr>
-        <p:blipFill>
-          <a:blip r:embed="rId2"/>
-          <a:stretch>
-            <a:fillRect/>
-          </a:stretch>
-        </p:blipFill>
+        </p:nvSpPr>
         <p:spPr>
           <a:xfrm>
-            <a:off x="762000" y="1628045"/>
-            <a:ext cx="8077200" cy="4235322"/>
+            <a:off x="899592" y="332656"/>
+            <a:ext cx="8077200" cy="4297363"/>
           </a:xfrm>
-          <a:prstGeom prst="rect">
-            <a:avLst/>
-          </a:prstGeom>
         </p:spPr>
-      </p:pic>
+        <p:txBody>
+          <a:bodyPr/>
+          <a:lstStyle/>
+          <a:p>
+            <a:r>
+              <a:rPr lang="es-MX" dirty="0"/>
+              <a:t>¿Qué es el tratamiento de imágenes?</a:t>
+            </a:r>
+          </a:p>
+        </p:txBody>
+      </p:sp>
       <p:sp>
         <p:nvSpPr>
           <p:cNvPr id="4" name="Slide Number Placeholder 3"/>
@@ -5482,10 +5308,33 @@
           </a:p>
         </p:txBody>
       </p:sp>
+      <p:pic>
+        <p:nvPicPr>
+          <p:cNvPr id="5" name="Picture 4"/>
+          <p:cNvPicPr>
+            <a:picLocks noChangeAspect="1"/>
+          </p:cNvPicPr>
+          <p:nvPr/>
+        </p:nvPicPr>
+        <p:blipFill rotWithShape="1">
+          <a:blip r:embed="rId2"/>
+          <a:srcRect r="-48"/>
+          <a:stretch/>
+        </p:blipFill>
+        <p:spPr>
+          <a:xfrm>
+            <a:off x="2339752" y="1556792"/>
+            <a:ext cx="4896544" cy="4239973"/>
+          </a:xfrm>
+          <a:prstGeom prst="rect">
+            <a:avLst/>
+          </a:prstGeom>
+        </p:spPr>
+      </p:pic>
     </p:spTree>
     <p:extLst>
       <p:ext uri="{BB962C8B-B14F-4D97-AF65-F5344CB8AC3E}">
-        <p14:creationId xmlns:p14="http://schemas.microsoft.com/office/powerpoint/2010/main" val="1427785970"/>
+        <p14:creationId xmlns:p14="http://schemas.microsoft.com/office/powerpoint/2010/main" val="2398038351"/>
       </p:ext>
     </p:extLst>
   </p:cSld>
@@ -5532,6 +5381,325 @@
           <a:p>
             <a:r>
               <a:rPr lang="es-MX" dirty="0"/>
+              <a:t>Proceso de segmentación</a:t>
+            </a:r>
+          </a:p>
+        </p:txBody>
+      </p:sp>
+      <p:sp>
+        <p:nvSpPr>
+          <p:cNvPr id="3" name="Content Placeholder 2"/>
+          <p:cNvSpPr>
+            <a:spLocks noGrp="1"/>
+          </p:cNvSpPr>
+          <p:nvPr>
+            <p:ph idx="1"/>
+          </p:nvPr>
+        </p:nvSpPr>
+        <p:spPr/>
+        <p:txBody>
+          <a:bodyPr/>
+          <a:lstStyle/>
+          <a:p>
+            <a:r>
+              <a:rPr lang="es-MX" dirty="0"/>
+              <a:t>Definición</a:t>
+            </a:r>
+          </a:p>
+          <a:p>
+            <a:r>
+              <a:rPr lang="es-MX" dirty="0"/>
+              <a:t>Umbralización</a:t>
+            </a:r>
+          </a:p>
+          <a:p>
+            <a:r>
+              <a:rPr lang="es-MX" dirty="0"/>
+              <a:t>Región creciente</a:t>
+            </a:r>
+          </a:p>
+        </p:txBody>
+      </p:sp>
+      <p:sp>
+        <p:nvSpPr>
+          <p:cNvPr id="4" name="Slide Number Placeholder 3"/>
+          <p:cNvSpPr>
+            <a:spLocks noGrp="1"/>
+          </p:cNvSpPr>
+          <p:nvPr>
+            <p:ph type="sldNum" sz="quarter" idx="12"/>
+          </p:nvPr>
+        </p:nvSpPr>
+        <p:spPr/>
+        <p:txBody>
+          <a:bodyPr/>
+          <a:lstStyle/>
+          <a:p>
+            <a:fld id="{33D6E5A2-EC83-451F-A719-9AC1370DD5CF}" type="slidenum">
+              <a:rPr lang="en-US" smtClean="0"/>
+              <a:pPr/>
+              <a:t>14</a:t>
+            </a:fld>
+            <a:endParaRPr lang="en-US" dirty="0"/>
+          </a:p>
+        </p:txBody>
+      </p:sp>
+    </p:spTree>
+    <p:extLst>
+      <p:ext uri="{BB962C8B-B14F-4D97-AF65-F5344CB8AC3E}">
+        <p14:creationId xmlns:p14="http://schemas.microsoft.com/office/powerpoint/2010/main" val="3818445742"/>
+      </p:ext>
+    </p:extLst>
+  </p:cSld>
+  <p:clrMapOvr>
+    <a:masterClrMapping/>
+  </p:clrMapOvr>
+  <p:transition spd="slow">
+    <p:wipe dir="d"/>
+  </p:transition>
+</p:sld>
+</file>
+
+<file path=ppt/slides/slide15.xml><?xml version="1.0" encoding="utf-8"?>
+<p:sld xmlns:a="http://schemas.openxmlformats.org/drawingml/2006/main" xmlns:r="http://schemas.openxmlformats.org/officeDocument/2006/relationships" xmlns:p="http://schemas.openxmlformats.org/presentationml/2006/main">
+  <p:cSld>
+    <p:spTree>
+      <p:nvGrpSpPr>
+        <p:cNvPr id="1" name=""/>
+        <p:cNvGrpSpPr/>
+        <p:nvPr/>
+      </p:nvGrpSpPr>
+      <p:grpSpPr>
+        <a:xfrm>
+          <a:off x="0" y="0"/>
+          <a:ext cx="0" cy="0"/>
+          <a:chOff x="0" y="0"/>
+          <a:chExt cx="0" cy="0"/>
+        </a:xfrm>
+      </p:grpSpPr>
+      <p:sp>
+        <p:nvSpPr>
+          <p:cNvPr id="2" name="Title 1"/>
+          <p:cNvSpPr>
+            <a:spLocks noGrp="1"/>
+          </p:cNvSpPr>
+          <p:nvPr>
+            <p:ph type="title"/>
+          </p:nvPr>
+        </p:nvSpPr>
+        <p:spPr/>
+        <p:txBody>
+          <a:bodyPr/>
+          <a:lstStyle/>
+          <a:p>
+            <a:r>
+              <a:rPr lang="es-MX" dirty="0"/>
+              <a:t>Proceso de clasificación</a:t>
+            </a:r>
+          </a:p>
+        </p:txBody>
+      </p:sp>
+      <p:sp>
+        <p:nvSpPr>
+          <p:cNvPr id="3" name="Content Placeholder 2"/>
+          <p:cNvSpPr>
+            <a:spLocks noGrp="1"/>
+          </p:cNvSpPr>
+          <p:nvPr>
+            <p:ph idx="1"/>
+          </p:nvPr>
+        </p:nvSpPr>
+        <p:spPr/>
+        <p:txBody>
+          <a:bodyPr/>
+          <a:lstStyle/>
+          <a:p>
+            <a:r>
+              <a:rPr lang="es-MX" dirty="0"/>
+              <a:t>Clasificadores </a:t>
+            </a:r>
+          </a:p>
+          <a:p>
+            <a:r>
+              <a:rPr lang="es-MX" dirty="0" err="1"/>
+              <a:t>Clustering</a:t>
+            </a:r>
+            <a:endParaRPr lang="es-MX" dirty="0"/>
+          </a:p>
+        </p:txBody>
+      </p:sp>
+      <p:sp>
+        <p:nvSpPr>
+          <p:cNvPr id="4" name="Slide Number Placeholder 3"/>
+          <p:cNvSpPr>
+            <a:spLocks noGrp="1"/>
+          </p:cNvSpPr>
+          <p:nvPr>
+            <p:ph type="sldNum" sz="quarter" idx="12"/>
+          </p:nvPr>
+        </p:nvSpPr>
+        <p:spPr/>
+        <p:txBody>
+          <a:bodyPr/>
+          <a:lstStyle/>
+          <a:p>
+            <a:fld id="{33D6E5A2-EC83-451F-A719-9AC1370DD5CF}" type="slidenum">
+              <a:rPr lang="en-US" smtClean="0"/>
+              <a:pPr/>
+              <a:t>15</a:t>
+            </a:fld>
+            <a:endParaRPr lang="en-US" dirty="0"/>
+          </a:p>
+        </p:txBody>
+      </p:sp>
+    </p:spTree>
+    <p:extLst>
+      <p:ext uri="{BB962C8B-B14F-4D97-AF65-F5344CB8AC3E}">
+        <p14:creationId xmlns:p14="http://schemas.microsoft.com/office/powerpoint/2010/main" val="1549968968"/>
+      </p:ext>
+    </p:extLst>
+  </p:cSld>
+  <p:clrMapOvr>
+    <a:masterClrMapping/>
+  </p:clrMapOvr>
+  <p:transition spd="slow">
+    <p:wipe dir="d"/>
+  </p:transition>
+</p:sld>
+</file>
+
+<file path=ppt/slides/slide16.xml><?xml version="1.0" encoding="utf-8"?>
+<p:sld xmlns:a="http://schemas.openxmlformats.org/drawingml/2006/main" xmlns:r="http://schemas.openxmlformats.org/officeDocument/2006/relationships" xmlns:p="http://schemas.openxmlformats.org/presentationml/2006/main">
+  <p:cSld>
+    <p:spTree>
+      <p:nvGrpSpPr>
+        <p:cNvPr id="1" name=""/>
+        <p:cNvGrpSpPr/>
+        <p:nvPr/>
+      </p:nvGrpSpPr>
+      <p:grpSpPr>
+        <a:xfrm>
+          <a:off x="0" y="0"/>
+          <a:ext cx="0" cy="0"/>
+          <a:chOff x="0" y="0"/>
+          <a:chExt cx="0" cy="0"/>
+        </a:xfrm>
+      </p:grpSpPr>
+      <p:sp>
+        <p:nvSpPr>
+          <p:cNvPr id="2" name="Title 1"/>
+          <p:cNvSpPr>
+            <a:spLocks noGrp="1"/>
+          </p:cNvSpPr>
+          <p:nvPr>
+            <p:ph type="title"/>
+          </p:nvPr>
+        </p:nvSpPr>
+        <p:spPr/>
+        <p:txBody>
+          <a:bodyPr/>
+          <a:lstStyle/>
+          <a:p>
+            <a:r>
+              <a:rPr lang="es-MX" dirty="0"/>
+              <a:t>Proceso de análisis</a:t>
+            </a:r>
+          </a:p>
+        </p:txBody>
+      </p:sp>
+      <p:sp>
+        <p:nvSpPr>
+          <p:cNvPr id="3" name="Content Placeholder 2"/>
+          <p:cNvSpPr>
+            <a:spLocks noGrp="1"/>
+          </p:cNvSpPr>
+          <p:nvPr>
+            <p:ph idx="1"/>
+          </p:nvPr>
+        </p:nvSpPr>
+        <p:spPr/>
+        <p:txBody>
+          <a:bodyPr/>
+          <a:lstStyle/>
+          <a:p>
+            <a:endParaRPr lang="es-MX"/>
+          </a:p>
+        </p:txBody>
+      </p:sp>
+      <p:sp>
+        <p:nvSpPr>
+          <p:cNvPr id="4" name="Slide Number Placeholder 3"/>
+          <p:cNvSpPr>
+            <a:spLocks noGrp="1"/>
+          </p:cNvSpPr>
+          <p:nvPr>
+            <p:ph type="sldNum" sz="quarter" idx="12"/>
+          </p:nvPr>
+        </p:nvSpPr>
+        <p:spPr/>
+        <p:txBody>
+          <a:bodyPr/>
+          <a:lstStyle/>
+          <a:p>
+            <a:fld id="{33D6E5A2-EC83-451F-A719-9AC1370DD5CF}" type="slidenum">
+              <a:rPr lang="en-US" smtClean="0"/>
+              <a:pPr/>
+              <a:t>16</a:t>
+            </a:fld>
+            <a:endParaRPr lang="en-US" dirty="0"/>
+          </a:p>
+        </p:txBody>
+      </p:sp>
+    </p:spTree>
+    <p:extLst>
+      <p:ext uri="{BB962C8B-B14F-4D97-AF65-F5344CB8AC3E}">
+        <p14:creationId xmlns:p14="http://schemas.microsoft.com/office/powerpoint/2010/main" val="3196833112"/>
+      </p:ext>
+    </p:extLst>
+  </p:cSld>
+  <p:clrMapOvr>
+    <a:masterClrMapping/>
+  </p:clrMapOvr>
+  <p:transition spd="slow">
+    <p:wipe dir="d"/>
+  </p:transition>
+</p:sld>
+</file>
+
+<file path=ppt/slides/slide17.xml><?xml version="1.0" encoding="utf-8"?>
+<p:sld xmlns:a="http://schemas.openxmlformats.org/drawingml/2006/main" xmlns:r="http://schemas.openxmlformats.org/officeDocument/2006/relationships" xmlns:p="http://schemas.openxmlformats.org/presentationml/2006/main">
+  <p:cSld>
+    <p:spTree>
+      <p:nvGrpSpPr>
+        <p:cNvPr id="1" name=""/>
+        <p:cNvGrpSpPr/>
+        <p:nvPr/>
+      </p:nvGrpSpPr>
+      <p:grpSpPr>
+        <a:xfrm>
+          <a:off x="0" y="0"/>
+          <a:ext cx="0" cy="0"/>
+          <a:chOff x="0" y="0"/>
+          <a:chExt cx="0" cy="0"/>
+        </a:xfrm>
+      </p:grpSpPr>
+      <p:sp>
+        <p:nvSpPr>
+          <p:cNvPr id="2" name="Title 1"/>
+          <p:cNvSpPr>
+            <a:spLocks noGrp="1"/>
+          </p:cNvSpPr>
+          <p:nvPr>
+            <p:ph type="title"/>
+          </p:nvPr>
+        </p:nvSpPr>
+        <p:spPr/>
+        <p:txBody>
+          <a:bodyPr/>
+          <a:lstStyle/>
+          <a:p>
+            <a:r>
+              <a:rPr lang="es-MX" dirty="0"/>
               <a:t>Herramientas para el desarrollo</a:t>
             </a:r>
           </a:p>
@@ -5588,7 +5756,7 @@
                 </a:solidFill>
               </a:rPr>
               <a:pPr/>
-              <a:t>14</a:t>
+              <a:t>17</a:t>
             </a:fld>
             <a:endParaRPr lang="en-US" sz="2800" dirty="0">
               <a:solidFill>
@@ -5644,7 +5812,7 @@
 </p:sld>
 </file>
 
-<file path=ppt/slides/slide15.xml><?xml version="1.0" encoding="utf-8"?>
+<file path=ppt/slides/slide18.xml><?xml version="1.0" encoding="utf-8"?>
 <p:sld xmlns:a="http://schemas.openxmlformats.org/drawingml/2006/main" xmlns:r="http://schemas.openxmlformats.org/officeDocument/2006/relationships" xmlns:p="http://schemas.openxmlformats.org/presentationml/2006/main">
   <p:cSld>
     <p:spTree>
@@ -5739,7 +5907,7 @@
                 </a:solidFill>
               </a:rPr>
               <a:pPr/>
-              <a:t>15</a:t>
+              <a:t>18</a:t>
             </a:fld>
             <a:endParaRPr lang="en-US" sz="2800" dirty="0">
               <a:solidFill>
@@ -5789,298 +5957,7 @@
 </p:sld>
 </file>
 
-<file path=ppt/slides/slide16.xml><?xml version="1.0" encoding="utf-8"?>
-<p:sld xmlns:a="http://schemas.openxmlformats.org/drawingml/2006/main" xmlns:r="http://schemas.openxmlformats.org/officeDocument/2006/relationships" xmlns:p="http://schemas.openxmlformats.org/presentationml/2006/main">
-  <p:cSld>
-    <p:spTree>
-      <p:nvGrpSpPr>
-        <p:cNvPr id="1" name=""/>
-        <p:cNvGrpSpPr/>
-        <p:nvPr/>
-      </p:nvGrpSpPr>
-      <p:grpSpPr>
-        <a:xfrm>
-          <a:off x="0" y="0"/>
-          <a:ext cx="0" cy="0"/>
-          <a:chOff x="0" y="0"/>
-          <a:chExt cx="0" cy="0"/>
-        </a:xfrm>
-      </p:grpSpPr>
-      <p:sp>
-        <p:nvSpPr>
-          <p:cNvPr id="2" name="Title 1"/>
-          <p:cNvSpPr>
-            <a:spLocks noGrp="1"/>
-          </p:cNvSpPr>
-          <p:nvPr>
-            <p:ph type="title"/>
-          </p:nvPr>
-        </p:nvSpPr>
-        <p:spPr/>
-        <p:txBody>
-          <a:bodyPr/>
-          <a:lstStyle/>
-          <a:p>
-            <a:r>
-              <a:rPr lang="es-MX" dirty="0"/>
-              <a:t>Diseño del sistema</a:t>
-            </a:r>
-          </a:p>
-        </p:txBody>
-      </p:sp>
-      <p:pic>
-        <p:nvPicPr>
-          <p:cNvPr id="6" name="Content Placeholder 5"/>
-          <p:cNvPicPr>
-            <a:picLocks noGrp="1" noChangeAspect="1"/>
-          </p:cNvPicPr>
-          <p:nvPr>
-            <p:ph idx="1"/>
-          </p:nvPr>
-        </p:nvPicPr>
-        <p:blipFill>
-          <a:blip r:embed="rId2" cstate="email">
-            <a:extLst>
-              <a:ext uri="{28A0092B-C50C-407E-A947-70E740481C1C}">
-                <a14:useLocalDpi xmlns:a14="http://schemas.microsoft.com/office/drawing/2010/main" val="0"/>
-              </a:ext>
-            </a:extLst>
-          </a:blip>
-          <a:stretch>
-            <a:fillRect/>
-          </a:stretch>
-        </p:blipFill>
-        <p:spPr>
-          <a:xfrm>
-            <a:off x="827584" y="1844824"/>
-            <a:ext cx="8077200" cy="3960440"/>
-          </a:xfrm>
-        </p:spPr>
-      </p:pic>
-      <p:sp>
-        <p:nvSpPr>
-          <p:cNvPr id="4" name="Slide Number Placeholder 3"/>
-          <p:cNvSpPr>
-            <a:spLocks noGrp="1"/>
-          </p:cNvSpPr>
-          <p:nvPr>
-            <p:ph type="sldNum" sz="quarter" idx="12"/>
-          </p:nvPr>
-        </p:nvSpPr>
-        <p:spPr/>
-        <p:txBody>
-          <a:bodyPr/>
-          <a:lstStyle/>
-          <a:p>
-            <a:fld id="{33D6E5A2-EC83-451F-A719-9AC1370DD5CF}" type="slidenum">
-              <a:rPr lang="en-US" sz="2800" smtClean="0">
-                <a:solidFill>
-                  <a:schemeClr val="tx1"/>
-                </a:solidFill>
-              </a:rPr>
-              <a:pPr/>
-              <a:t>16</a:t>
-            </a:fld>
-            <a:endParaRPr lang="en-US" sz="2800" dirty="0">
-              <a:solidFill>
-                <a:schemeClr val="tx1"/>
-              </a:solidFill>
-            </a:endParaRPr>
-          </a:p>
-        </p:txBody>
-      </p:sp>
-    </p:spTree>
-    <p:extLst>
-      <p:ext uri="{BB962C8B-B14F-4D97-AF65-F5344CB8AC3E}">
-        <p14:creationId xmlns:p14="http://schemas.microsoft.com/office/powerpoint/2010/main" val="1675899458"/>
-      </p:ext>
-    </p:extLst>
-  </p:cSld>
-  <p:clrMapOvr>
-    <a:masterClrMapping/>
-  </p:clrMapOvr>
-  <p:transition spd="slow">
-    <p:wipe dir="d"/>
-  </p:transition>
-</p:sld>
-</file>
-
-<file path=ppt/slides/slide17.xml><?xml version="1.0" encoding="utf-8"?>
-<p:sld xmlns:a="http://schemas.openxmlformats.org/drawingml/2006/main" xmlns:r="http://schemas.openxmlformats.org/officeDocument/2006/relationships" xmlns:p="http://schemas.openxmlformats.org/presentationml/2006/main">
-  <p:cSld>
-    <p:spTree>
-      <p:nvGrpSpPr>
-        <p:cNvPr id="1" name=""/>
-        <p:cNvGrpSpPr/>
-        <p:nvPr/>
-      </p:nvGrpSpPr>
-      <p:grpSpPr>
-        <a:xfrm>
-          <a:off x="0" y="0"/>
-          <a:ext cx="0" cy="0"/>
-          <a:chOff x="0" y="0"/>
-          <a:chExt cx="0" cy="0"/>
-        </a:xfrm>
-      </p:grpSpPr>
-      <p:sp>
-        <p:nvSpPr>
-          <p:cNvPr id="2" name="Title 1"/>
-          <p:cNvSpPr>
-            <a:spLocks noGrp="1"/>
-          </p:cNvSpPr>
-          <p:nvPr>
-            <p:ph type="title"/>
-          </p:nvPr>
-        </p:nvSpPr>
-        <p:spPr/>
-        <p:txBody>
-          <a:bodyPr/>
-          <a:lstStyle/>
-          <a:p>
-            <a:r>
-              <a:rPr lang="es-MX" dirty="0"/>
-              <a:t>Descripción de módulos</a:t>
-            </a:r>
-          </a:p>
-        </p:txBody>
-      </p:sp>
-      <p:sp>
-        <p:nvSpPr>
-          <p:cNvPr id="3" name="Content Placeholder 2"/>
-          <p:cNvSpPr>
-            <a:spLocks noGrp="1"/>
-          </p:cNvSpPr>
-          <p:nvPr>
-            <p:ph idx="1"/>
-          </p:nvPr>
-        </p:nvSpPr>
-        <p:spPr>
-          <a:xfrm>
-            <a:off x="611560" y="1124744"/>
-            <a:ext cx="8077200" cy="5000939"/>
-          </a:xfrm>
-        </p:spPr>
-        <p:txBody>
-          <a:bodyPr>
-            <a:normAutofit lnSpcReduction="10000"/>
-          </a:bodyPr>
-          <a:lstStyle/>
-          <a:p>
-            <a:endParaRPr lang="es-MX" dirty="0"/>
-          </a:p>
-          <a:p>
-            <a:pPr algn="just"/>
-            <a:r>
-              <a:rPr lang="es-MX" dirty="0"/>
-              <a:t>Módulo de decodificación DICOM.</a:t>
-            </a:r>
-          </a:p>
-          <a:p>
-            <a:pPr marL="0" indent="0" algn="just">
-              <a:buNone/>
-            </a:pPr>
-            <a:endParaRPr lang="es-MX" dirty="0"/>
-          </a:p>
-          <a:p>
-            <a:pPr algn="just"/>
-            <a:r>
-              <a:rPr lang="es-MX" dirty="0"/>
-              <a:t>Módulo de visualización.</a:t>
-            </a:r>
-          </a:p>
-          <a:p>
-            <a:pPr algn="just"/>
-            <a:endParaRPr lang="es-MX" dirty="0"/>
-          </a:p>
-          <a:p>
-            <a:pPr algn="just"/>
-            <a:r>
-              <a:rPr lang="es-MX" dirty="0"/>
-              <a:t>Módulo de tratamiento de imagen.</a:t>
-            </a:r>
-          </a:p>
-          <a:p>
-            <a:pPr lvl="1" algn="just"/>
-            <a:r>
-              <a:rPr lang="es-MX" dirty="0"/>
-              <a:t>Segmentación de regiones.</a:t>
-            </a:r>
-          </a:p>
-          <a:p>
-            <a:pPr lvl="1" algn="just"/>
-            <a:r>
-              <a:rPr lang="es-MX" dirty="0"/>
-              <a:t>Clasificación de regiones.</a:t>
-            </a:r>
-          </a:p>
-          <a:p>
-            <a:pPr lvl="1" algn="just"/>
-            <a:r>
-              <a:rPr lang="es-MX" dirty="0"/>
-              <a:t>Análisis de regiones.</a:t>
-            </a:r>
-          </a:p>
-          <a:p>
-            <a:pPr lvl="1"/>
-            <a:endParaRPr lang="es-MX" dirty="0"/>
-          </a:p>
-          <a:p>
-            <a:pPr marL="457200" lvl="1" indent="0">
-              <a:buNone/>
-            </a:pPr>
-            <a:endParaRPr lang="es-MX" dirty="0"/>
-          </a:p>
-        </p:txBody>
-      </p:sp>
-      <p:sp>
-        <p:nvSpPr>
-          <p:cNvPr id="4" name="Slide Number Placeholder 3"/>
-          <p:cNvSpPr>
-            <a:spLocks noGrp="1"/>
-          </p:cNvSpPr>
-          <p:nvPr>
-            <p:ph type="sldNum" sz="quarter" idx="12"/>
-          </p:nvPr>
-        </p:nvSpPr>
-        <p:spPr/>
-        <p:txBody>
-          <a:bodyPr/>
-          <a:lstStyle/>
-          <a:p>
-            <a:fld id="{33D6E5A2-EC83-451F-A719-9AC1370DD5CF}" type="slidenum">
-              <a:rPr lang="en-US" sz="2800" smtClean="0">
-                <a:solidFill>
-                  <a:schemeClr val="tx1"/>
-                </a:solidFill>
-              </a:rPr>
-              <a:pPr/>
-              <a:t>17</a:t>
-            </a:fld>
-            <a:endParaRPr lang="en-US" sz="2800" dirty="0">
-              <a:solidFill>
-                <a:schemeClr val="tx1"/>
-              </a:solidFill>
-            </a:endParaRPr>
-          </a:p>
-        </p:txBody>
-      </p:sp>
-    </p:spTree>
-    <p:extLst>
-      <p:ext uri="{BB962C8B-B14F-4D97-AF65-F5344CB8AC3E}">
-        <p14:creationId xmlns:p14="http://schemas.microsoft.com/office/powerpoint/2010/main" val="24652097"/>
-      </p:ext>
-    </p:extLst>
-  </p:cSld>
-  <p:clrMapOvr>
-    <a:masterClrMapping/>
-  </p:clrMapOvr>
-  <p:transition spd="slow">
-    <p:wipe dir="d"/>
-  </p:transition>
-</p:sld>
-</file>
-
-<file path=ppt/slides/slide18.xml><?xml version="1.0" encoding="utf-8"?>
+<file path=ppt/slides/slide19.xml><?xml version="1.0" encoding="utf-8"?>
 <p:sld xmlns:a="http://schemas.openxmlformats.org/drawingml/2006/main" xmlns:r="http://schemas.openxmlformats.org/officeDocument/2006/relationships" xmlns:p="http://schemas.openxmlformats.org/presentationml/2006/main">
   <p:cSld>
     <p:spTree>
@@ -6170,148 +6047,6 @@
                 </a:solidFill>
               </a:rPr>
               <a:pPr/>
-              <a:t>18</a:t>
-            </a:fld>
-            <a:endParaRPr lang="en-US" sz="2800" dirty="0">
-              <a:solidFill>
-                <a:schemeClr val="tx1"/>
-              </a:solidFill>
-            </a:endParaRPr>
-          </a:p>
-        </p:txBody>
-      </p:sp>
-    </p:spTree>
-    <p:extLst>
-      <p:ext uri="{BB962C8B-B14F-4D97-AF65-F5344CB8AC3E}">
-        <p14:creationId xmlns:p14="http://schemas.microsoft.com/office/powerpoint/2010/main" val="2946837166"/>
-      </p:ext>
-    </p:extLst>
-  </p:cSld>
-  <p:clrMapOvr>
-    <a:masterClrMapping/>
-  </p:clrMapOvr>
-  <p:transition spd="slow">
-    <p:wipe dir="d"/>
-  </p:transition>
-</p:sld>
-</file>
-
-<file path=ppt/slides/slide19.xml><?xml version="1.0" encoding="utf-8"?>
-<p:sld xmlns:a="http://schemas.openxmlformats.org/drawingml/2006/main" xmlns:r="http://schemas.openxmlformats.org/officeDocument/2006/relationships" xmlns:p="http://schemas.openxmlformats.org/presentationml/2006/main">
-  <p:cSld>
-    <p:spTree>
-      <p:nvGrpSpPr>
-        <p:cNvPr id="1" name=""/>
-        <p:cNvGrpSpPr/>
-        <p:nvPr/>
-      </p:nvGrpSpPr>
-      <p:grpSpPr>
-        <a:xfrm>
-          <a:off x="0" y="0"/>
-          <a:ext cx="0" cy="0"/>
-          <a:chOff x="0" y="0"/>
-          <a:chExt cx="0" cy="0"/>
-        </a:xfrm>
-      </p:grpSpPr>
-      <p:sp>
-        <p:nvSpPr>
-          <p:cNvPr id="2" name="Title 1"/>
-          <p:cNvSpPr>
-            <a:spLocks noGrp="1"/>
-          </p:cNvSpPr>
-          <p:nvPr>
-            <p:ph type="title"/>
-          </p:nvPr>
-        </p:nvSpPr>
-        <p:spPr/>
-        <p:txBody>
-          <a:bodyPr/>
-          <a:lstStyle/>
-          <a:p>
-            <a:r>
-              <a:rPr lang="es-MX" dirty="0"/>
-              <a:t>Resultados Trabajo Terminal I</a:t>
-            </a:r>
-          </a:p>
-        </p:txBody>
-      </p:sp>
-      <p:sp>
-        <p:nvSpPr>
-          <p:cNvPr id="3" name="Content Placeholder 2"/>
-          <p:cNvSpPr>
-            <a:spLocks noGrp="1"/>
-          </p:cNvSpPr>
-          <p:nvPr>
-            <p:ph idx="1"/>
-          </p:nvPr>
-        </p:nvSpPr>
-        <p:spPr/>
-        <p:txBody>
-          <a:bodyPr/>
-          <a:lstStyle/>
-          <a:p>
-            <a:pPr algn="just"/>
-            <a:r>
-              <a:rPr lang="es-MX" dirty="0"/>
-              <a:t>Se completó la etapa de análisis.</a:t>
-            </a:r>
-          </a:p>
-          <a:p>
-            <a:pPr algn="just"/>
-            <a:r>
-              <a:rPr lang="es-MX" dirty="0"/>
-              <a:t>Se completó el módulo de decodificación DICOM.</a:t>
-            </a:r>
-          </a:p>
-          <a:p>
-            <a:pPr algn="just"/>
-            <a:r>
-              <a:rPr lang="es-MX" dirty="0"/>
-              <a:t>Se completó el módulo de visualización.</a:t>
-            </a:r>
-          </a:p>
-          <a:p>
-            <a:pPr algn="just"/>
-            <a:r>
-              <a:rPr lang="es-MX" dirty="0"/>
-              <a:t>Se implementaron dos algoritmos básicos de tratamiento de imagen, </a:t>
-            </a:r>
-            <a:r>
-              <a:rPr lang="es-MX" dirty="0" err="1"/>
-              <a:t>umbralización</a:t>
-            </a:r>
-            <a:r>
-              <a:rPr lang="es-MX" dirty="0"/>
-              <a:t> y región creciente a una tomografía.</a:t>
-            </a:r>
-          </a:p>
-          <a:p>
-            <a:endParaRPr lang="es-MX" dirty="0"/>
-          </a:p>
-        </p:txBody>
-      </p:sp>
-      <p:sp>
-        <p:nvSpPr>
-          <p:cNvPr id="4" name="Slide Number Placeholder 3"/>
-          <p:cNvSpPr>
-            <a:spLocks noGrp="1"/>
-          </p:cNvSpPr>
-          <p:nvPr>
-            <p:ph type="sldNum" sz="quarter" idx="12"/>
-          </p:nvPr>
-        </p:nvSpPr>
-        <p:spPr/>
-        <p:txBody>
-          <a:bodyPr/>
-          <a:lstStyle/>
-          <a:p>
-            <a:fld id="{33D6E5A2-EC83-451F-A719-9AC1370DD5CF}" type="slidenum">
-              <a:rPr lang="en-US" sz="2800" smtClean="0">
-                <a:solidFill>
-                  <a:schemeClr val="tx1"/>
-                </a:solidFill>
-              </a:rPr>
-              <a:pPr/>
               <a:t>19</a:t>
             </a:fld>
             <a:endParaRPr lang="en-US" sz="2800" dirty="0">
@@ -6325,7 +6060,7 @@
     </p:spTree>
     <p:extLst>
       <p:ext uri="{BB962C8B-B14F-4D97-AF65-F5344CB8AC3E}">
-        <p14:creationId xmlns:p14="http://schemas.microsoft.com/office/powerpoint/2010/main" val="863306336"/>
+        <p14:creationId xmlns:p14="http://schemas.microsoft.com/office/powerpoint/2010/main" val="2946837166"/>
       </p:ext>
     </p:extLst>
   </p:cSld>
@@ -6880,7 +6615,7 @@
           <a:p>
             <a:r>
               <a:rPr lang="es-MX" dirty="0"/>
-              <a:t>Tareas para Trabajo Terminal II</a:t>
+              <a:t>Resultados Trabajo Terminal I</a:t>
             </a:r>
           </a:p>
         </p:txBody>
@@ -6895,43 +6630,37 @@
             <p:ph idx="1"/>
           </p:nvPr>
         </p:nvSpPr>
-        <p:spPr>
-          <a:xfrm>
-            <a:off x="683568" y="1596413"/>
-            <a:ext cx="8280920" cy="4297363"/>
-          </a:xfrm>
-        </p:spPr>
-        <p:txBody>
-          <a:bodyPr/>
-          <a:lstStyle/>
-          <a:p>
+        <p:spPr/>
+        <p:txBody>
+          <a:bodyPr/>
+          <a:lstStyle/>
+          <a:p>
+            <a:pPr algn="just"/>
             <a:r>
               <a:rPr lang="es-MX" dirty="0"/>
-              <a:t>Añadir diversos algoritmos en el módulo de tratamiento.</a:t>
-            </a:r>
-          </a:p>
-          <a:p>
-            <a:pPr marL="0" indent="0">
-              <a:buNone/>
-            </a:pPr>
-            <a:endParaRPr lang="es-MX" dirty="0"/>
-          </a:p>
-          <a:p>
+              <a:t>Se completó el módulo de decodificación DICOM.</a:t>
+            </a:r>
+          </a:p>
+          <a:p>
+            <a:pPr algn="just"/>
             <a:r>
               <a:rPr lang="es-MX" dirty="0"/>
-              <a:t>Diseñar e implementar la interfaz de usuario.</a:t>
-            </a:r>
-          </a:p>
-          <a:p>
-            <a:pPr marL="0" indent="0">
-              <a:buNone/>
-            </a:pPr>
-            <a:endParaRPr lang="es-MX" dirty="0"/>
-          </a:p>
-          <a:p>
+              <a:t>Se completó el módulo de visualización.</a:t>
+            </a:r>
+          </a:p>
+          <a:p>
+            <a:pPr algn="just"/>
             <a:r>
               <a:rPr lang="es-MX" dirty="0"/>
-              <a:t>Realización de manual de usuario.</a:t>
+              <a:t>Se implementaron dos algoritmos básicos de tratamiento de imagen, </a:t>
+            </a:r>
+            <a:r>
+              <a:rPr lang="es-MX" dirty="0" err="1"/>
+              <a:t>umbralización</a:t>
+            </a:r>
+            <a:r>
+              <a:rPr lang="es-MX" dirty="0"/>
+              <a:t> y región creciente a una tomografía.</a:t>
             </a:r>
           </a:p>
           <a:p>
@@ -6974,7 +6703,7 @@
     </p:spTree>
     <p:extLst>
       <p:ext uri="{BB962C8B-B14F-4D97-AF65-F5344CB8AC3E}">
-        <p14:creationId xmlns:p14="http://schemas.microsoft.com/office/powerpoint/2010/main" val="473504181"/>
+        <p14:creationId xmlns:p14="http://schemas.microsoft.com/office/powerpoint/2010/main" val="863306336"/>
       </p:ext>
     </p:extLst>
   </p:cSld>
@@ -7006,161 +6735,83 @@
       </p:grpSpPr>
       <p:sp>
         <p:nvSpPr>
-          <p:cNvPr id="620546" name="Rectangle 2"/>
-          <p:cNvSpPr>
-            <a:spLocks noGrp="1" noChangeArrowheads="1"/>
+          <p:cNvPr id="2" name="Title 1"/>
+          <p:cNvSpPr>
+            <a:spLocks noGrp="1"/>
           </p:cNvSpPr>
           <p:nvPr>
             <p:ph type="title"/>
-            <p:custDataLst>
-              <p:tags r:id="rId2"/>
-            </p:custDataLst>
+          </p:nvPr>
+        </p:nvSpPr>
+        <p:spPr/>
+        <p:txBody>
+          <a:bodyPr/>
+          <a:lstStyle/>
+          <a:p>
+            <a:r>
+              <a:rPr lang="es-MX" dirty="0"/>
+              <a:t>Tareas para Trabajo Terminal II</a:t>
+            </a:r>
+          </a:p>
+        </p:txBody>
+      </p:sp>
+      <p:sp>
+        <p:nvSpPr>
+          <p:cNvPr id="3" name="Content Placeholder 2"/>
+          <p:cNvSpPr>
+            <a:spLocks noGrp="1"/>
+          </p:cNvSpPr>
+          <p:nvPr>
+            <p:ph idx="1"/>
           </p:nvPr>
         </p:nvSpPr>
         <p:spPr>
           <a:xfrm>
-            <a:off x="215008" y="2132856"/>
-            <a:ext cx="8928992" cy="3024336"/>
+            <a:off x="683568" y="1596413"/>
+            <a:ext cx="8280920" cy="4297363"/>
           </a:xfrm>
         </p:spPr>
         <p:txBody>
-          <a:bodyPr>
-            <a:noAutofit/>
-          </a:bodyPr>
-          <a:lstStyle/>
-          <a:p>
-            <a:pPr>
-              <a:defRPr/>
+          <a:bodyPr/>
+          <a:lstStyle/>
+          <a:p>
+            <a:r>
+              <a:rPr lang="es-MX" dirty="0"/>
+              <a:t>Añadir diversos algoritmos en el módulo de tratamiento.</a:t>
+            </a:r>
+          </a:p>
+          <a:p>
+            <a:pPr marL="0" indent="0">
+              <a:buNone/>
             </a:pPr>
-            <a:r>
-              <a:rPr lang="en-US" sz="5400" dirty="0">
-                <a:solidFill>
-                  <a:schemeClr val="tx1"/>
-                </a:solidFill>
-              </a:rPr>
-              <a:t>	Gracias </a:t>
-            </a:r>
-            <a:r>
-              <a:rPr lang="en-US" sz="5400" dirty="0" err="1">
-                <a:solidFill>
-                  <a:schemeClr val="tx1"/>
-                </a:solidFill>
-              </a:rPr>
-              <a:t>por</a:t>
-            </a:r>
-            <a:r>
-              <a:rPr lang="en-US" sz="5400" dirty="0">
-                <a:solidFill>
-                  <a:schemeClr val="tx1"/>
-                </a:solidFill>
-              </a:rPr>
-              <a:t> </a:t>
-            </a:r>
-            <a:r>
-              <a:rPr lang="en-US" sz="5400" dirty="0" err="1">
-                <a:solidFill>
-                  <a:schemeClr val="tx1"/>
-                </a:solidFill>
-              </a:rPr>
-              <a:t>su</a:t>
-            </a:r>
-            <a:r>
-              <a:rPr lang="en-US" sz="5400" dirty="0">
-                <a:solidFill>
-                  <a:schemeClr val="tx1"/>
-                </a:solidFill>
-              </a:rPr>
-              <a:t> </a:t>
-            </a:r>
-            <a:r>
-              <a:rPr lang="en-US" sz="5400" dirty="0" err="1">
-                <a:solidFill>
-                  <a:schemeClr val="tx1"/>
-                </a:solidFill>
-              </a:rPr>
-              <a:t>atención</a:t>
-            </a:r>
-            <a:br>
-              <a:rPr lang="en-US" sz="5400" dirty="0">
-                <a:solidFill>
-                  <a:schemeClr val="tx1"/>
-                </a:solidFill>
-              </a:rPr>
-            </a:br>
-            <a:br>
-              <a:rPr lang="en-US" sz="5400" dirty="0">
-                <a:solidFill>
-                  <a:schemeClr val="tx1"/>
-                </a:solidFill>
-              </a:rPr>
-            </a:br>
-            <a:r>
-              <a:rPr lang="en-US" dirty="0" err="1">
-                <a:solidFill>
-                  <a:schemeClr val="tx1"/>
-                </a:solidFill>
-              </a:rPr>
-              <a:t>Ahora</a:t>
-            </a:r>
-            <a:r>
-              <a:rPr lang="en-US" dirty="0">
-                <a:solidFill>
-                  <a:schemeClr val="tx1"/>
-                </a:solidFill>
-              </a:rPr>
-              <a:t> </a:t>
-            </a:r>
-            <a:r>
-              <a:rPr lang="en-US" dirty="0" err="1">
-                <a:solidFill>
-                  <a:schemeClr val="tx1"/>
-                </a:solidFill>
-              </a:rPr>
-              <a:t>pasaremos</a:t>
-            </a:r>
-            <a:r>
-              <a:rPr lang="en-US" dirty="0">
-                <a:solidFill>
-                  <a:schemeClr val="tx1"/>
-                </a:solidFill>
-              </a:rPr>
-              <a:t> a la </a:t>
-            </a:r>
-            <a:r>
-              <a:rPr lang="en-US" dirty="0" err="1">
-                <a:solidFill>
-                  <a:schemeClr val="tx1"/>
-                </a:solidFill>
-              </a:rPr>
-              <a:t>sesión</a:t>
-            </a:r>
-            <a:r>
-              <a:rPr lang="en-US" dirty="0">
-                <a:solidFill>
-                  <a:schemeClr val="tx1"/>
-                </a:solidFill>
-              </a:rPr>
-              <a:t> de </a:t>
-            </a:r>
-            <a:r>
-              <a:rPr lang="en-US" dirty="0" err="1">
-                <a:solidFill>
-                  <a:schemeClr val="tx1"/>
-                </a:solidFill>
-              </a:rPr>
-              <a:t>preguntas</a:t>
-            </a:r>
-            <a:endParaRPr lang="en-US" dirty="0">
-              <a:solidFill>
-                <a:schemeClr val="tx1"/>
-              </a:solidFill>
-            </a:endParaRPr>
-          </a:p>
-        </p:txBody>
-      </p:sp>
-      <p:sp>
-        <p:nvSpPr>
-          <p:cNvPr id="2" name="Slide Number Placeholder 1"/>
+            <a:endParaRPr lang="es-MX" dirty="0"/>
+          </a:p>
+          <a:p>
+            <a:r>
+              <a:rPr lang="es-MX" dirty="0"/>
+              <a:t>Diseñar e implementar la interfaz de usuario.</a:t>
+            </a:r>
+          </a:p>
+          <a:p>
+            <a:pPr marL="0" indent="0">
+              <a:buNone/>
+            </a:pPr>
+            <a:endParaRPr lang="es-MX" dirty="0"/>
+          </a:p>
+          <a:p>
+            <a:r>
+              <a:rPr lang="es-MX" dirty="0"/>
+              <a:t>Realización de manual de usuario.</a:t>
+            </a:r>
+          </a:p>
+          <a:p>
+            <a:endParaRPr lang="es-MX" dirty="0"/>
+          </a:p>
+        </p:txBody>
+      </p:sp>
+      <p:sp>
+        <p:nvSpPr>
+          <p:cNvPr id="4" name="Slide Number Placeholder 3"/>
           <p:cNvSpPr>
             <a:spLocks noGrp="1"/>
           </p:cNvSpPr>
@@ -7191,15 +6842,17 @@
         </p:txBody>
       </p:sp>
     </p:spTree>
-    <p:custDataLst>
-      <p:tags r:id="rId1"/>
-    </p:custDataLst>
+    <p:extLst>
+      <p:ext uri="{BB962C8B-B14F-4D97-AF65-F5344CB8AC3E}">
+        <p14:creationId xmlns:p14="http://schemas.microsoft.com/office/powerpoint/2010/main" val="473504181"/>
+      </p:ext>
+    </p:extLst>
   </p:cSld>
   <p:clrMapOvr>
     <a:masterClrMapping/>
   </p:clrMapOvr>
-  <p:transition>
-    <p:fade/>
+  <p:transition spd="slow">
+    <p:wipe dir="d"/>
   </p:transition>
 </p:sld>
 </file>
@@ -7223,7 +6876,7 @@
       </p:grpSpPr>
       <p:sp>
         <p:nvSpPr>
-          <p:cNvPr id="622594" name="Rectangle 2"/>
+          <p:cNvPr id="620546" name="Rectangle 2"/>
           <p:cNvSpPr>
             <a:spLocks noGrp="1" noChangeArrowheads="1"/>
           </p:cNvSpPr>
@@ -7234,19 +6887,144 @@
             </p:custDataLst>
           </p:nvPr>
         </p:nvSpPr>
-        <p:spPr/>
-        <p:txBody>
-          <a:bodyPr/>
+        <p:spPr>
+          <a:xfrm>
+            <a:off x="215008" y="2132856"/>
+            <a:ext cx="8928992" cy="3024336"/>
+          </a:xfrm>
+        </p:spPr>
+        <p:txBody>
+          <a:bodyPr>
+            <a:noAutofit/>
+          </a:bodyPr>
           <a:lstStyle/>
           <a:p>
             <a:pPr>
               <a:defRPr/>
             </a:pPr>
             <a:r>
-              <a:rPr lang="en-US"/>
-              <a:t>ejemplo</a:t>
-            </a:r>
-            <a:endParaRPr lang="en-US" dirty="0"/>
+              <a:rPr lang="en-US" sz="5400" dirty="0">
+                <a:solidFill>
+                  <a:schemeClr val="tx1"/>
+                </a:solidFill>
+              </a:rPr>
+              <a:t>	Gracias </a:t>
+            </a:r>
+            <a:r>
+              <a:rPr lang="en-US" sz="5400" dirty="0" err="1">
+                <a:solidFill>
+                  <a:schemeClr val="tx1"/>
+                </a:solidFill>
+              </a:rPr>
+              <a:t>por</a:t>
+            </a:r>
+            <a:r>
+              <a:rPr lang="en-US" sz="5400" dirty="0">
+                <a:solidFill>
+                  <a:schemeClr val="tx1"/>
+                </a:solidFill>
+              </a:rPr>
+              <a:t> </a:t>
+            </a:r>
+            <a:r>
+              <a:rPr lang="en-US" sz="5400" dirty="0" err="1">
+                <a:solidFill>
+                  <a:schemeClr val="tx1"/>
+                </a:solidFill>
+              </a:rPr>
+              <a:t>su</a:t>
+            </a:r>
+            <a:r>
+              <a:rPr lang="en-US" sz="5400" dirty="0">
+                <a:solidFill>
+                  <a:schemeClr val="tx1"/>
+                </a:solidFill>
+              </a:rPr>
+              <a:t> </a:t>
+            </a:r>
+            <a:r>
+              <a:rPr lang="en-US" sz="5400" dirty="0" err="1">
+                <a:solidFill>
+                  <a:schemeClr val="tx1"/>
+                </a:solidFill>
+              </a:rPr>
+              <a:t>atención</a:t>
+            </a:r>
+            <a:br>
+              <a:rPr lang="en-US" sz="5400" dirty="0">
+                <a:solidFill>
+                  <a:schemeClr val="tx1"/>
+                </a:solidFill>
+              </a:rPr>
+            </a:br>
+            <a:br>
+              <a:rPr lang="en-US" sz="5400" dirty="0">
+                <a:solidFill>
+                  <a:schemeClr val="tx1"/>
+                </a:solidFill>
+              </a:rPr>
+            </a:br>
+            <a:r>
+              <a:rPr lang="en-US" dirty="0" err="1">
+                <a:solidFill>
+                  <a:schemeClr val="tx1"/>
+                </a:solidFill>
+              </a:rPr>
+              <a:t>Ahora</a:t>
+            </a:r>
+            <a:r>
+              <a:rPr lang="en-US" dirty="0">
+                <a:solidFill>
+                  <a:schemeClr val="tx1"/>
+                </a:solidFill>
+              </a:rPr>
+              <a:t> </a:t>
+            </a:r>
+            <a:r>
+              <a:rPr lang="en-US" dirty="0" err="1">
+                <a:solidFill>
+                  <a:schemeClr val="tx1"/>
+                </a:solidFill>
+              </a:rPr>
+              <a:t>pasaremos</a:t>
+            </a:r>
+            <a:r>
+              <a:rPr lang="en-US" dirty="0">
+                <a:solidFill>
+                  <a:schemeClr val="tx1"/>
+                </a:solidFill>
+              </a:rPr>
+              <a:t> a la </a:t>
+            </a:r>
+            <a:r>
+              <a:rPr lang="en-US" dirty="0" err="1">
+                <a:solidFill>
+                  <a:schemeClr val="tx1"/>
+                </a:solidFill>
+              </a:rPr>
+              <a:t>sesión</a:t>
+            </a:r>
+            <a:r>
+              <a:rPr lang="en-US" dirty="0">
+                <a:solidFill>
+                  <a:schemeClr val="tx1"/>
+                </a:solidFill>
+              </a:rPr>
+              <a:t> de </a:t>
+            </a:r>
+            <a:r>
+              <a:rPr lang="en-US" dirty="0" err="1">
+                <a:solidFill>
+                  <a:schemeClr val="tx1"/>
+                </a:solidFill>
+              </a:rPr>
+              <a:t>preguntas</a:t>
+            </a:r>
+            <a:endParaRPr lang="en-US" dirty="0">
+              <a:solidFill>
+                <a:schemeClr val="tx1"/>
+              </a:solidFill>
+            </a:endParaRPr>
           </a:p>
         </p:txBody>
       </p:sp>
@@ -7266,11 +7044,19 @@
           <a:lstStyle/>
           <a:p>
             <a:fld id="{33D6E5A2-EC83-451F-A719-9AC1370DD5CF}" type="slidenum">
-              <a:rPr lang="en-US" smtClean="0"/>
+              <a:rPr lang="en-US" sz="2800" smtClean="0">
+                <a:solidFill>
+                  <a:schemeClr val="tx1"/>
+                </a:solidFill>
+              </a:rPr>
               <a:pPr/>
               <a:t>22</a:t>
             </a:fld>
-            <a:endParaRPr lang="en-US" dirty="0"/>
+            <a:endParaRPr lang="en-US" sz="2800" dirty="0">
+              <a:solidFill>
+                <a:schemeClr val="tx1"/>
+              </a:solidFill>
+            </a:endParaRPr>
           </a:p>
         </p:txBody>
       </p:sp>
@@ -7284,6 +7070,571 @@
   </p:clrMapOvr>
   <p:transition>
     <p:fade/>
+  </p:transition>
+</p:sld>
+</file>
+
+<file path=ppt/slides/slide23.xml><?xml version="1.0" encoding="utf-8"?>
+<p:sld xmlns:a="http://schemas.openxmlformats.org/drawingml/2006/main" xmlns:r="http://schemas.openxmlformats.org/officeDocument/2006/relationships" xmlns:p="http://schemas.openxmlformats.org/presentationml/2006/main">
+  <p:cSld>
+    <p:spTree>
+      <p:nvGrpSpPr>
+        <p:cNvPr id="1" name=""/>
+        <p:cNvGrpSpPr/>
+        <p:nvPr/>
+      </p:nvGrpSpPr>
+      <p:grpSpPr>
+        <a:xfrm>
+          <a:off x="0" y="0"/>
+          <a:ext cx="0" cy="0"/>
+          <a:chOff x="0" y="0"/>
+          <a:chExt cx="0" cy="0"/>
+        </a:xfrm>
+      </p:grpSpPr>
+      <p:sp>
+        <p:nvSpPr>
+          <p:cNvPr id="2" name="Title 1"/>
+          <p:cNvSpPr>
+            <a:spLocks noGrp="1"/>
+          </p:cNvSpPr>
+          <p:nvPr>
+            <p:ph type="title"/>
+          </p:nvPr>
+        </p:nvSpPr>
+        <p:spPr/>
+        <p:txBody>
+          <a:bodyPr/>
+          <a:lstStyle/>
+          <a:p>
+            <a:r>
+              <a:rPr lang="es-MX" dirty="0"/>
+              <a:t>anexos</a:t>
+            </a:r>
+          </a:p>
+        </p:txBody>
+      </p:sp>
+      <p:sp>
+        <p:nvSpPr>
+          <p:cNvPr id="3" name="Slide Number Placeholder 2"/>
+          <p:cNvSpPr>
+            <a:spLocks noGrp="1"/>
+          </p:cNvSpPr>
+          <p:nvPr>
+            <p:ph type="sldNum" sz="quarter" idx="12"/>
+          </p:nvPr>
+        </p:nvSpPr>
+        <p:spPr/>
+        <p:txBody>
+          <a:bodyPr/>
+          <a:lstStyle/>
+          <a:p>
+            <a:fld id="{33D6E5A2-EC83-451F-A719-9AC1370DD5CF}" type="slidenum">
+              <a:rPr lang="en-US" smtClean="0"/>
+              <a:pPr/>
+              <a:t>23</a:t>
+            </a:fld>
+            <a:endParaRPr lang="en-US" dirty="0"/>
+          </a:p>
+        </p:txBody>
+      </p:sp>
+    </p:spTree>
+    <p:extLst>
+      <p:ext uri="{BB962C8B-B14F-4D97-AF65-F5344CB8AC3E}">
+        <p14:creationId xmlns:p14="http://schemas.microsoft.com/office/powerpoint/2010/main" val="3285178066"/>
+      </p:ext>
+    </p:extLst>
+  </p:cSld>
+  <p:clrMapOvr>
+    <a:masterClrMapping/>
+  </p:clrMapOvr>
+  <p:transition spd="slow">
+    <p:wipe dir="d"/>
+  </p:transition>
+</p:sld>
+</file>
+
+<file path=ppt/slides/slide24.xml><?xml version="1.0" encoding="utf-8"?>
+<p:sld xmlns:a="http://schemas.openxmlformats.org/drawingml/2006/main" xmlns:r="http://schemas.openxmlformats.org/officeDocument/2006/relationships" xmlns:p="http://schemas.openxmlformats.org/presentationml/2006/main">
+  <p:cSld>
+    <p:spTree>
+      <p:nvGrpSpPr>
+        <p:cNvPr id="1" name=""/>
+        <p:cNvGrpSpPr/>
+        <p:nvPr/>
+      </p:nvGrpSpPr>
+      <p:grpSpPr>
+        <a:xfrm>
+          <a:off x="0" y="0"/>
+          <a:ext cx="0" cy="0"/>
+          <a:chOff x="0" y="0"/>
+          <a:chExt cx="0" cy="0"/>
+        </a:xfrm>
+      </p:grpSpPr>
+      <p:sp>
+        <p:nvSpPr>
+          <p:cNvPr id="2" name="Title 1"/>
+          <p:cNvSpPr>
+            <a:spLocks noGrp="1"/>
+          </p:cNvSpPr>
+          <p:nvPr>
+            <p:ph type="title"/>
+          </p:nvPr>
+        </p:nvSpPr>
+        <p:spPr/>
+        <p:txBody>
+          <a:bodyPr/>
+          <a:lstStyle/>
+          <a:p>
+            <a:r>
+              <a:rPr lang="es-MX" dirty="0"/>
+              <a:t>Introducción	</a:t>
+            </a:r>
+          </a:p>
+        </p:txBody>
+      </p:sp>
+      <p:sp>
+        <p:nvSpPr>
+          <p:cNvPr id="3" name="Content Placeholder 2"/>
+          <p:cNvSpPr>
+            <a:spLocks noGrp="1"/>
+          </p:cNvSpPr>
+          <p:nvPr>
+            <p:ph idx="1"/>
+          </p:nvPr>
+        </p:nvSpPr>
+        <p:spPr/>
+        <p:txBody>
+          <a:bodyPr/>
+          <a:lstStyle/>
+          <a:p>
+            <a:endParaRPr lang="es-MX" dirty="0"/>
+          </a:p>
+        </p:txBody>
+      </p:sp>
+      <p:sp>
+        <p:nvSpPr>
+          <p:cNvPr id="4" name="Slide Number Placeholder 3"/>
+          <p:cNvSpPr>
+            <a:spLocks noGrp="1"/>
+          </p:cNvSpPr>
+          <p:nvPr>
+            <p:ph type="sldNum" sz="quarter" idx="12"/>
+          </p:nvPr>
+        </p:nvSpPr>
+        <p:spPr/>
+        <p:txBody>
+          <a:bodyPr/>
+          <a:lstStyle/>
+          <a:p>
+            <a:fld id="{33D6E5A2-EC83-451F-A719-9AC1370DD5CF}" type="slidenum">
+              <a:rPr lang="en-US" smtClean="0"/>
+              <a:pPr/>
+              <a:t>24</a:t>
+            </a:fld>
+            <a:endParaRPr lang="en-US" dirty="0"/>
+          </a:p>
+        </p:txBody>
+      </p:sp>
+      <p:graphicFrame>
+        <p:nvGraphicFramePr>
+          <p:cNvPr id="5" name="Table 4"/>
+          <p:cNvGraphicFramePr>
+            <a:graphicFrameLocks noGrp="1"/>
+          </p:cNvGraphicFramePr>
+          <p:nvPr>
+            <p:extLst>
+              <p:ext uri="{D42A27DB-BD31-4B8C-83A1-F6EECF244321}">
+                <p14:modId xmlns:p14="http://schemas.microsoft.com/office/powerpoint/2010/main" val="2919795265"/>
+              </p:ext>
+            </p:extLst>
+          </p:nvPr>
+        </p:nvGraphicFramePr>
+        <p:xfrm>
+          <a:off x="1187624" y="2261135"/>
+          <a:ext cx="6696744" cy="3392121"/>
+        </p:xfrm>
+        <a:graphic>
+          <a:graphicData uri="http://schemas.openxmlformats.org/drawingml/2006/table">
+            <a:tbl>
+              <a:tblPr firstRow="1" bandRow="1">
+                <a:tableStyleId>{5C22544A-7EE6-4342-B048-85BDC9FD1C3A}</a:tableStyleId>
+              </a:tblPr>
+              <a:tblGrid>
+                <a:gridCol w="1512168">
+                  <a:extLst>
+                    <a:ext uri="{9D8B030D-6E8A-4147-A177-3AD203B41FA5}">
+                      <a16:colId xmlns:a16="http://schemas.microsoft.com/office/drawing/2014/main" val="2294560321"/>
+                    </a:ext>
+                  </a:extLst>
+                </a:gridCol>
+                <a:gridCol w="1872208">
+                  <a:extLst>
+                    <a:ext uri="{9D8B030D-6E8A-4147-A177-3AD203B41FA5}">
+                      <a16:colId xmlns:a16="http://schemas.microsoft.com/office/drawing/2014/main" val="2510407386"/>
+                    </a:ext>
+                  </a:extLst>
+                </a:gridCol>
+                <a:gridCol w="1610585">
+                  <a:extLst>
+                    <a:ext uri="{9D8B030D-6E8A-4147-A177-3AD203B41FA5}">
+                      <a16:colId xmlns:a16="http://schemas.microsoft.com/office/drawing/2014/main" val="3638985094"/>
+                    </a:ext>
+                  </a:extLst>
+                </a:gridCol>
+                <a:gridCol w="1701783">
+                  <a:extLst>
+                    <a:ext uri="{9D8B030D-6E8A-4147-A177-3AD203B41FA5}">
+                      <a16:colId xmlns:a16="http://schemas.microsoft.com/office/drawing/2014/main" val="3639389433"/>
+                    </a:ext>
+                  </a:extLst>
+                </a:gridCol>
+              </a:tblGrid>
+              <a:tr h="397168">
+                <a:tc>
+                  <a:txBody>
+                    <a:bodyPr/>
+                    <a:lstStyle/>
+                    <a:p>
+                      <a:endParaRPr lang="es-MX" dirty="0"/>
+                    </a:p>
+                  </a:txBody>
+                  <a:tcPr/>
+                </a:tc>
+                <a:tc>
+                  <a:txBody>
+                    <a:bodyPr/>
+                    <a:lstStyle/>
+                    <a:p>
+                      <a:pPr algn="ctr"/>
+                      <a:r>
+                        <a:rPr lang="es-MX" dirty="0"/>
+                        <a:t>Características</a:t>
+                      </a:r>
+                    </a:p>
+                  </a:txBody>
+                  <a:tcPr/>
+                </a:tc>
+                <a:tc>
+                  <a:txBody>
+                    <a:bodyPr/>
+                    <a:lstStyle/>
+                    <a:p>
+                      <a:pPr algn="ctr"/>
+                      <a:r>
+                        <a:rPr lang="es-MX" dirty="0"/>
+                        <a:t>Ventajas</a:t>
+                      </a:r>
+                    </a:p>
+                  </a:txBody>
+                  <a:tcPr/>
+                </a:tc>
+                <a:tc>
+                  <a:txBody>
+                    <a:bodyPr/>
+                    <a:lstStyle/>
+                    <a:p>
+                      <a:pPr algn="ctr"/>
+                      <a:r>
+                        <a:rPr lang="es-MX" dirty="0"/>
+                        <a:t>Desventajas</a:t>
+                      </a:r>
+                    </a:p>
+                  </a:txBody>
+                  <a:tcPr/>
+                </a:tc>
+                <a:extLst>
+                  <a:ext uri="{0D108BD9-81ED-4DB2-BD59-A6C34878D82A}">
+                    <a16:rowId xmlns:a16="http://schemas.microsoft.com/office/drawing/2014/main" val="1064696169"/>
+                  </a:ext>
+                </a:extLst>
+              </a:tr>
+              <a:tr h="489197">
+                <a:tc>
+                  <a:txBody>
+                    <a:bodyPr/>
+                    <a:lstStyle/>
+                    <a:p>
+                      <a:r>
+                        <a:rPr lang="es-MX" dirty="0"/>
+                        <a:t>Radiología.</a:t>
+                      </a:r>
+                    </a:p>
+                  </a:txBody>
+                  <a:tcPr/>
+                </a:tc>
+                <a:tc>
+                  <a:txBody>
+                    <a:bodyPr/>
+                    <a:lstStyle/>
+                    <a:p>
+                      <a:r>
+                        <a:rPr lang="es-MX" dirty="0"/>
+                        <a:t>Rayos X.</a:t>
+                      </a:r>
+                    </a:p>
+                  </a:txBody>
+                  <a:tcPr/>
+                </a:tc>
+                <a:tc>
+                  <a:txBody>
+                    <a:bodyPr/>
+                    <a:lstStyle/>
+                    <a:p>
+                      <a:endParaRPr lang="es-MX" dirty="0"/>
+                    </a:p>
+                  </a:txBody>
+                  <a:tcPr/>
+                </a:tc>
+                <a:tc>
+                  <a:txBody>
+                    <a:bodyPr/>
+                    <a:lstStyle/>
+                    <a:p>
+                      <a:endParaRPr lang="es-MX" dirty="0"/>
+                    </a:p>
+                  </a:txBody>
+                  <a:tcPr/>
+                </a:tc>
+                <a:extLst>
+                  <a:ext uri="{0D108BD9-81ED-4DB2-BD59-A6C34878D82A}">
+                    <a16:rowId xmlns:a16="http://schemas.microsoft.com/office/drawing/2014/main" val="4166777481"/>
+                  </a:ext>
+                </a:extLst>
+              </a:tr>
+              <a:tr h="698853">
+                <a:tc>
+                  <a:txBody>
+                    <a:bodyPr/>
+                    <a:lstStyle/>
+                    <a:p>
+                      <a:r>
+                        <a:rPr lang="es-MX" dirty="0"/>
+                        <a:t>Medicina nuclear.</a:t>
+                      </a:r>
+                    </a:p>
+                  </a:txBody>
+                  <a:tcPr/>
+                </a:tc>
+                <a:tc>
+                  <a:txBody>
+                    <a:bodyPr/>
+                    <a:lstStyle/>
+                    <a:p>
+                      <a:r>
+                        <a:rPr lang="es-MX" dirty="0"/>
+                        <a:t>Rayos gama.</a:t>
+                      </a:r>
+                    </a:p>
+                  </a:txBody>
+                  <a:tcPr/>
+                </a:tc>
+                <a:tc>
+                  <a:txBody>
+                    <a:bodyPr/>
+                    <a:lstStyle/>
+                    <a:p>
+                      <a:endParaRPr lang="es-MX" dirty="0"/>
+                    </a:p>
+                  </a:txBody>
+                  <a:tcPr/>
+                </a:tc>
+                <a:tc>
+                  <a:txBody>
+                    <a:bodyPr/>
+                    <a:lstStyle/>
+                    <a:p>
+                      <a:endParaRPr lang="es-MX" dirty="0"/>
+                    </a:p>
+                  </a:txBody>
+                  <a:tcPr/>
+                </a:tc>
+                <a:extLst>
+                  <a:ext uri="{0D108BD9-81ED-4DB2-BD59-A6C34878D82A}">
+                    <a16:rowId xmlns:a16="http://schemas.microsoft.com/office/drawing/2014/main" val="325620780"/>
+                  </a:ext>
+                </a:extLst>
+              </a:tr>
+              <a:tr h="489197">
+                <a:tc>
+                  <a:txBody>
+                    <a:bodyPr/>
+                    <a:lstStyle/>
+                    <a:p>
+                      <a:r>
+                        <a:rPr lang="es-MX" dirty="0"/>
+                        <a:t>Ecografía.</a:t>
+                      </a:r>
+                    </a:p>
+                  </a:txBody>
+                  <a:tcPr/>
+                </a:tc>
+                <a:tc>
+                  <a:txBody>
+                    <a:bodyPr/>
+                    <a:lstStyle/>
+                    <a:p>
+                      <a:r>
+                        <a:rPr lang="es-MX" dirty="0"/>
+                        <a:t>Ultrasonido.</a:t>
+                      </a:r>
+                    </a:p>
+                  </a:txBody>
+                  <a:tcPr/>
+                </a:tc>
+                <a:tc>
+                  <a:txBody>
+                    <a:bodyPr/>
+                    <a:lstStyle/>
+                    <a:p>
+                      <a:endParaRPr lang="es-MX" dirty="0"/>
+                    </a:p>
+                  </a:txBody>
+                  <a:tcPr/>
+                </a:tc>
+                <a:tc>
+                  <a:txBody>
+                    <a:bodyPr/>
+                    <a:lstStyle/>
+                    <a:p>
+                      <a:endParaRPr lang="es-MX" dirty="0"/>
+                    </a:p>
+                  </a:txBody>
+                  <a:tcPr/>
+                </a:tc>
+                <a:extLst>
+                  <a:ext uri="{0D108BD9-81ED-4DB2-BD59-A6C34878D82A}">
+                    <a16:rowId xmlns:a16="http://schemas.microsoft.com/office/drawing/2014/main" val="4074051701"/>
+                  </a:ext>
+                </a:extLst>
+              </a:tr>
+              <a:tr h="677626">
+                <a:tc>
+                  <a:txBody>
+                    <a:bodyPr/>
+                    <a:lstStyle/>
+                    <a:p>
+                      <a:r>
+                        <a:rPr lang="es-MX" dirty="0"/>
+                        <a:t>Resonancia</a:t>
+                      </a:r>
+                    </a:p>
+                    <a:p>
+                      <a:r>
+                        <a:rPr lang="es-MX" dirty="0"/>
+                        <a:t>Magnética.</a:t>
+                      </a:r>
+                    </a:p>
+                  </a:txBody>
+                  <a:tcPr/>
+                </a:tc>
+                <a:tc>
+                  <a:txBody>
+                    <a:bodyPr/>
+                    <a:lstStyle/>
+                    <a:p>
+                      <a:r>
+                        <a:rPr lang="es-MX" dirty="0"/>
+                        <a:t>Onda de radio</a:t>
+                      </a:r>
+                    </a:p>
+                  </a:txBody>
+                  <a:tcPr/>
+                </a:tc>
+                <a:tc>
+                  <a:txBody>
+                    <a:bodyPr/>
+                    <a:lstStyle/>
+                    <a:p>
+                      <a:endParaRPr lang="es-MX" dirty="0"/>
+                    </a:p>
+                  </a:txBody>
+                  <a:tcPr/>
+                </a:tc>
+                <a:tc>
+                  <a:txBody>
+                    <a:bodyPr/>
+                    <a:lstStyle/>
+                    <a:p>
+                      <a:endParaRPr lang="es-MX" dirty="0"/>
+                    </a:p>
+                  </a:txBody>
+                  <a:tcPr/>
+                </a:tc>
+                <a:extLst>
+                  <a:ext uri="{0D108BD9-81ED-4DB2-BD59-A6C34878D82A}">
+                    <a16:rowId xmlns:a16="http://schemas.microsoft.com/office/drawing/2014/main" val="1370810571"/>
+                  </a:ext>
+                </a:extLst>
+              </a:tr>
+              <a:tr h="489197">
+                <a:tc>
+                  <a:txBody>
+                    <a:bodyPr/>
+                    <a:lstStyle/>
+                    <a:p>
+                      <a:r>
+                        <a:rPr lang="es-MX" dirty="0"/>
+                        <a:t>Endoscopia.</a:t>
+                      </a:r>
+                    </a:p>
+                  </a:txBody>
+                  <a:tcPr/>
+                </a:tc>
+                <a:tc>
+                  <a:txBody>
+                    <a:bodyPr/>
+                    <a:lstStyle/>
+                    <a:p>
+                      <a:endParaRPr lang="es-MX" dirty="0"/>
+                    </a:p>
+                  </a:txBody>
+                  <a:tcPr/>
+                </a:tc>
+                <a:tc>
+                  <a:txBody>
+                    <a:bodyPr/>
+                    <a:lstStyle/>
+                    <a:p>
+                      <a:endParaRPr lang="es-MX" dirty="0"/>
+                    </a:p>
+                  </a:txBody>
+                  <a:tcPr/>
+                </a:tc>
+                <a:tc>
+                  <a:txBody>
+                    <a:bodyPr/>
+                    <a:lstStyle/>
+                    <a:p>
+                      <a:r>
+                        <a:rPr lang="es-MX" dirty="0"/>
+                        <a:t>Únicamente ver superficie</a:t>
+                      </a:r>
+                    </a:p>
+                  </a:txBody>
+                  <a:tcPr/>
+                </a:tc>
+                <a:extLst>
+                  <a:ext uri="{0D108BD9-81ED-4DB2-BD59-A6C34878D82A}">
+                    <a16:rowId xmlns:a16="http://schemas.microsoft.com/office/drawing/2014/main" val="2563160240"/>
+                  </a:ext>
+                </a:extLst>
+              </a:tr>
+            </a:tbl>
+          </a:graphicData>
+        </a:graphic>
+      </p:graphicFrame>
+    </p:spTree>
+    <p:extLst>
+      <p:ext uri="{BB962C8B-B14F-4D97-AF65-F5344CB8AC3E}">
+        <p14:creationId xmlns:p14="http://schemas.microsoft.com/office/powerpoint/2010/main" val="98997103"/>
+      </p:ext>
+    </p:extLst>
+  </p:cSld>
+  <p:clrMapOvr>
+    <a:masterClrMapping/>
+  </p:clrMapOvr>
+  <p:transition spd="slow">
+    <p:wipe dir="d"/>
   </p:transition>
 </p:sld>
 </file>
@@ -7432,8 +7783,8 @@
         </p:blipFill>
         <p:spPr bwMode="auto">
           <a:xfrm>
-            <a:off x="1452228" y="2188951"/>
-            <a:ext cx="6696744" cy="4167399"/>
+            <a:off x="2124590" y="2492896"/>
+            <a:ext cx="5352020" cy="3330574"/>
           </a:xfrm>
           <a:prstGeom prst="rect">
             <a:avLst/>
@@ -7587,8 +7938,8 @@
         </p:blipFill>
         <p:spPr>
           <a:xfrm>
-            <a:off x="1115616" y="2260678"/>
-            <a:ext cx="3744416" cy="3328562"/>
+            <a:off x="1619672" y="2836743"/>
+            <a:ext cx="3096381" cy="2752498"/>
           </a:xfrm>
           <a:prstGeom prst="rect">
             <a:avLst/>
@@ -7611,8 +7962,8 @@
         </p:blipFill>
         <p:spPr>
           <a:xfrm>
-            <a:off x="5364088" y="2348881"/>
-            <a:ext cx="3390800" cy="3240360"/>
+            <a:off x="5004048" y="2836712"/>
+            <a:ext cx="2880320" cy="2752529"/>
           </a:xfrm>
           <a:prstGeom prst="rect">
             <a:avLst/>
@@ -7669,107 +8020,6 @@
           <a:p>
             <a:r>
               <a:rPr lang="es-MX" dirty="0"/>
-              <a:t>Introducción	</a:t>
-            </a:r>
-          </a:p>
-        </p:txBody>
-      </p:sp>
-      <p:sp>
-        <p:nvSpPr>
-          <p:cNvPr id="3" name="Content Placeholder 2"/>
-          <p:cNvSpPr>
-            <a:spLocks noGrp="1"/>
-          </p:cNvSpPr>
-          <p:nvPr>
-            <p:ph idx="1"/>
-          </p:nvPr>
-        </p:nvSpPr>
-        <p:spPr/>
-        <p:txBody>
-          <a:bodyPr/>
-          <a:lstStyle/>
-          <a:p>
-            <a:r>
-              <a:rPr lang="es-MX" dirty="0"/>
-              <a:t>¿Porqué usar una TAC?</a:t>
-            </a:r>
-          </a:p>
-        </p:txBody>
-      </p:sp>
-      <p:sp>
-        <p:nvSpPr>
-          <p:cNvPr id="4" name="Slide Number Placeholder 3"/>
-          <p:cNvSpPr>
-            <a:spLocks noGrp="1"/>
-          </p:cNvSpPr>
-          <p:nvPr>
-            <p:ph type="sldNum" sz="quarter" idx="12"/>
-          </p:nvPr>
-        </p:nvSpPr>
-        <p:spPr/>
-        <p:txBody>
-          <a:bodyPr/>
-          <a:lstStyle/>
-          <a:p>
-            <a:fld id="{33D6E5A2-EC83-451F-A719-9AC1370DD5CF}" type="slidenum">
-              <a:rPr lang="en-US" smtClean="0"/>
-              <a:pPr/>
-              <a:t>5</a:t>
-            </a:fld>
-            <a:endParaRPr lang="en-US" dirty="0"/>
-          </a:p>
-        </p:txBody>
-      </p:sp>
-    </p:spTree>
-    <p:extLst>
-      <p:ext uri="{BB962C8B-B14F-4D97-AF65-F5344CB8AC3E}">
-        <p14:creationId xmlns:p14="http://schemas.microsoft.com/office/powerpoint/2010/main" val="98997103"/>
-      </p:ext>
-    </p:extLst>
-  </p:cSld>
-  <p:clrMapOvr>
-    <a:masterClrMapping/>
-  </p:clrMapOvr>
-  <p:transition spd="slow">
-    <p:wipe dir="d"/>
-  </p:transition>
-</p:sld>
-</file>
-
-<file path=ppt/slides/slide6.xml><?xml version="1.0" encoding="utf-8"?>
-<p:sld xmlns:a="http://schemas.openxmlformats.org/drawingml/2006/main" xmlns:r="http://schemas.openxmlformats.org/officeDocument/2006/relationships" xmlns:p="http://schemas.openxmlformats.org/presentationml/2006/main">
-  <p:cSld>
-    <p:spTree>
-      <p:nvGrpSpPr>
-        <p:cNvPr id="1" name=""/>
-        <p:cNvGrpSpPr/>
-        <p:nvPr/>
-      </p:nvGrpSpPr>
-      <p:grpSpPr>
-        <a:xfrm>
-          <a:off x="0" y="0"/>
-          <a:ext cx="0" cy="0"/>
-          <a:chOff x="0" y="0"/>
-          <a:chExt cx="0" cy="0"/>
-        </a:xfrm>
-      </p:grpSpPr>
-      <p:sp>
-        <p:nvSpPr>
-          <p:cNvPr id="2" name="Title 1"/>
-          <p:cNvSpPr>
-            <a:spLocks noGrp="1"/>
-          </p:cNvSpPr>
-          <p:nvPr>
-            <p:ph type="title"/>
-          </p:nvPr>
-        </p:nvSpPr>
-        <p:spPr/>
-        <p:txBody>
-          <a:bodyPr/>
-          <a:lstStyle/>
-          <a:p>
-            <a:r>
-              <a:rPr lang="es-MX" dirty="0"/>
               <a:t>Introducción</a:t>
             </a:r>
           </a:p>
@@ -7822,7 +8072,7 @@
                 </a:solidFill>
               </a:rPr>
               <a:pPr/>
-              <a:t>6</a:t>
+              <a:t>5</a:t>
             </a:fld>
             <a:endParaRPr lang="en-US" sz="2800" dirty="0">
               <a:solidFill>
@@ -7872,8 +8122,8 @@
         </p:blipFill>
         <p:spPr>
           <a:xfrm>
-            <a:off x="4013069" y="2492896"/>
-            <a:ext cx="5029200" cy="3048000"/>
+            <a:off x="4116056" y="2996952"/>
+            <a:ext cx="4159331" cy="2520807"/>
           </a:xfrm>
           <a:prstGeom prst="rect">
             <a:avLst/>
@@ -7884,6 +8134,137 @@
     <p:extLst>
       <p:ext uri="{BB962C8B-B14F-4D97-AF65-F5344CB8AC3E}">
         <p14:creationId xmlns:p14="http://schemas.microsoft.com/office/powerpoint/2010/main" val="3982712086"/>
+      </p:ext>
+    </p:extLst>
+  </p:cSld>
+  <p:clrMapOvr>
+    <a:masterClrMapping/>
+  </p:clrMapOvr>
+  <p:transition spd="slow">
+    <p:wipe dir="d"/>
+  </p:transition>
+</p:sld>
+</file>
+
+<file path=ppt/slides/slide6.xml><?xml version="1.0" encoding="utf-8"?>
+<p:sld xmlns:a="http://schemas.openxmlformats.org/drawingml/2006/main" xmlns:r="http://schemas.openxmlformats.org/officeDocument/2006/relationships" xmlns:p="http://schemas.openxmlformats.org/presentationml/2006/main">
+  <p:cSld>
+    <p:spTree>
+      <p:nvGrpSpPr>
+        <p:cNvPr id="1" name=""/>
+        <p:cNvGrpSpPr/>
+        <p:nvPr/>
+      </p:nvGrpSpPr>
+      <p:grpSpPr>
+        <a:xfrm>
+          <a:off x="0" y="0"/>
+          <a:ext cx="0" cy="0"/>
+          <a:chOff x="0" y="0"/>
+          <a:chExt cx="0" cy="0"/>
+        </a:xfrm>
+      </p:grpSpPr>
+      <p:sp>
+        <p:nvSpPr>
+          <p:cNvPr id="2" name="Title 1"/>
+          <p:cNvSpPr>
+            <a:spLocks noGrp="1"/>
+          </p:cNvSpPr>
+          <p:nvPr>
+            <p:ph type="title"/>
+          </p:nvPr>
+        </p:nvSpPr>
+        <p:spPr/>
+        <p:txBody>
+          <a:bodyPr/>
+          <a:lstStyle/>
+          <a:p>
+            <a:r>
+              <a:rPr lang="es-MX" dirty="0"/>
+              <a:t>Planteamiento del problema</a:t>
+            </a:r>
+          </a:p>
+        </p:txBody>
+      </p:sp>
+      <p:sp>
+        <p:nvSpPr>
+          <p:cNvPr id="3" name="Content Placeholder 2"/>
+          <p:cNvSpPr>
+            <a:spLocks noGrp="1"/>
+          </p:cNvSpPr>
+          <p:nvPr>
+            <p:ph idx="1"/>
+          </p:nvPr>
+        </p:nvSpPr>
+        <p:spPr>
+          <a:xfrm>
+            <a:off x="762000" y="1596413"/>
+            <a:ext cx="8077200" cy="4759937"/>
+          </a:xfrm>
+        </p:spPr>
+        <p:txBody>
+          <a:bodyPr/>
+          <a:lstStyle/>
+          <a:p>
+            <a:pPr algn="just"/>
+            <a:r>
+              <a:rPr lang="es-MX" sz="2800" dirty="0"/>
+              <a:t>Existen pocas herramientas de software que trabajen sobre métodos simples de diagnóstico, las herramientas existentes ofrecen funcionalidades básicas .</a:t>
+            </a:r>
+          </a:p>
+          <a:p>
+            <a:pPr marL="0" indent="0" algn="just">
+              <a:buNone/>
+            </a:pPr>
+            <a:endParaRPr lang="es-MX" sz="2800" dirty="0"/>
+          </a:p>
+          <a:p>
+            <a:pPr algn="just"/>
+            <a:r>
+              <a:rPr lang="es-MX" sz="2800" dirty="0"/>
+              <a:t>Los tomógrafos usados en hospitales y clínicas de especialidades cuentan con softwares muy potentes, sin embargo tanto las herramientas como las licencias tienen un alto costo.</a:t>
+            </a:r>
+          </a:p>
+          <a:p>
+            <a:endParaRPr lang="es-MX" dirty="0"/>
+          </a:p>
+        </p:txBody>
+      </p:sp>
+      <p:sp>
+        <p:nvSpPr>
+          <p:cNvPr id="4" name="Slide Number Placeholder 3"/>
+          <p:cNvSpPr>
+            <a:spLocks noGrp="1"/>
+          </p:cNvSpPr>
+          <p:nvPr>
+            <p:ph type="sldNum" sz="quarter" idx="12"/>
+          </p:nvPr>
+        </p:nvSpPr>
+        <p:spPr/>
+        <p:txBody>
+          <a:bodyPr/>
+          <a:lstStyle/>
+          <a:p>
+            <a:fld id="{33D6E5A2-EC83-451F-A719-9AC1370DD5CF}" type="slidenum">
+              <a:rPr lang="en-US" sz="2800" smtClean="0">
+                <a:solidFill>
+                  <a:schemeClr val="tx1"/>
+                </a:solidFill>
+              </a:rPr>
+              <a:pPr/>
+              <a:t>6</a:t>
+            </a:fld>
+            <a:endParaRPr lang="en-US" sz="2800" dirty="0">
+              <a:solidFill>
+                <a:schemeClr val="tx1"/>
+              </a:solidFill>
+            </a:endParaRPr>
+          </a:p>
+        </p:txBody>
+      </p:sp>
+    </p:spTree>
+    <p:extLst>
+      <p:ext uri="{BB962C8B-B14F-4D97-AF65-F5344CB8AC3E}">
+        <p14:creationId xmlns:p14="http://schemas.microsoft.com/office/powerpoint/2010/main" val="4054577258"/>
       </p:ext>
     </p:extLst>
   </p:cSld>
@@ -7915,50 +8296,6 @@
       </p:grpSpPr>
       <p:sp>
         <p:nvSpPr>
-          <p:cNvPr id="2" name="Title 1"/>
-          <p:cNvSpPr>
-            <a:spLocks noGrp="1"/>
-          </p:cNvSpPr>
-          <p:nvPr>
-            <p:ph type="title"/>
-          </p:nvPr>
-        </p:nvSpPr>
-        <p:spPr/>
-        <p:txBody>
-          <a:bodyPr/>
-          <a:lstStyle/>
-          <a:p>
-            <a:r>
-              <a:rPr lang="es-MX" dirty="0"/>
-              <a:t>Introducción</a:t>
-            </a:r>
-          </a:p>
-        </p:txBody>
-      </p:sp>
-      <p:sp>
-        <p:nvSpPr>
-          <p:cNvPr id="3" name="Content Placeholder 2"/>
-          <p:cNvSpPr>
-            <a:spLocks noGrp="1"/>
-          </p:cNvSpPr>
-          <p:nvPr>
-            <p:ph idx="1"/>
-          </p:nvPr>
-        </p:nvSpPr>
-        <p:spPr/>
-        <p:txBody>
-          <a:bodyPr/>
-          <a:lstStyle/>
-          <a:p>
-            <a:r>
-              <a:rPr lang="es-MX" dirty="0"/>
-              <a:t>¿Qué es el tratamiento de imágenes?</a:t>
-            </a:r>
-          </a:p>
-        </p:txBody>
-      </p:sp>
-      <p:sp>
-        <p:nvSpPr>
           <p:cNvPr id="4" name="Slide Number Placeholder 3"/>
           <p:cNvSpPr>
             <a:spLocks noGrp="1"/>
@@ -7989,34 +8326,107 @@
           </a:p>
         </p:txBody>
       </p:sp>
+      <p:sp>
+        <p:nvSpPr>
+          <p:cNvPr id="12" name="TextBox 11"/>
+          <p:cNvSpPr txBox="1"/>
+          <p:nvPr/>
+        </p:nvSpPr>
+        <p:spPr>
+          <a:xfrm>
+            <a:off x="1187624" y="4149080"/>
+            <a:ext cx="432048" cy="369332"/>
+          </a:xfrm>
+          <a:prstGeom prst="rect">
+            <a:avLst/>
+          </a:prstGeom>
+          <a:noFill/>
+        </p:spPr>
+        <p:txBody>
+          <a:bodyPr wrap="square" rtlCol="0">
+            <a:spAutoFit/>
+          </a:bodyPr>
+          <a:lstStyle/>
+          <a:p>
+            <a:endParaRPr lang="es-MX" dirty="0"/>
+          </a:p>
+        </p:txBody>
+      </p:sp>
       <p:pic>
         <p:nvPicPr>
-          <p:cNvPr id="5" name="Picture 4"/>
+          <p:cNvPr id="1026" name="Picture 2" descr="https://static.healthcare.siemens.com/siemens_hwem-hwem_ssxa_websites-context-root/wcm/idc/groups/public/@global/@imaging/@ct/documents/image/mda1/mti2/~edisp/siemens_computed-tomography-scanner_neuro-engine_hero-02008678/~renditions/siemens_computed-tomography-scanner_neuro-engine_hero-02008678~10.jpg"/>
           <p:cNvPicPr>
-            <a:picLocks noChangeAspect="1"/>
+            <a:picLocks noChangeAspect="1" noChangeArrowheads="1"/>
           </p:cNvPicPr>
           <p:nvPr/>
         </p:nvPicPr>
         <p:blipFill>
-          <a:blip r:embed="rId2"/>
+          <a:blip r:embed="rId2" cstate="email">
+            <a:extLst>
+              <a:ext uri="{28A0092B-C50C-407E-A947-70E740481C1C}">
+                <a14:useLocalDpi xmlns:a14="http://schemas.microsoft.com/office/drawing/2010/main" val="0"/>
+              </a:ext>
+            </a:extLst>
+          </a:blip>
+          <a:srcRect/>
           <a:stretch>
             <a:fillRect/>
           </a:stretch>
         </p:blipFill>
-        <p:spPr>
+        <p:spPr bwMode="auto">
           <a:xfrm>
-            <a:off x="2353506" y="2298939"/>
-            <a:ext cx="4894188" cy="4239973"/>
+            <a:off x="2411760" y="1196752"/>
+            <a:ext cx="4680520" cy="3510390"/>
           </a:xfrm>
           <a:prstGeom prst="rect">
             <a:avLst/>
           </a:prstGeom>
+          <a:noFill/>
+          <a:extLst>
+            <a:ext uri="{909E8E84-426E-40DD-AFC4-6F175D3DCCD1}">
+              <a14:hiddenFill xmlns:a14="http://schemas.microsoft.com/office/drawing/2010/main">
+                <a:solidFill>
+                  <a:srgbClr val="FFFFFF"/>
+                </a:solidFill>
+              </a14:hiddenFill>
+            </a:ext>
+          </a:extLst>
         </p:spPr>
       </p:pic>
+      <p:sp>
+        <p:nvSpPr>
+          <p:cNvPr id="18" name="TextBox 17"/>
+          <p:cNvSpPr txBox="1"/>
+          <p:nvPr/>
+        </p:nvSpPr>
+        <p:spPr>
+          <a:xfrm>
+            <a:off x="2661672" y="5157192"/>
+            <a:ext cx="4180696" cy="369332"/>
+          </a:xfrm>
+          <a:prstGeom prst="rect">
+            <a:avLst/>
+          </a:prstGeom>
+          <a:noFill/>
+        </p:spPr>
+        <p:txBody>
+          <a:bodyPr wrap="none" rtlCol="0">
+            <a:spAutoFit/>
+          </a:bodyPr>
+          <a:lstStyle/>
+          <a:p>
+            <a:r>
+              <a:rPr lang="es-MX" b="1" dirty="0"/>
+              <a:t>CT Neuro Engine , SOMATOM de SIEMENS</a:t>
+            </a:r>
+            <a:endParaRPr lang="es-MX" dirty="0"/>
+          </a:p>
+        </p:txBody>
+      </p:sp>
     </p:spTree>
     <p:extLst>
       <p:ext uri="{BB962C8B-B14F-4D97-AF65-F5344CB8AC3E}">
-        <p14:creationId xmlns:p14="http://schemas.microsoft.com/office/powerpoint/2010/main" val="2398038351"/>
+        <p14:creationId xmlns:p14="http://schemas.microsoft.com/office/powerpoint/2010/main" val="2536645706"/>
       </p:ext>
     </p:extLst>
   </p:cSld>
@@ -8063,55 +8473,37 @@
           <a:p>
             <a:r>
               <a:rPr lang="es-MX" dirty="0"/>
-              <a:t>Planteamiento del problema</a:t>
-            </a:r>
-          </a:p>
-        </p:txBody>
-      </p:sp>
-      <p:sp>
-        <p:nvSpPr>
-          <p:cNvPr id="3" name="Content Placeholder 2"/>
-          <p:cNvSpPr>
-            <a:spLocks noGrp="1"/>
-          </p:cNvSpPr>
+              <a:t>Trabajo previo</a:t>
+            </a:r>
+          </a:p>
+        </p:txBody>
+      </p:sp>
+      <p:pic>
+        <p:nvPicPr>
+          <p:cNvPr id="5" name="Content Placeholder 4"/>
+          <p:cNvPicPr>
+            <a:picLocks noGrp="1" noChangeAspect="1"/>
+          </p:cNvPicPr>
           <p:nvPr>
             <p:ph idx="1"/>
           </p:nvPr>
-        </p:nvSpPr>
+        </p:nvPicPr>
+        <p:blipFill>
+          <a:blip r:embed="rId2"/>
+          <a:stretch>
+            <a:fillRect/>
+          </a:stretch>
+        </p:blipFill>
         <p:spPr>
           <a:xfrm>
-            <a:off x="762000" y="1596413"/>
-            <a:ext cx="8077200" cy="4759937"/>
+            <a:off x="762000" y="1628045"/>
+            <a:ext cx="8077200" cy="4235322"/>
           </a:xfrm>
+          <a:prstGeom prst="rect">
+            <a:avLst/>
+          </a:prstGeom>
         </p:spPr>
-        <p:txBody>
-          <a:bodyPr/>
-          <a:lstStyle/>
-          <a:p>
-            <a:pPr algn="just"/>
-            <a:r>
-              <a:rPr lang="es-MX" sz="2800" dirty="0"/>
-              <a:t>Existen pocas herramientas de software que trabajen sobre métodos simples de diagnóstico, las herramientas existentes ofrecen funcionalidades básicas .</a:t>
-            </a:r>
-          </a:p>
-          <a:p>
-            <a:pPr marL="0" indent="0" algn="just">
-              <a:buNone/>
-            </a:pPr>
-            <a:endParaRPr lang="es-MX" sz="2800" dirty="0"/>
-          </a:p>
-          <a:p>
-            <a:pPr algn="just"/>
-            <a:r>
-              <a:rPr lang="es-MX" sz="2800" dirty="0"/>
-              <a:t>Los tomógrafos usados en hospitales y clínicas de especialidades cuentan con softwares muy potentes, sin embargo tanto las herramientas como las licencias tienen un alto costo.</a:t>
-            </a:r>
-          </a:p>
-          <a:p>
-            <a:endParaRPr lang="es-MX" dirty="0"/>
-          </a:p>
-        </p:txBody>
-      </p:sp>
+      </p:pic>
       <p:sp>
         <p:nvSpPr>
           <p:cNvPr id="4" name="Slide Number Placeholder 3"/>
@@ -8147,7 +8539,7 @@
     </p:spTree>
     <p:extLst>
       <p:ext uri="{BB962C8B-B14F-4D97-AF65-F5344CB8AC3E}">
-        <p14:creationId xmlns:p14="http://schemas.microsoft.com/office/powerpoint/2010/main" val="4054577258"/>
+        <p14:creationId xmlns:p14="http://schemas.microsoft.com/office/powerpoint/2010/main" val="1427785970"/>
       </p:ext>
     </p:extLst>
   </p:cSld>
@@ -8179,6 +8571,58 @@
       </p:grpSpPr>
       <p:sp>
         <p:nvSpPr>
+          <p:cNvPr id="2" name="Title 1"/>
+          <p:cNvSpPr>
+            <a:spLocks noGrp="1"/>
+          </p:cNvSpPr>
+          <p:nvPr>
+            <p:ph type="title"/>
+          </p:nvPr>
+        </p:nvSpPr>
+        <p:spPr/>
+        <p:txBody>
+          <a:bodyPr/>
+          <a:lstStyle/>
+          <a:p>
+            <a:r>
+              <a:rPr lang="es-MX" dirty="0"/>
+              <a:t>Propuesta de solución</a:t>
+            </a:r>
+          </a:p>
+        </p:txBody>
+      </p:sp>
+      <p:sp>
+        <p:nvSpPr>
+          <p:cNvPr id="3" name="Content Placeholder 2"/>
+          <p:cNvSpPr>
+            <a:spLocks noGrp="1"/>
+          </p:cNvSpPr>
+          <p:nvPr>
+            <p:ph idx="1"/>
+          </p:nvPr>
+        </p:nvSpPr>
+        <p:spPr>
+          <a:xfrm>
+            <a:off x="762000" y="1844824"/>
+            <a:ext cx="8202488" cy="4048952"/>
+          </a:xfrm>
+        </p:spPr>
+        <p:txBody>
+          <a:bodyPr/>
+          <a:lstStyle/>
+          <a:p>
+            <a:pPr marL="0" indent="0" algn="just">
+              <a:buNone/>
+            </a:pPr>
+            <a:r>
+              <a:rPr lang="es-MX" dirty="0"/>
+              <a:t>Se propone diseñar y desarrollar una herramienta de visualización y tratamiento de tomografías axiales computarizadas almacenadas en archivos con formato DICOM, la cual permitirá a médicos y radiólogos una fácil y mejorada interpretación de resultados.</a:t>
+            </a:r>
+          </a:p>
+        </p:txBody>
+      </p:sp>
+      <p:sp>
+        <p:nvSpPr>
           <p:cNvPr id="4" name="Slide Number Placeholder 3"/>
           <p:cNvSpPr>
             <a:spLocks noGrp="1"/>
@@ -8209,231 +8653,10 @@
           </a:p>
         </p:txBody>
       </p:sp>
-      <p:sp>
-        <p:nvSpPr>
-          <p:cNvPr id="12" name="TextBox 11"/>
-          <p:cNvSpPr txBox="1"/>
-          <p:nvPr/>
-        </p:nvSpPr>
-        <p:spPr>
-          <a:xfrm>
-            <a:off x="1187624" y="4149080"/>
-            <a:ext cx="432048" cy="369332"/>
-          </a:xfrm>
-          <a:prstGeom prst="rect">
-            <a:avLst/>
-          </a:prstGeom>
-          <a:noFill/>
-        </p:spPr>
-        <p:txBody>
-          <a:bodyPr wrap="square" rtlCol="0">
-            <a:spAutoFit/>
-          </a:bodyPr>
-          <a:lstStyle/>
-          <a:p>
-            <a:endParaRPr lang="es-MX" dirty="0"/>
-          </a:p>
-        </p:txBody>
-      </p:sp>
-      <p:pic>
-        <p:nvPicPr>
-          <p:cNvPr id="1026" name="Picture 2" descr="https://static.healthcare.siemens.com/siemens_hwem-hwem_ssxa_websites-context-root/wcm/idc/groups/public/@global/@imaging/@ct/documents/image/mda1/mti2/~edisp/siemens_computed-tomography-scanner_neuro-engine_hero-02008678/~renditions/siemens_computed-tomography-scanner_neuro-engine_hero-02008678~10.jpg"/>
-          <p:cNvPicPr>
-            <a:picLocks noChangeAspect="1" noChangeArrowheads="1"/>
-          </p:cNvPicPr>
-          <p:nvPr/>
-        </p:nvPicPr>
-        <p:blipFill>
-          <a:blip r:embed="rId2" cstate="email">
-            <a:extLst>
-              <a:ext uri="{28A0092B-C50C-407E-A947-70E740481C1C}">
-                <a14:useLocalDpi xmlns:a14="http://schemas.microsoft.com/office/drawing/2010/main" val="0"/>
-              </a:ext>
-            </a:extLst>
-          </a:blip>
-          <a:srcRect/>
-          <a:stretch>
-            <a:fillRect/>
-          </a:stretch>
-        </p:blipFill>
-        <p:spPr bwMode="auto">
-          <a:xfrm>
-            <a:off x="1160984" y="243416"/>
-            <a:ext cx="3672408" cy="2754306"/>
-          </a:xfrm>
-          <a:prstGeom prst="rect">
-            <a:avLst/>
-          </a:prstGeom>
-          <a:noFill/>
-          <a:extLst>
-            <a:ext uri="{909E8E84-426E-40DD-AFC4-6F175D3DCCD1}">
-              <a14:hiddenFill xmlns:a14="http://schemas.microsoft.com/office/drawing/2010/main">
-                <a:solidFill>
-                  <a:srgbClr val="FFFFFF"/>
-                </a:solidFill>
-              </a14:hiddenFill>
-            </a:ext>
-          </a:extLst>
-        </p:spPr>
-      </p:pic>
-      <p:sp>
-        <p:nvSpPr>
-          <p:cNvPr id="18" name="TextBox 17"/>
-          <p:cNvSpPr txBox="1"/>
-          <p:nvPr/>
-        </p:nvSpPr>
-        <p:spPr>
-          <a:xfrm>
-            <a:off x="827584" y="2997722"/>
-            <a:ext cx="4180696" cy="369332"/>
-          </a:xfrm>
-          <a:prstGeom prst="rect">
-            <a:avLst/>
-          </a:prstGeom>
-          <a:noFill/>
-        </p:spPr>
-        <p:txBody>
-          <a:bodyPr wrap="none" rtlCol="0">
-            <a:spAutoFit/>
-          </a:bodyPr>
-          <a:lstStyle/>
-          <a:p>
-            <a:r>
-              <a:rPr lang="es-MX" b="1" dirty="0"/>
-              <a:t>CT Neuro Engine , SOMATOM de SIEMENS</a:t>
-            </a:r>
-            <a:endParaRPr lang="es-MX" dirty="0"/>
-          </a:p>
-        </p:txBody>
-      </p:sp>
-      <p:pic>
-        <p:nvPicPr>
-          <p:cNvPr id="1028" name="Picture 4" descr="http://imagenologia.robustiana.com/images/articulos/osisrixmac.png"/>
-          <p:cNvPicPr>
-            <a:picLocks noChangeAspect="1" noChangeArrowheads="1"/>
-          </p:cNvPicPr>
-          <p:nvPr/>
-        </p:nvPicPr>
-        <p:blipFill>
-          <a:blip r:embed="rId3" cstate="email">
-            <a:extLst>
-              <a:ext uri="{28A0092B-C50C-407E-A947-70E740481C1C}">
-                <a14:useLocalDpi xmlns:a14="http://schemas.microsoft.com/office/drawing/2010/main" val="0"/>
-              </a:ext>
-            </a:extLst>
-          </a:blip>
-          <a:srcRect/>
-          <a:stretch>
-            <a:fillRect/>
-          </a:stretch>
-        </p:blipFill>
-        <p:spPr bwMode="auto">
-          <a:xfrm>
-            <a:off x="899592" y="3719154"/>
-            <a:ext cx="4680520" cy="2806790"/>
-          </a:xfrm>
-          <a:prstGeom prst="rect">
-            <a:avLst/>
-          </a:prstGeom>
-          <a:noFill/>
-          <a:extLst>
-            <a:ext uri="{909E8E84-426E-40DD-AFC4-6F175D3DCCD1}">
-              <a14:hiddenFill xmlns:a14="http://schemas.microsoft.com/office/drawing/2010/main">
-                <a:solidFill>
-                  <a:srgbClr val="FFFFFF"/>
-                </a:solidFill>
-              </a14:hiddenFill>
-            </a:ext>
-          </a:extLst>
-        </p:spPr>
-      </p:pic>
-      <p:sp>
-        <p:nvSpPr>
-          <p:cNvPr id="19" name="TextBox 18"/>
-          <p:cNvSpPr txBox="1"/>
-          <p:nvPr/>
-        </p:nvSpPr>
-        <p:spPr>
-          <a:xfrm>
-            <a:off x="5796136" y="5956240"/>
-            <a:ext cx="1422184" cy="400110"/>
-          </a:xfrm>
-          <a:prstGeom prst="rect">
-            <a:avLst/>
-          </a:prstGeom>
-          <a:noFill/>
-        </p:spPr>
-        <p:txBody>
-          <a:bodyPr wrap="none" rtlCol="0">
-            <a:spAutoFit/>
-          </a:bodyPr>
-          <a:lstStyle/>
-          <a:p>
-            <a:r>
-              <a:rPr lang="es-MX" sz="2000" b="1" dirty="0"/>
-              <a:t>OsiriX Visor</a:t>
-            </a:r>
-          </a:p>
-        </p:txBody>
-      </p:sp>
-      <p:pic>
-        <p:nvPicPr>
-          <p:cNvPr id="20" name="Picture 19"/>
-          <p:cNvPicPr>
-            <a:picLocks noChangeAspect="1"/>
-          </p:cNvPicPr>
-          <p:nvPr/>
-        </p:nvPicPr>
-        <p:blipFill>
-          <a:blip r:embed="rId4"/>
-          <a:stretch>
-            <a:fillRect/>
-          </a:stretch>
-        </p:blipFill>
-        <p:spPr>
-          <a:xfrm>
-            <a:off x="5292079" y="239792"/>
-            <a:ext cx="3497863" cy="3261216"/>
-          </a:xfrm>
-          <a:prstGeom prst="rect">
-            <a:avLst/>
-          </a:prstGeom>
-        </p:spPr>
-      </p:pic>
-      <p:sp>
-        <p:nvSpPr>
-          <p:cNvPr id="21" name="TextBox 20"/>
-          <p:cNvSpPr txBox="1"/>
-          <p:nvPr/>
-        </p:nvSpPr>
-        <p:spPr>
-          <a:xfrm>
-            <a:off x="7218320" y="3534488"/>
-            <a:ext cx="1425711" cy="369332"/>
-          </a:xfrm>
-          <a:prstGeom prst="rect">
-            <a:avLst/>
-          </a:prstGeom>
-          <a:noFill/>
-        </p:spPr>
-        <p:txBody>
-          <a:bodyPr wrap="none" rtlCol="0">
-            <a:spAutoFit/>
-          </a:bodyPr>
-          <a:lstStyle/>
-          <a:p>
-            <a:r>
-              <a:rPr lang="es-MX" b="1" dirty="0" err="1"/>
-              <a:t>MicroDICOM</a:t>
-            </a:r>
-            <a:endParaRPr lang="es-MX" b="1" dirty="0"/>
-          </a:p>
-        </p:txBody>
-      </p:sp>
     </p:spTree>
     <p:extLst>
       <p:ext uri="{BB962C8B-B14F-4D97-AF65-F5344CB8AC3E}">
-        <p14:creationId xmlns:p14="http://schemas.microsoft.com/office/powerpoint/2010/main" val="2536645706"/>
+        <p14:creationId xmlns:p14="http://schemas.microsoft.com/office/powerpoint/2010/main" val="3550672237"/>
       </p:ext>
     </p:extLst>
   </p:cSld>
@@ -8449,12 +8672,6 @@
 <file path=ppt/tags/tag1.xml><?xml version="1.0" encoding="utf-8"?>
 <p:tagLst xmlns:a="http://schemas.openxmlformats.org/drawingml/2006/main" xmlns:r="http://schemas.openxmlformats.org/officeDocument/2006/relationships" xmlns:p="http://schemas.openxmlformats.org/presentationml/2006/main">
   <p:tag name="DVSECTIONID" val="yI2DOt6RzRcU51QxdhNewL"/>
-</p:tagLst>
-</file>
-
-<file path=ppt/tags/tag10.xml><?xml version="1.0" encoding="utf-8"?>
-<p:tagLst xmlns:a="http://schemas.openxmlformats.org/drawingml/2006/main" xmlns:r="http://schemas.openxmlformats.org/officeDocument/2006/relationships" xmlns:p="http://schemas.openxmlformats.org/presentationml/2006/main">
-  <p:tag name="DVSHAPEID" val="GFUQynbDZ7CnnKAa7cx9MM"/>
 </p:tagLst>
 </file>
 
@@ -8497,12 +8714,6 @@
 <file path=ppt/tags/tag8.xml><?xml version="1.0" encoding="utf-8"?>
 <p:tagLst xmlns:a="http://schemas.openxmlformats.org/drawingml/2006/main" xmlns:r="http://schemas.openxmlformats.org/officeDocument/2006/relationships" xmlns:p="http://schemas.openxmlformats.org/presentationml/2006/main">
   <p:tag name="DVSHAPEID" val="LRMR96J2MVd0CGe2e5htjk"/>
-</p:tagLst>
-</file>
-
-<file path=ppt/tags/tag9.xml><?xml version="1.0" encoding="utf-8"?>
-<p:tagLst xmlns:a="http://schemas.openxmlformats.org/drawingml/2006/main" xmlns:r="http://schemas.openxmlformats.org/officeDocument/2006/relationships" xmlns:p="http://schemas.openxmlformats.org/presentationml/2006/main">
-  <p:tag name="DVSECTIONID" val="c48BxRTjzwKhAarpC8SPOi"/>
 </p:tagLst>
 </file>
 

--- a/Documento/Presentación.pptx
+++ b/Documento/Presentación.pptx
@@ -352,7 +352,7 @@
             <a:fld id="{459226BF-1F13-42D3-80DC-373E7ADD1EBC}" type="slidenum">
               <a:rPr lang="en-US" smtClean="0"/>
               <a:pPr/>
-              <a:t>‹#›</a:t>
+              <a:t>‹Nº›</a:t>
             </a:fld>
             <a:endParaRPr lang="en-US" dirty="0"/>
           </a:p>
@@ -606,7 +606,7 @@
             <a:fld id="{75693FD4-8F83-4EF7-AC3F-0DC0388986B0}" type="slidenum">
               <a:rPr lang="en-US" smtClean="0"/>
               <a:pPr/>
-              <a:t>‹#›</a:t>
+              <a:t>‹Nº›</a:t>
             </a:fld>
             <a:endParaRPr lang="en-US" dirty="0"/>
           </a:p>
@@ -1737,7 +1737,7 @@
             <a:fld id="{33D6E5A2-EC83-451F-A719-9AC1370DD5CF}" type="slidenum">
               <a:rPr lang="en-US" smtClean="0"/>
               <a:pPr/>
-              <a:t>‹#›</a:t>
+              <a:t>‹Nº›</a:t>
             </a:fld>
             <a:endParaRPr lang="en-US" dirty="0"/>
           </a:p>
@@ -1827,7 +1827,7 @@
             <a:fld id="{33D6E5A2-EC83-451F-A719-9AC1370DD5CF}" type="slidenum">
               <a:rPr lang="en-US" smtClean="0"/>
               <a:pPr/>
-              <a:t>‹#›</a:t>
+              <a:t>‹Nº›</a:t>
             </a:fld>
             <a:endParaRPr lang="en-US" dirty="0"/>
           </a:p>
@@ -1961,7 +1961,7 @@
             <a:fld id="{33D6E5A2-EC83-451F-A719-9AC1370DD5CF}" type="slidenum">
               <a:rPr lang="en-US" smtClean="0"/>
               <a:pPr/>
-              <a:t>‹#›</a:t>
+              <a:t>‹Nº›</a:t>
             </a:fld>
             <a:endParaRPr lang="en-US" dirty="0"/>
           </a:p>
@@ -2144,7 +2144,7 @@
             <a:fld id="{33D6E5A2-EC83-451F-A719-9AC1370DD5CF}" type="slidenum">
               <a:rPr lang="en-US" smtClean="0"/>
               <a:pPr/>
-              <a:t>‹#›</a:t>
+              <a:t>‹Nº›</a:t>
             </a:fld>
             <a:endParaRPr lang="en-US" dirty="0"/>
           </a:p>
@@ -2541,7 +2541,7 @@
             <a:fld id="{33D6E5A2-EC83-451F-A719-9AC1370DD5CF}" type="slidenum">
               <a:rPr lang="en-US" smtClean="0"/>
               <a:pPr/>
-              <a:t>‹#›</a:t>
+              <a:t>‹Nº›</a:t>
             </a:fld>
             <a:endParaRPr lang="en-US" dirty="0"/>
           </a:p>
@@ -2821,7 +2821,7 @@
             <a:fld id="{33D6E5A2-EC83-451F-A719-9AC1370DD5CF}" type="slidenum">
               <a:rPr lang="en-US" smtClean="0"/>
               <a:pPr/>
-              <a:t>‹#›</a:t>
+              <a:t>‹Nº›</a:t>
             </a:fld>
             <a:endParaRPr lang="en-US" dirty="0"/>
           </a:p>
@@ -3235,7 +3235,7 @@
             <a:fld id="{33D6E5A2-EC83-451F-A719-9AC1370DD5CF}" type="slidenum">
               <a:rPr lang="en-US" smtClean="0"/>
               <a:pPr/>
-              <a:t>‹#›</a:t>
+              <a:t>‹Nº›</a:t>
             </a:fld>
             <a:endParaRPr lang="en-US" dirty="0"/>
           </a:p>
@@ -3505,7 +3505,7 @@
             <a:fld id="{33D6E5A2-EC83-451F-A719-9AC1370DD5CF}" type="slidenum">
               <a:rPr lang="en-US" smtClean="0"/>
               <a:pPr/>
-              <a:t>‹#›</a:t>
+              <a:t>‹Nº›</a:t>
             </a:fld>
             <a:endParaRPr lang="en-US" dirty="0"/>
           </a:p>
@@ -3756,7 +3756,7 @@
             <a:fld id="{33D6E5A2-EC83-451F-A719-9AC1370DD5CF}" type="slidenum">
               <a:rPr lang="en-US" smtClean="0"/>
               <a:pPr/>
-              <a:t>‹#›</a:t>
+              <a:t>‹Nº›</a:t>
             </a:fld>
             <a:endParaRPr lang="en-US" dirty="0"/>
           </a:p>
@@ -3919,7 +3919,7 @@
             <a:fld id="{33D6E5A2-EC83-451F-A719-9AC1370DD5CF}" type="slidenum">
               <a:rPr lang="en-US" smtClean="0"/>
               <a:pPr/>
-              <a:t>‹#›</a:t>
+              <a:t>‹Nº›</a:t>
             </a:fld>
             <a:endParaRPr lang="en-US" dirty="0"/>
           </a:p>
@@ -4092,7 +4092,7 @@
             <a:fld id="{33D6E5A2-EC83-451F-A719-9AC1370DD5CF}" type="slidenum">
               <a:rPr lang="en-US" smtClean="0"/>
               <a:pPr/>
-              <a:t>‹#›</a:t>
+              <a:t>‹Nº›</a:t>
             </a:fld>
             <a:endParaRPr lang="en-US" dirty="0"/>
           </a:p>
@@ -4365,7 +4365,7 @@
             <a:fld id="{33D6E5A2-EC83-451F-A719-9AC1370DD5CF}" type="slidenum">
               <a:rPr lang="en-US" smtClean="0"/>
               <a:pPr/>
-              <a:t>‹#›</a:t>
+              <a:t>‹Nº›</a:t>
             </a:fld>
             <a:endParaRPr lang="en-US" dirty="0"/>
           </a:p>
@@ -5063,7 +5063,7 @@
             </a:pPr>
             <a:r>
               <a:rPr lang="es-MX" dirty="0"/>
-              <a:t>Desarrollar un software de asistencia al radiólogo para la interpretación adecuada de las tomografías axiales computarizadas.</a:t>
+              <a:t>Desarrollar un software de tipo CAD capaz de ser utilizado por un especialista para la interpretación adecuada de las tomografías axiales computarizadas.</a:t>
             </a:r>
           </a:p>
         </p:txBody>
@@ -8208,7 +8208,23 @@
             <a:pPr algn="just"/>
             <a:r>
               <a:rPr lang="es-MX" sz="2800" dirty="0"/>
-              <a:t>Existen pocas herramientas de software que trabajen sobre métodos simples de diagnóstico, las herramientas existentes ofrecen funcionalidades básicas .</a:t>
+              <a:t>Existen </a:t>
+            </a:r>
+            <a:r>
+              <a:rPr lang="es-MX" sz="2800" b="1" dirty="0"/>
+              <a:t>pocas</a:t>
+            </a:r>
+            <a:r>
+              <a:rPr lang="es-MX" sz="2800" dirty="0"/>
+              <a:t> </a:t>
+            </a:r>
+            <a:r>
+              <a:rPr lang="es-MX" sz="2800" b="1" dirty="0"/>
+              <a:t>herramientas</a:t>
+            </a:r>
+            <a:r>
+              <a:rPr lang="es-MX" sz="2800" dirty="0"/>
+              <a:t> de software CAD que trabajen sobre métodos simples de diagnóstico, las herramientas existentes ofrecen funcionalidades básicas .</a:t>
             </a:r>
           </a:p>
           <a:p>
@@ -8616,7 +8632,55 @@
             </a:pPr>
             <a:r>
               <a:rPr lang="es-MX" dirty="0"/>
-              <a:t>Se propone diseñar y desarrollar una herramienta de visualización y tratamiento de tomografías axiales computarizadas almacenadas en archivos con formato DICOM, la cual permitirá a médicos y radiólogos una fácil y mejorada interpretación de resultados.</a:t>
+              <a:t>“</a:t>
+            </a:r>
+            <a:r>
+              <a:rPr lang="es-MX" b="1" dirty="0"/>
+              <a:t>diseñar</a:t>
+            </a:r>
+            <a:r>
+              <a:rPr lang="es-MX" dirty="0"/>
+              <a:t> y </a:t>
+            </a:r>
+            <a:r>
+              <a:rPr lang="es-MX" b="1" dirty="0"/>
+              <a:t>desarrollar</a:t>
+            </a:r>
+            <a:r>
+              <a:rPr lang="es-MX" dirty="0"/>
+              <a:t> una </a:t>
+            </a:r>
+            <a:r>
+              <a:rPr lang="es-MX" b="1" dirty="0"/>
+              <a:t>herramienta</a:t>
+            </a:r>
+            <a:r>
+              <a:rPr lang="es-MX" dirty="0"/>
+              <a:t> de </a:t>
+            </a:r>
+            <a:r>
+              <a:rPr lang="es-MX" b="1" dirty="0"/>
+              <a:t>visualización</a:t>
+            </a:r>
+            <a:r>
+              <a:rPr lang="es-MX" dirty="0"/>
+              <a:t> y </a:t>
+            </a:r>
+            <a:r>
+              <a:rPr lang="es-MX" b="1" dirty="0"/>
+              <a:t>tratamiento de tomografías axiales tipo CAD</a:t>
+            </a:r>
+            <a:r>
+              <a:rPr lang="es-MX" dirty="0"/>
+              <a:t> computarizadas almacenadas en archivos con </a:t>
+            </a:r>
+            <a:r>
+              <a:rPr lang="es-MX" b="1" dirty="0"/>
+              <a:t>formato DICOM</a:t>
+            </a:r>
+            <a:r>
+              <a:rPr lang="es-MX" dirty="0"/>
+              <a:t>, la cual permitirá a médicos y radiólogos una fácil y mejorada interpretación de resultados”.</a:t>
             </a:r>
           </a:p>
         </p:txBody>

--- a/Documento/Presentación.pptx
+++ b/Documento/Presentación.pptx
@@ -5,10 +5,10 @@
     <p:sldMasterId id="2147483648" r:id="rId2"/>
   </p:sldMasterIdLst>
   <p:notesMasterIdLst>
-    <p:notesMasterId r:id="rId27"/>
+    <p:notesMasterId r:id="rId28"/>
   </p:notesMasterIdLst>
   <p:handoutMasterIdLst>
-    <p:handoutMasterId r:id="rId28"/>
+    <p:handoutMasterId r:id="rId29"/>
   </p:handoutMasterIdLst>
   <p:sldIdLst>
     <p:sldId id="259" r:id="rId3"/>
@@ -25,16 +25,17 @@
     <p:sldId id="288" r:id="rId14"/>
     <p:sldId id="295" r:id="rId15"/>
     <p:sldId id="298" r:id="rId16"/>
-    <p:sldId id="299" r:id="rId17"/>
-    <p:sldId id="300" r:id="rId18"/>
-    <p:sldId id="290" r:id="rId19"/>
-    <p:sldId id="285" r:id="rId20"/>
-    <p:sldId id="287" r:id="rId21"/>
-    <p:sldId id="291" r:id="rId22"/>
-    <p:sldId id="292" r:id="rId23"/>
-    <p:sldId id="277" r:id="rId24"/>
-    <p:sldId id="297" r:id="rId25"/>
-    <p:sldId id="296" r:id="rId26"/>
+    <p:sldId id="302" r:id="rId17"/>
+    <p:sldId id="301" r:id="rId18"/>
+    <p:sldId id="299" r:id="rId19"/>
+    <p:sldId id="300" r:id="rId20"/>
+    <p:sldId id="290" r:id="rId21"/>
+    <p:sldId id="285" r:id="rId22"/>
+    <p:sldId id="287" r:id="rId23"/>
+    <p:sldId id="291" r:id="rId24"/>
+    <p:sldId id="292" r:id="rId25"/>
+    <p:sldId id="297" r:id="rId26"/>
+    <p:sldId id="296" r:id="rId27"/>
   </p:sldIdLst>
   <p:sldSz cx="9144000" cy="6858000" type="screen4x3"/>
   <p:notesSz cx="6858000" cy="9144000"/>
@@ -156,6 +157,8 @@
             <p14:sldId id="288"/>
             <p14:sldId id="295"/>
             <p14:sldId id="298"/>
+            <p14:sldId id="302"/>
+            <p14:sldId id="301"/>
             <p14:sldId id="299"/>
             <p14:sldId id="300"/>
             <p14:sldId id="290"/>
@@ -163,7 +166,6 @@
             <p14:sldId id="287"/>
             <p14:sldId id="291"/>
             <p14:sldId id="292"/>
-            <p14:sldId id="277"/>
             <p14:sldId id="297"/>
             <p14:sldId id="296"/>
           </p14:sldIdLst>
@@ -352,7 +354,7 @@
             <a:fld id="{459226BF-1F13-42D3-80DC-373E7ADD1EBC}" type="slidenum">
               <a:rPr lang="en-US" smtClean="0"/>
               <a:pPr/>
-              <a:t>‹Nº›</a:t>
+              <a:t>‹#›</a:t>
             </a:fld>
             <a:endParaRPr lang="en-US" dirty="0"/>
           </a:p>
@@ -606,7 +608,7 @@
             <a:fld id="{75693FD4-8F83-4EF7-AC3F-0DC0388986B0}" type="slidenum">
               <a:rPr lang="en-US" smtClean="0"/>
               <a:pPr/>
-              <a:t>‹Nº›</a:t>
+              <a:t>‹#›</a:t>
             </a:fld>
             <a:endParaRPr lang="en-US" dirty="0"/>
           </a:p>
@@ -1071,158 +1073,6 @@
               <a:t>2</a:t>
             </a:fld>
             <a:endParaRPr lang="en-US"/>
-          </a:p>
-        </p:txBody>
-      </p:sp>
-    </p:spTree>
-  </p:cSld>
-  <p:clrMapOvr>
-    <a:masterClrMapping/>
-  </p:clrMapOvr>
-</p:notes>
-</file>
-
-<file path=ppt/notesSlides/notesSlide3.xml><?xml version="1.0" encoding="utf-8"?>
-<p:notes xmlns:a="http://schemas.openxmlformats.org/drawingml/2006/main" xmlns:r="http://schemas.openxmlformats.org/officeDocument/2006/relationships" xmlns:p="http://schemas.openxmlformats.org/presentationml/2006/main">
-  <p:cSld>
-    <p:spTree>
-      <p:nvGrpSpPr>
-        <p:cNvPr id="1" name=""/>
-        <p:cNvGrpSpPr/>
-        <p:nvPr/>
-      </p:nvGrpSpPr>
-      <p:grpSpPr>
-        <a:xfrm>
-          <a:off x="0" y="0"/>
-          <a:ext cx="0" cy="0"/>
-          <a:chOff x="0" y="0"/>
-          <a:chExt cx="0" cy="0"/>
-        </a:xfrm>
-      </p:grpSpPr>
-      <p:sp>
-        <p:nvSpPr>
-          <p:cNvPr id="41986" name="Rectangle 23"/>
-          <p:cNvSpPr>
-            <a:spLocks noGrp="1" noChangeArrowheads="1"/>
-          </p:cNvSpPr>
-          <p:nvPr>
-            <p:ph type="hdr" sz="quarter"/>
-          </p:nvPr>
-        </p:nvSpPr>
-        <p:spPr>
-          <a:noFill/>
-        </p:spPr>
-        <p:txBody>
-          <a:bodyPr/>
-          <a:lstStyle/>
-          <a:p>
-            <a:r>
-              <a:rPr lang="en-US" dirty="0"/>
-              <a:t>Microsoft </a:t>
-            </a:r>
-            <a:r>
-              <a:rPr lang="en-US" b="1" dirty="0"/>
-              <a:t>Engineering Excellence</a:t>
-            </a:r>
-            <a:endParaRPr lang="en-US" dirty="0"/>
-          </a:p>
-        </p:txBody>
-      </p:sp>
-      <p:sp>
-        <p:nvSpPr>
-          <p:cNvPr id="41987" name="Rectangle 25"/>
-          <p:cNvSpPr>
-            <a:spLocks noGrp="1" noChangeArrowheads="1"/>
-          </p:cNvSpPr>
-          <p:nvPr>
-            <p:ph type="ftr" sz="quarter" idx="4"/>
-          </p:nvPr>
-        </p:nvSpPr>
-        <p:spPr>
-          <a:noFill/>
-        </p:spPr>
-        <p:txBody>
-          <a:bodyPr/>
-          <a:lstStyle/>
-          <a:p>
-            <a:r>
-              <a:rPr lang="en-US" dirty="0"/>
-              <a:t>Microsoft Confidential</a:t>
-            </a:r>
-          </a:p>
-        </p:txBody>
-      </p:sp>
-      <p:sp>
-        <p:nvSpPr>
-          <p:cNvPr id="41988" name="Rectangle 26"/>
-          <p:cNvSpPr>
-            <a:spLocks noGrp="1" noChangeArrowheads="1"/>
-          </p:cNvSpPr>
-          <p:nvPr>
-            <p:ph type="sldNum" sz="quarter" idx="5"/>
-          </p:nvPr>
-        </p:nvSpPr>
-        <p:spPr>
-          <a:noFill/>
-        </p:spPr>
-        <p:txBody>
-          <a:bodyPr/>
-          <a:lstStyle/>
-          <a:p>
-            <a:fld id="{B2B44A5F-6CE4-493C-A0D7-6834FF76660C}" type="slidenum">
-              <a:rPr lang="en-US" smtClean="0"/>
-              <a:pPr/>
-              <a:t>22</a:t>
-            </a:fld>
-            <a:endParaRPr lang="en-US" dirty="0"/>
-          </a:p>
-        </p:txBody>
-      </p:sp>
-      <p:sp>
-        <p:nvSpPr>
-          <p:cNvPr id="41989" name="Rectangle 2"/>
-          <p:cNvSpPr>
-            <a:spLocks noGrp="1" noRot="1" noChangeAspect="1" noChangeArrowheads="1" noTextEdit="1"/>
-          </p:cNvSpPr>
-          <p:nvPr>
-            <p:ph type="sldImg"/>
-          </p:nvPr>
-        </p:nvSpPr>
-        <p:spPr>
-          <a:xfrm>
-            <a:off x="1143000" y="450850"/>
-            <a:ext cx="4572000" cy="3429000"/>
-          </a:xfrm>
-          <a:ln/>
-        </p:spPr>
-      </p:sp>
-      <p:sp>
-        <p:nvSpPr>
-          <p:cNvPr id="41990" name="Rectangle 3"/>
-          <p:cNvSpPr>
-            <a:spLocks noGrp="1" noChangeArrowheads="1"/>
-          </p:cNvSpPr>
-          <p:nvPr>
-            <p:ph type="body" idx="1"/>
-          </p:nvPr>
-        </p:nvSpPr>
-        <p:spPr>
-          <a:xfrm>
-            <a:off x="307492" y="4130104"/>
-            <a:ext cx="6261652" cy="4554823"/>
-          </a:xfrm>
-          <a:noFill/>
-          <a:ln/>
-        </p:spPr>
-        <p:txBody>
-          <a:bodyPr/>
-          <a:lstStyle/>
-          <a:p>
-            <a:pPr>
-              <a:buFontTx/>
-              <a:buNone/>
-            </a:pPr>
-            <a:endParaRPr lang="en-US" dirty="0"/>
           </a:p>
         </p:txBody>
       </p:sp>
@@ -1737,7 +1587,7 @@
             <a:fld id="{33D6E5A2-EC83-451F-A719-9AC1370DD5CF}" type="slidenum">
               <a:rPr lang="en-US" smtClean="0"/>
               <a:pPr/>
-              <a:t>‹Nº›</a:t>
+              <a:t>‹#›</a:t>
             </a:fld>
             <a:endParaRPr lang="en-US" dirty="0"/>
           </a:p>
@@ -1827,7 +1677,7 @@
             <a:fld id="{33D6E5A2-EC83-451F-A719-9AC1370DD5CF}" type="slidenum">
               <a:rPr lang="en-US" smtClean="0"/>
               <a:pPr/>
-              <a:t>‹Nº›</a:t>
+              <a:t>‹#›</a:t>
             </a:fld>
             <a:endParaRPr lang="en-US" dirty="0"/>
           </a:p>
@@ -1961,7 +1811,7 @@
             <a:fld id="{33D6E5A2-EC83-451F-A719-9AC1370DD5CF}" type="slidenum">
               <a:rPr lang="en-US" smtClean="0"/>
               <a:pPr/>
-              <a:t>‹Nº›</a:t>
+              <a:t>‹#›</a:t>
             </a:fld>
             <a:endParaRPr lang="en-US" dirty="0"/>
           </a:p>
@@ -2144,7 +1994,7 @@
             <a:fld id="{33D6E5A2-EC83-451F-A719-9AC1370DD5CF}" type="slidenum">
               <a:rPr lang="en-US" smtClean="0"/>
               <a:pPr/>
-              <a:t>‹Nº›</a:t>
+              <a:t>‹#›</a:t>
             </a:fld>
             <a:endParaRPr lang="en-US" dirty="0"/>
           </a:p>
@@ -2541,7 +2391,7 @@
             <a:fld id="{33D6E5A2-EC83-451F-A719-9AC1370DD5CF}" type="slidenum">
               <a:rPr lang="en-US" smtClean="0"/>
               <a:pPr/>
-              <a:t>‹Nº›</a:t>
+              <a:t>‹#›</a:t>
             </a:fld>
             <a:endParaRPr lang="en-US" dirty="0"/>
           </a:p>
@@ -2821,7 +2671,7 @@
             <a:fld id="{33D6E5A2-EC83-451F-A719-9AC1370DD5CF}" type="slidenum">
               <a:rPr lang="en-US" smtClean="0"/>
               <a:pPr/>
-              <a:t>‹Nº›</a:t>
+              <a:t>‹#›</a:t>
             </a:fld>
             <a:endParaRPr lang="en-US" dirty="0"/>
           </a:p>
@@ -3235,7 +3085,7 @@
             <a:fld id="{33D6E5A2-EC83-451F-A719-9AC1370DD5CF}" type="slidenum">
               <a:rPr lang="en-US" smtClean="0"/>
               <a:pPr/>
-              <a:t>‹Nº›</a:t>
+              <a:t>‹#›</a:t>
             </a:fld>
             <a:endParaRPr lang="en-US" dirty="0"/>
           </a:p>
@@ -3505,7 +3355,7 @@
             <a:fld id="{33D6E5A2-EC83-451F-A719-9AC1370DD5CF}" type="slidenum">
               <a:rPr lang="en-US" smtClean="0"/>
               <a:pPr/>
-              <a:t>‹Nº›</a:t>
+              <a:t>‹#›</a:t>
             </a:fld>
             <a:endParaRPr lang="en-US" dirty="0"/>
           </a:p>
@@ -3756,7 +3606,7 @@
             <a:fld id="{33D6E5A2-EC83-451F-A719-9AC1370DD5CF}" type="slidenum">
               <a:rPr lang="en-US" smtClean="0"/>
               <a:pPr/>
-              <a:t>‹Nº›</a:t>
+              <a:t>‹#›</a:t>
             </a:fld>
             <a:endParaRPr lang="en-US" dirty="0"/>
           </a:p>
@@ -3919,7 +3769,7 @@
             <a:fld id="{33D6E5A2-EC83-451F-A719-9AC1370DD5CF}" type="slidenum">
               <a:rPr lang="en-US" smtClean="0"/>
               <a:pPr/>
-              <a:t>‹Nº›</a:t>
+              <a:t>‹#›</a:t>
             </a:fld>
             <a:endParaRPr lang="en-US" dirty="0"/>
           </a:p>
@@ -4092,7 +3942,7 @@
             <a:fld id="{33D6E5A2-EC83-451F-A719-9AC1370DD5CF}" type="slidenum">
               <a:rPr lang="en-US" smtClean="0"/>
               <a:pPr/>
-              <a:t>‹Nº›</a:t>
+              <a:t>‹#›</a:t>
             </a:fld>
             <a:endParaRPr lang="en-US" dirty="0"/>
           </a:p>
@@ -4365,7 +4215,7 @@
             <a:fld id="{33D6E5A2-EC83-451F-A719-9AC1370DD5CF}" type="slidenum">
               <a:rPr lang="en-US" smtClean="0"/>
               <a:pPr/>
-              <a:t>‹Nº›</a:t>
+              <a:t>‹#›</a:t>
             </a:fld>
             <a:endParaRPr lang="en-US" dirty="0"/>
           </a:p>
@@ -4923,23 +4773,27 @@
             <a:pPr algn="just"/>
             <a:r>
               <a:rPr lang="es-MX" dirty="0"/>
-              <a:t>La interpretación de los estudios </a:t>
-            </a:r>
-            <a:r>
-              <a:rPr lang="es-MX" dirty="0" err="1"/>
-              <a:t>tomográficos</a:t>
+              <a:t>La interpretación de los estudios tomográficos radiológicos se realiza comúnmente con base en un </a:t>
+            </a:r>
+            <a:r>
+              <a:rPr lang="es-MX" b="1" dirty="0"/>
+              <a:t>análisis visual </a:t>
             </a:r>
             <a:r>
               <a:rPr lang="es-MX" dirty="0"/>
-              <a:t> radiológicos se realiza comúnmente con base en un análisis visual de las imágenes adquiridas de los equipos </a:t>
-            </a:r>
-            <a:r>
-              <a:rPr lang="es-MX" dirty="0" err="1"/>
-              <a:t>imageneológicos</a:t>
+              <a:t>de las imágenes adquiridas de los equipos imageneológicos por parte del médico radiólogo, estos análisis son </a:t>
+            </a:r>
+            <a:r>
+              <a:rPr lang="es-MX" b="1" dirty="0"/>
+              <a:t>susceptibles a malas interpretaciones</a:t>
             </a:r>
             <a:r>
               <a:rPr lang="es-MX" dirty="0"/>
-              <a:t> por parte del médico radiólogo, estos análisis son susceptibles a malas interpretaciones debido a error humano.</a:t>
+              <a:t> debido a </a:t>
+            </a:r>
+            <a:r>
+              <a:rPr lang="es-MX" b="1" dirty="0"/>
+              <a:t>error humano.</a:t>
             </a:r>
           </a:p>
         </p:txBody>
@@ -5041,18 +4895,34 @@
             <p:ph idx="1"/>
           </p:nvPr>
         </p:nvSpPr>
-        <p:spPr/>
-        <p:txBody>
-          <a:bodyPr/>
-          <a:lstStyle/>
-          <a:p>
-            <a:pPr marL="0" indent="0">
+        <p:spPr>
+          <a:xfrm>
+            <a:off x="762000" y="1596413"/>
+            <a:ext cx="8077200" cy="1976603"/>
+          </a:xfrm>
+        </p:spPr>
+        <p:txBody>
+          <a:bodyPr>
+            <a:normAutofit lnSpcReduction="10000"/>
+          </a:bodyPr>
+          <a:lstStyle/>
+          <a:p>
+            <a:pPr marL="0" indent="0" algn="just">
+              <a:buNone/>
+            </a:pPr>
+            <a:r>
+              <a:rPr lang="es-MX" dirty="0"/>
+              <a:t>Desarrollar un software de tipo CAD capaz de ser utilizado por un especialista para la interpretación adecuada de las tomografías axiales computarizadas.</a:t>
+            </a:r>
+          </a:p>
+          <a:p>
+            <a:pPr marL="0" indent="0" algn="just">
               <a:buNone/>
             </a:pPr>
             <a:endParaRPr lang="es-MX" dirty="0"/>
           </a:p>
           <a:p>
-            <a:pPr marL="0" indent="0">
+            <a:pPr marL="0" indent="0" algn="just">
               <a:buNone/>
             </a:pPr>
             <a:endParaRPr lang="es-MX" dirty="0"/>
@@ -5061,10 +4931,13 @@
             <a:pPr marL="0" indent="0" algn="just">
               <a:buNone/>
             </a:pPr>
-            <a:r>
-              <a:rPr lang="es-MX" dirty="0"/>
-              <a:t>Desarrollar un software de tipo CAD capaz de ser utilizado por un especialista para la interpretación adecuada de las tomografías axiales computarizadas.</a:t>
-            </a:r>
+            <a:endParaRPr lang="es-MX" dirty="0"/>
+          </a:p>
+          <a:p>
+            <a:pPr marL="0" indent="0" algn="just">
+              <a:buNone/>
+            </a:pPr>
+            <a:endParaRPr lang="es-MX" dirty="0"/>
           </a:p>
         </p:txBody>
       </p:sp>
@@ -5100,6 +4973,36 @@
           </a:p>
         </p:txBody>
       </p:sp>
+      <p:pic>
+        <p:nvPicPr>
+          <p:cNvPr id="8" name="Picture 7"/>
+          <p:cNvPicPr>
+            <a:picLocks noChangeAspect="1"/>
+          </p:cNvPicPr>
+          <p:nvPr/>
+        </p:nvPicPr>
+        <p:blipFill>
+          <a:blip r:embed="rId2" cstate="email">
+            <a:extLst>
+              <a:ext uri="{28A0092B-C50C-407E-A947-70E740481C1C}">
+                <a14:useLocalDpi xmlns:a14="http://schemas.microsoft.com/office/drawing/2010/main" val="0"/>
+              </a:ext>
+            </a:extLst>
+          </a:blip>
+          <a:stretch>
+            <a:fillRect/>
+          </a:stretch>
+        </p:blipFill>
+        <p:spPr>
+          <a:xfrm>
+            <a:off x="2267744" y="3501008"/>
+            <a:ext cx="4572000" cy="2520280"/>
+          </a:xfrm>
+          <a:prstGeom prst="rect">
+            <a:avLst/>
+          </a:prstGeom>
+        </p:spPr>
+      </p:pic>
     </p:spTree>
     <p:extLst>
       <p:ext uri="{BB962C8B-B14F-4D97-AF65-F5344CB8AC3E}">
@@ -5155,9 +5058,41 @@
           </a:p>
         </p:txBody>
       </p:sp>
+      <p:sp>
+        <p:nvSpPr>
+          <p:cNvPr id="4" name="Slide Number Placeholder 3"/>
+          <p:cNvSpPr>
+            <a:spLocks noGrp="1"/>
+          </p:cNvSpPr>
+          <p:nvPr>
+            <p:ph type="sldNum" sz="quarter" idx="12"/>
+          </p:nvPr>
+        </p:nvSpPr>
+        <p:spPr/>
+        <p:txBody>
+          <a:bodyPr/>
+          <a:lstStyle/>
+          <a:p>
+            <a:fld id="{33D6E5A2-EC83-451F-A719-9AC1370DD5CF}" type="slidenum">
+              <a:rPr lang="en-US" sz="2800" smtClean="0">
+                <a:solidFill>
+                  <a:schemeClr val="tx1"/>
+                </a:solidFill>
+              </a:rPr>
+              <a:pPr/>
+              <a:t>12</a:t>
+            </a:fld>
+            <a:endParaRPr lang="en-US" sz="2800" dirty="0">
+              <a:solidFill>
+                <a:schemeClr val="tx1"/>
+              </a:solidFill>
+            </a:endParaRPr>
+          </a:p>
+        </p:txBody>
+      </p:sp>
       <p:pic>
         <p:nvPicPr>
-          <p:cNvPr id="6" name="Content Placeholder 5"/>
+          <p:cNvPr id="9" name="Content Placeholder 8"/>
           <p:cNvPicPr>
             <a:picLocks noGrp="1" noChangeAspect="1"/>
           </p:cNvPicPr>
@@ -5179,43 +5114,11 @@
         </p:blipFill>
         <p:spPr>
           <a:xfrm>
-            <a:off x="827584" y="1844824"/>
-            <a:ext cx="8077200" cy="3960440"/>
+            <a:off x="762000" y="1969962"/>
+            <a:ext cx="8077200" cy="3551488"/>
           </a:xfrm>
         </p:spPr>
       </p:pic>
-      <p:sp>
-        <p:nvSpPr>
-          <p:cNvPr id="4" name="Slide Number Placeholder 3"/>
-          <p:cNvSpPr>
-            <a:spLocks noGrp="1"/>
-          </p:cNvSpPr>
-          <p:nvPr>
-            <p:ph type="sldNum" sz="quarter" idx="12"/>
-          </p:nvPr>
-        </p:nvSpPr>
-        <p:spPr/>
-        <p:txBody>
-          <a:bodyPr/>
-          <a:lstStyle/>
-          <a:p>
-            <a:fld id="{33D6E5A2-EC83-451F-A719-9AC1370DD5CF}" type="slidenum">
-              <a:rPr lang="en-US" sz="2800" smtClean="0">
-                <a:solidFill>
-                  <a:schemeClr val="tx1"/>
-                </a:solidFill>
-              </a:rPr>
-              <a:pPr/>
-              <a:t>12</a:t>
-            </a:fld>
-            <a:endParaRPr lang="en-US" sz="2800" dirty="0">
-              <a:solidFill>
-                <a:schemeClr val="tx1"/>
-              </a:solidFill>
-            </a:endParaRPr>
-          </a:p>
-        </p:txBody>
-      </p:sp>
     </p:spTree>
     <p:extLst>
       <p:ext uri="{BB962C8B-B14F-4D97-AF65-F5344CB8AC3E}">
@@ -5381,7 +5284,7 @@
           <a:p>
             <a:r>
               <a:rPr lang="es-MX" dirty="0"/>
-              <a:t>Proceso de segmentación</a:t>
+              <a:t>Módulo de segmentación</a:t>
             </a:r>
           </a:p>
         </p:txBody>
@@ -5403,20 +5306,17 @@
           <a:p>
             <a:r>
               <a:rPr lang="es-MX" dirty="0"/>
-              <a:t>Definición</a:t>
-            </a:r>
-          </a:p>
-          <a:p>
-            <a:r>
-              <a:rPr lang="es-MX" dirty="0"/>
-              <a:t>Umbralización</a:t>
-            </a:r>
-          </a:p>
-          <a:p>
-            <a:r>
-              <a:rPr lang="es-MX" dirty="0"/>
-              <a:t>Región creciente</a:t>
-            </a:r>
+              <a:t>¿Qué nos permite la segmentación?</a:t>
+            </a:r>
+          </a:p>
+          <a:p>
+            <a:endParaRPr lang="es-MX" dirty="0"/>
+          </a:p>
+          <a:p>
+            <a:pPr marL="0" indent="0">
+              <a:buNone/>
+            </a:pPr>
+            <a:endParaRPr lang="es-MX" dirty="0"/>
           </a:p>
         </p:txBody>
       </p:sp>
@@ -5436,11 +5336,19 @@
           <a:lstStyle/>
           <a:p>
             <a:fld id="{33D6E5A2-EC83-451F-A719-9AC1370DD5CF}" type="slidenum">
-              <a:rPr lang="en-US" smtClean="0"/>
+              <a:rPr lang="en-US" sz="2800" smtClean="0">
+                <a:solidFill>
+                  <a:schemeClr val="tx1"/>
+                </a:solidFill>
+              </a:rPr>
               <a:pPr/>
               <a:t>14</a:t>
             </a:fld>
-            <a:endParaRPr lang="en-US" dirty="0"/>
+            <a:endParaRPr lang="en-US" sz="2800" dirty="0">
+              <a:solidFill>
+                <a:schemeClr val="tx1"/>
+              </a:solidFill>
+            </a:endParaRPr>
           </a:p>
         </p:txBody>
       </p:sp>
@@ -5494,7 +5402,7 @@
           <a:p>
             <a:r>
               <a:rPr lang="es-MX" dirty="0"/>
-              <a:t>Proceso de clasificación</a:t>
+              <a:t>Módulo de segmentación</a:t>
             </a:r>
           </a:p>
         </p:txBody>
@@ -5516,16 +5424,67 @@
           <a:p>
             <a:r>
               <a:rPr lang="es-MX" dirty="0"/>
-              <a:t>Clasificadores </a:t>
-            </a:r>
-          </a:p>
-          <a:p>
+              <a:t>Umbralización</a:t>
+            </a:r>
+          </a:p>
+          <a:p>
+            <a:pPr lvl="1"/>
+            <a:r>
+              <a:rPr lang="es-MX" dirty="0"/>
+              <a:t>Punto dependientes</a:t>
+            </a:r>
+          </a:p>
+          <a:p>
+            <a:pPr lvl="2"/>
+            <a:r>
+              <a:rPr lang="es-MX" dirty="0"/>
+              <a:t>Método de porcentaje</a:t>
+            </a:r>
+          </a:p>
+          <a:p>
+            <a:pPr lvl="1"/>
+            <a:r>
+              <a:rPr lang="es-MX" dirty="0"/>
+              <a:t>Región dependientes</a:t>
+            </a:r>
+          </a:p>
+          <a:p>
+            <a:pPr lvl="2"/>
+            <a:r>
+              <a:rPr lang="es-MX" dirty="0"/>
+              <a:t>Métodos de relajación</a:t>
+            </a:r>
+          </a:p>
+          <a:p>
+            <a:pPr lvl="1"/>
+            <a:r>
+              <a:rPr lang="es-MX" dirty="0"/>
+              <a:t>Umbralizado local</a:t>
+            </a:r>
+          </a:p>
+          <a:p>
+            <a:pPr lvl="1"/>
+            <a:r>
+              <a:rPr lang="es-MX" dirty="0"/>
+              <a:t>Multiumbralización</a:t>
+            </a:r>
+          </a:p>
+          <a:p>
+            <a:pPr lvl="2"/>
+            <a:r>
+              <a:rPr lang="es-MX" dirty="0"/>
+              <a:t>Método Wang y </a:t>
+            </a:r>
             <a:r>
               <a:rPr lang="es-MX" dirty="0" err="1"/>
-              <a:t>Clustering</a:t>
+              <a:t>Haralick</a:t>
             </a:r>
             <a:endParaRPr lang="es-MX" dirty="0"/>
           </a:p>
+          <a:p>
+            <a:pPr lvl="2"/>
+            <a:endParaRPr lang="es-MX" dirty="0"/>
+          </a:p>
         </p:txBody>
       </p:sp>
       <p:sp>
@@ -5544,18 +5503,26 @@
           <a:lstStyle/>
           <a:p>
             <a:fld id="{33D6E5A2-EC83-451F-A719-9AC1370DD5CF}" type="slidenum">
-              <a:rPr lang="en-US" smtClean="0"/>
+              <a:rPr lang="en-US" sz="2800" smtClean="0">
+                <a:solidFill>
+                  <a:schemeClr val="tx1"/>
+                </a:solidFill>
+              </a:rPr>
               <a:pPr/>
               <a:t>15</a:t>
             </a:fld>
-            <a:endParaRPr lang="en-US" dirty="0"/>
+            <a:endParaRPr lang="en-US" sz="2800" dirty="0">
+              <a:solidFill>
+                <a:schemeClr val="tx1"/>
+              </a:solidFill>
+            </a:endParaRPr>
           </a:p>
         </p:txBody>
       </p:sp>
     </p:spTree>
     <p:extLst>
       <p:ext uri="{BB962C8B-B14F-4D97-AF65-F5344CB8AC3E}">
-        <p14:creationId xmlns:p14="http://schemas.microsoft.com/office/powerpoint/2010/main" val="1549968968"/>
+        <p14:creationId xmlns:p14="http://schemas.microsoft.com/office/powerpoint/2010/main" val="4224253383"/>
       </p:ext>
     </p:extLst>
   </p:cSld>
@@ -5602,7 +5569,7 @@
           <a:p>
             <a:r>
               <a:rPr lang="es-MX" dirty="0"/>
-              <a:t>Proceso de análisis</a:t>
+              <a:t>Módulo de segmentación</a:t>
             </a:r>
           </a:p>
         </p:txBody>
@@ -5622,7 +5589,25 @@
           <a:bodyPr/>
           <a:lstStyle/>
           <a:p>
-            <a:endParaRPr lang="es-MX"/>
+            <a:r>
+              <a:rPr lang="es-MX" dirty="0"/>
+              <a:t>Región creciente. Basado en una semilla.</a:t>
+            </a:r>
+          </a:p>
+          <a:p>
+            <a:pPr lvl="1"/>
+            <a:r>
+              <a:rPr lang="es-MX" dirty="0"/>
+              <a:t>Split and </a:t>
+            </a:r>
+            <a:r>
+              <a:rPr lang="es-MX" dirty="0" err="1"/>
+              <a:t>Merge</a:t>
+            </a:r>
+            <a:endParaRPr lang="es-MX" dirty="0"/>
+          </a:p>
+          <a:p>
+            <a:endParaRPr lang="es-MX" dirty="0"/>
           </a:p>
         </p:txBody>
       </p:sp>
@@ -5650,10 +5635,40 @@
           </a:p>
         </p:txBody>
       </p:sp>
+      <p:pic>
+        <p:nvPicPr>
+          <p:cNvPr id="6" name="Picture 5"/>
+          <p:cNvPicPr>
+            <a:picLocks noChangeAspect="1"/>
+          </p:cNvPicPr>
+          <p:nvPr/>
+        </p:nvPicPr>
+        <p:blipFill>
+          <a:blip r:embed="rId2">
+            <a:extLst>
+              <a:ext uri="{28A0092B-C50C-407E-A947-70E740481C1C}">
+                <a14:useLocalDpi xmlns:a14="http://schemas.microsoft.com/office/drawing/2010/main" val="0"/>
+              </a:ext>
+            </a:extLst>
+          </a:blip>
+          <a:stretch>
+            <a:fillRect/>
+          </a:stretch>
+        </p:blipFill>
+        <p:spPr>
+          <a:xfrm>
+            <a:off x="3275856" y="2803649"/>
+            <a:ext cx="2880320" cy="3099225"/>
+          </a:xfrm>
+          <a:prstGeom prst="rect">
+            <a:avLst/>
+          </a:prstGeom>
+        </p:spPr>
+      </p:pic>
     </p:spTree>
     <p:extLst>
       <p:ext uri="{BB962C8B-B14F-4D97-AF65-F5344CB8AC3E}">
-        <p14:creationId xmlns:p14="http://schemas.microsoft.com/office/powerpoint/2010/main" val="3196833112"/>
+        <p14:creationId xmlns:p14="http://schemas.microsoft.com/office/powerpoint/2010/main" val="541217764"/>
       </p:ext>
     </p:extLst>
   </p:cSld>
@@ -5700,6 +5715,244 @@
           <a:p>
             <a:r>
               <a:rPr lang="es-MX" dirty="0"/>
+              <a:t>Módulo de clasificación</a:t>
+            </a:r>
+          </a:p>
+        </p:txBody>
+      </p:sp>
+      <p:sp>
+        <p:nvSpPr>
+          <p:cNvPr id="3" name="Content Placeholder 2"/>
+          <p:cNvSpPr>
+            <a:spLocks noGrp="1"/>
+          </p:cNvSpPr>
+          <p:nvPr>
+            <p:ph idx="1"/>
+          </p:nvPr>
+        </p:nvSpPr>
+        <p:spPr/>
+        <p:txBody>
+          <a:bodyPr/>
+          <a:lstStyle/>
+          <a:p>
+            <a:r>
+              <a:rPr lang="es-MX" dirty="0"/>
+              <a:t>Clasificadores </a:t>
+            </a:r>
+          </a:p>
+          <a:p>
+            <a:r>
+              <a:rPr lang="es-MX" dirty="0" err="1"/>
+              <a:t>Clustering</a:t>
+            </a:r>
+            <a:endParaRPr lang="es-MX" dirty="0"/>
+          </a:p>
+        </p:txBody>
+      </p:sp>
+      <p:sp>
+        <p:nvSpPr>
+          <p:cNvPr id="4" name="Slide Number Placeholder 3"/>
+          <p:cNvSpPr>
+            <a:spLocks noGrp="1"/>
+          </p:cNvSpPr>
+          <p:nvPr>
+            <p:ph type="sldNum" sz="quarter" idx="12"/>
+          </p:nvPr>
+        </p:nvSpPr>
+        <p:spPr/>
+        <p:txBody>
+          <a:bodyPr/>
+          <a:lstStyle/>
+          <a:p>
+            <a:fld id="{33D6E5A2-EC83-451F-A719-9AC1370DD5CF}" type="slidenum">
+              <a:rPr lang="en-US" smtClean="0"/>
+              <a:pPr/>
+              <a:t>17</a:t>
+            </a:fld>
+            <a:endParaRPr lang="en-US" dirty="0"/>
+          </a:p>
+        </p:txBody>
+      </p:sp>
+    </p:spTree>
+    <p:extLst>
+      <p:ext uri="{BB962C8B-B14F-4D97-AF65-F5344CB8AC3E}">
+        <p14:creationId xmlns:p14="http://schemas.microsoft.com/office/powerpoint/2010/main" val="1549968968"/>
+      </p:ext>
+    </p:extLst>
+  </p:cSld>
+  <p:clrMapOvr>
+    <a:masterClrMapping/>
+  </p:clrMapOvr>
+  <p:transition spd="slow">
+    <p:wipe dir="d"/>
+  </p:transition>
+</p:sld>
+</file>
+
+<file path=ppt/slides/slide18.xml><?xml version="1.0" encoding="utf-8"?>
+<p:sld xmlns:a="http://schemas.openxmlformats.org/drawingml/2006/main" xmlns:r="http://schemas.openxmlformats.org/officeDocument/2006/relationships" xmlns:p="http://schemas.openxmlformats.org/presentationml/2006/main">
+  <p:cSld>
+    <p:spTree>
+      <p:nvGrpSpPr>
+        <p:cNvPr id="1" name=""/>
+        <p:cNvGrpSpPr/>
+        <p:nvPr/>
+      </p:nvGrpSpPr>
+      <p:grpSpPr>
+        <a:xfrm>
+          <a:off x="0" y="0"/>
+          <a:ext cx="0" cy="0"/>
+          <a:chOff x="0" y="0"/>
+          <a:chExt cx="0" cy="0"/>
+        </a:xfrm>
+      </p:grpSpPr>
+      <p:sp>
+        <p:nvSpPr>
+          <p:cNvPr id="2" name="Title 1"/>
+          <p:cNvSpPr>
+            <a:spLocks noGrp="1"/>
+          </p:cNvSpPr>
+          <p:nvPr>
+            <p:ph type="title"/>
+          </p:nvPr>
+        </p:nvSpPr>
+        <p:spPr/>
+        <p:txBody>
+          <a:bodyPr/>
+          <a:lstStyle/>
+          <a:p>
+            <a:r>
+              <a:rPr lang="es-MX" dirty="0"/>
+              <a:t>Módulo de análisis</a:t>
+            </a:r>
+          </a:p>
+        </p:txBody>
+      </p:sp>
+      <p:sp>
+        <p:nvSpPr>
+          <p:cNvPr id="3" name="Content Placeholder 2"/>
+          <p:cNvSpPr>
+            <a:spLocks noGrp="1"/>
+          </p:cNvSpPr>
+          <p:nvPr>
+            <p:ph idx="1"/>
+          </p:nvPr>
+        </p:nvSpPr>
+        <p:spPr/>
+        <p:txBody>
+          <a:bodyPr/>
+          <a:lstStyle/>
+          <a:p>
+            <a:r>
+              <a:rPr lang="es-MX" dirty="0"/>
+              <a:t>Rotación</a:t>
+            </a:r>
+          </a:p>
+          <a:p>
+            <a:r>
+              <a:rPr lang="es-MX" dirty="0"/>
+              <a:t>Escalado</a:t>
+            </a:r>
+          </a:p>
+          <a:p>
+            <a:r>
+              <a:rPr lang="es-MX" dirty="0"/>
+              <a:t>Corte</a:t>
+            </a:r>
+          </a:p>
+          <a:p>
+            <a:r>
+              <a:rPr lang="es-MX" dirty="0"/>
+              <a:t>Detección de bordes</a:t>
+            </a:r>
+          </a:p>
+          <a:p>
+            <a:endParaRPr lang="es-MX" dirty="0"/>
+          </a:p>
+        </p:txBody>
+      </p:sp>
+      <p:sp>
+        <p:nvSpPr>
+          <p:cNvPr id="4" name="Slide Number Placeholder 3"/>
+          <p:cNvSpPr>
+            <a:spLocks noGrp="1"/>
+          </p:cNvSpPr>
+          <p:nvPr>
+            <p:ph type="sldNum" sz="quarter" idx="12"/>
+          </p:nvPr>
+        </p:nvSpPr>
+        <p:spPr/>
+        <p:txBody>
+          <a:bodyPr/>
+          <a:lstStyle/>
+          <a:p>
+            <a:fld id="{33D6E5A2-EC83-451F-A719-9AC1370DD5CF}" type="slidenum">
+              <a:rPr lang="en-US" sz="2800" smtClean="0">
+                <a:solidFill>
+                  <a:schemeClr val="tx1"/>
+                </a:solidFill>
+              </a:rPr>
+              <a:pPr/>
+              <a:t>18</a:t>
+            </a:fld>
+            <a:endParaRPr lang="en-US" sz="2800" dirty="0">
+              <a:solidFill>
+                <a:schemeClr val="tx1"/>
+              </a:solidFill>
+            </a:endParaRPr>
+          </a:p>
+        </p:txBody>
+      </p:sp>
+    </p:spTree>
+    <p:extLst>
+      <p:ext uri="{BB962C8B-B14F-4D97-AF65-F5344CB8AC3E}">
+        <p14:creationId xmlns:p14="http://schemas.microsoft.com/office/powerpoint/2010/main" val="3196833112"/>
+      </p:ext>
+    </p:extLst>
+  </p:cSld>
+  <p:clrMapOvr>
+    <a:masterClrMapping/>
+  </p:clrMapOvr>
+  <p:transition spd="slow">
+    <p:wipe dir="d"/>
+  </p:transition>
+</p:sld>
+</file>
+
+<file path=ppt/slides/slide19.xml><?xml version="1.0" encoding="utf-8"?>
+<p:sld xmlns:a="http://schemas.openxmlformats.org/drawingml/2006/main" xmlns:r="http://schemas.openxmlformats.org/officeDocument/2006/relationships" xmlns:p="http://schemas.openxmlformats.org/presentationml/2006/main">
+  <p:cSld>
+    <p:spTree>
+      <p:nvGrpSpPr>
+        <p:cNvPr id="1" name=""/>
+        <p:cNvGrpSpPr/>
+        <p:nvPr/>
+      </p:nvGrpSpPr>
+      <p:grpSpPr>
+        <a:xfrm>
+          <a:off x="0" y="0"/>
+          <a:ext cx="0" cy="0"/>
+          <a:chOff x="0" y="0"/>
+          <a:chExt cx="0" cy="0"/>
+        </a:xfrm>
+      </p:grpSpPr>
+      <p:sp>
+        <p:nvSpPr>
+          <p:cNvPr id="2" name="Title 1"/>
+          <p:cNvSpPr>
+            <a:spLocks noGrp="1"/>
+          </p:cNvSpPr>
+          <p:nvPr>
+            <p:ph type="title"/>
+          </p:nvPr>
+        </p:nvSpPr>
+        <p:spPr/>
+        <p:txBody>
+          <a:bodyPr/>
+          <a:lstStyle/>
+          <a:p>
+            <a:r>
+              <a:rPr lang="es-MX" dirty="0"/>
               <a:t>Herramientas para el desarrollo</a:t>
             </a:r>
           </a:p>
@@ -5756,7 +6009,7 @@
                 </a:solidFill>
               </a:rPr>
               <a:pPr/>
-              <a:t>17</a:t>
+              <a:t>19</a:t>
             </a:fld>
             <a:endParaRPr lang="en-US" sz="2800" dirty="0">
               <a:solidFill>
@@ -5812,7 +6065,7 @@
 </p:sld>
 </file>
 
-<file path=ppt/slides/slide18.xml><?xml version="1.0" encoding="utf-8"?>
+<file path=ppt/slides/slide2.xml><?xml version="1.0" encoding="utf-8"?>
 <p:sld xmlns:a="http://schemas.openxmlformats.org/drawingml/2006/main" xmlns:r="http://schemas.openxmlformats.org/officeDocument/2006/relationships" xmlns:p="http://schemas.openxmlformats.org/presentationml/2006/main">
   <p:cSld>
     <p:spTree>
@@ -5837,6 +6090,9 @@
           </p:cNvSpPr>
           <p:nvPr>
             <p:ph type="title"/>
+            <p:custDataLst>
+              <p:tags r:id="rId2"/>
+            </p:custDataLst>
           </p:nvPr>
         </p:nvSpPr>
         <p:spPr/>
@@ -5845,49 +6101,435 @@
           <a:lstStyle/>
           <a:p>
             <a:r>
-              <a:rPr lang="es-MX" dirty="0"/>
+              <a:rPr lang="en-US" dirty="0" err="1"/>
+              <a:t>Contenido</a:t>
+            </a:r>
+            <a:endParaRPr lang="en-US" dirty="0"/>
+          </a:p>
+        </p:txBody>
+      </p:sp>
+      <p:sp>
+        <p:nvSpPr>
+          <p:cNvPr id="5" name="Content Placeholder 4"/>
+          <p:cNvSpPr>
+            <a:spLocks noGrp="1"/>
+          </p:cNvSpPr>
+          <p:nvPr>
+            <p:ph idx="1"/>
+            <p:custDataLst>
+              <p:tags r:id="rId3"/>
+            </p:custDataLst>
+          </p:nvPr>
+        </p:nvSpPr>
+        <p:spPr>
+          <a:xfrm>
+            <a:off x="762000" y="1268760"/>
+            <a:ext cx="8077200" cy="5400601"/>
+          </a:xfrm>
+        </p:spPr>
+        <p:txBody>
+          <a:bodyPr numCol="2">
+            <a:normAutofit fontScale="85000" lnSpcReduction="20000"/>
+          </a:bodyPr>
+          <a:lstStyle/>
+          <a:p>
+            <a:pPr marL="514350" indent="-514350">
+              <a:buFont typeface="+mj-lt"/>
+              <a:buAutoNum type="arabicPeriod"/>
+            </a:pPr>
+            <a:r>
+              <a:rPr lang="en-US" sz="2200" dirty="0" err="1"/>
+              <a:t>Introducción</a:t>
+            </a:r>
+            <a:endParaRPr lang="en-US" sz="2200" dirty="0"/>
+          </a:p>
+          <a:p>
+            <a:pPr marL="514350" indent="-514350">
+              <a:buFont typeface="+mj-lt"/>
+              <a:buAutoNum type="arabicPeriod"/>
+            </a:pPr>
+            <a:endParaRPr lang="en-US" sz="2200" dirty="0"/>
+          </a:p>
+          <a:p>
+            <a:pPr marL="514350" indent="-514350">
+              <a:buFont typeface="+mj-lt"/>
+              <a:buAutoNum type="arabicPeriod"/>
+            </a:pPr>
+            <a:r>
+              <a:rPr lang="en-US" sz="2200" dirty="0" err="1"/>
+              <a:t>Planteamiento</a:t>
+            </a:r>
+            <a:r>
+              <a:rPr lang="en-US" sz="2200" dirty="0"/>
+              <a:t> del </a:t>
+            </a:r>
+            <a:r>
+              <a:rPr lang="en-US" sz="2200" dirty="0" err="1"/>
+              <a:t>problema</a:t>
+            </a:r>
+            <a:endParaRPr lang="en-US" sz="2200" dirty="0"/>
+          </a:p>
+          <a:p>
+            <a:pPr marL="514350" indent="-514350">
+              <a:buFont typeface="+mj-lt"/>
+              <a:buAutoNum type="arabicPeriod"/>
+            </a:pPr>
+            <a:endParaRPr lang="en-US" sz="2200" dirty="0"/>
+          </a:p>
+          <a:p>
+            <a:pPr marL="514350" indent="-514350">
+              <a:buFont typeface="+mj-lt"/>
+              <a:buAutoNum type="arabicPeriod"/>
+            </a:pPr>
+            <a:r>
+              <a:rPr lang="en-US" sz="2200" dirty="0" err="1"/>
+              <a:t>Propuesta</a:t>
+            </a:r>
+            <a:r>
+              <a:rPr lang="en-US" sz="2200" dirty="0"/>
+              <a:t> de </a:t>
+            </a:r>
+            <a:r>
+              <a:rPr lang="en-US" sz="2200" dirty="0" err="1"/>
+              <a:t>solución</a:t>
+            </a:r>
+            <a:endParaRPr lang="en-US" sz="2200" dirty="0"/>
+          </a:p>
+          <a:p>
+            <a:pPr marL="514350" indent="-514350">
+              <a:buFont typeface="+mj-lt"/>
+              <a:buAutoNum type="arabicPeriod"/>
+            </a:pPr>
+            <a:endParaRPr lang="en-US" sz="2200" dirty="0"/>
+          </a:p>
+          <a:p>
+            <a:pPr marL="514350" indent="-514350">
+              <a:buFont typeface="+mj-lt"/>
+              <a:buAutoNum type="arabicPeriod"/>
+            </a:pPr>
+            <a:r>
+              <a:rPr lang="en-US" sz="2200" dirty="0" err="1"/>
+              <a:t>Justificación</a:t>
+            </a:r>
+            <a:endParaRPr lang="en-US" sz="2200" dirty="0"/>
+          </a:p>
+          <a:p>
+            <a:pPr marL="514350" indent="-514350">
+              <a:buFont typeface="+mj-lt"/>
+              <a:buAutoNum type="arabicPeriod"/>
+            </a:pPr>
+            <a:endParaRPr lang="en-US" sz="2200" dirty="0"/>
+          </a:p>
+          <a:p>
+            <a:pPr marL="514350" indent="-514350">
+              <a:buFont typeface="+mj-lt"/>
+              <a:buAutoNum type="arabicPeriod"/>
+            </a:pPr>
+            <a:r>
+              <a:rPr lang="en-US" sz="2200" dirty="0" err="1"/>
+              <a:t>Objetivo</a:t>
+            </a:r>
+            <a:r>
+              <a:rPr lang="en-US" sz="2200" dirty="0"/>
+              <a:t> general</a:t>
+            </a:r>
+          </a:p>
+          <a:p>
+            <a:pPr marL="514350" indent="-514350">
+              <a:buFont typeface="+mj-lt"/>
+              <a:buAutoNum type="arabicPeriod"/>
+            </a:pPr>
+            <a:endParaRPr lang="en-US" sz="2200" dirty="0"/>
+          </a:p>
+          <a:p>
+            <a:pPr marL="514350" indent="-514350">
+              <a:buFont typeface="+mj-lt"/>
+              <a:buAutoNum type="arabicPeriod"/>
+            </a:pPr>
+            <a:r>
+              <a:rPr lang="en-US" sz="2200" dirty="0"/>
+              <a:t>Trabajo </a:t>
+            </a:r>
+            <a:r>
+              <a:rPr lang="en-US" sz="2200" dirty="0" err="1"/>
+              <a:t>previo</a:t>
+            </a:r>
+            <a:endParaRPr lang="en-US" sz="2200" dirty="0"/>
+          </a:p>
+          <a:p>
+            <a:pPr marL="514350" indent="-514350">
+              <a:buFont typeface="+mj-lt"/>
+              <a:buAutoNum type="arabicPeriod"/>
+            </a:pPr>
+            <a:endParaRPr lang="en-US" sz="2200" dirty="0"/>
+          </a:p>
+          <a:p>
+            <a:pPr marL="514350" indent="-514350">
+              <a:buFont typeface="+mj-lt"/>
+              <a:buAutoNum type="arabicPeriod"/>
+            </a:pPr>
+            <a:r>
+              <a:rPr lang="en-US" sz="2200" dirty="0" err="1"/>
+              <a:t>Herramientas</a:t>
+            </a:r>
+            <a:r>
+              <a:rPr lang="en-US" sz="2200" dirty="0"/>
+              <a:t> para </a:t>
+            </a:r>
+            <a:r>
+              <a:rPr lang="en-US" sz="2200" dirty="0" err="1"/>
+              <a:t>desarrollo</a:t>
+            </a:r>
+            <a:endParaRPr lang="en-US" sz="2200" dirty="0"/>
+          </a:p>
+          <a:p>
+            <a:pPr marL="514350" indent="-514350">
+              <a:buFont typeface="+mj-lt"/>
+              <a:buAutoNum type="arabicPeriod"/>
+            </a:pPr>
+            <a:endParaRPr lang="en-US" sz="2200" dirty="0"/>
+          </a:p>
+          <a:p>
+            <a:pPr marL="514350" indent="-514350">
+              <a:buFont typeface="+mj-lt"/>
+              <a:buAutoNum type="arabicPeriod"/>
+            </a:pPr>
+            <a:r>
+              <a:rPr lang="en-US" sz="2200" dirty="0" err="1"/>
               <a:t>Metodología</a:t>
             </a:r>
-          </a:p>
-        </p:txBody>
-      </p:sp>
-      <p:sp>
-        <p:nvSpPr>
-          <p:cNvPr id="3" name="Content Placeholder 2"/>
-          <p:cNvSpPr>
-            <a:spLocks noGrp="1"/>
-          </p:cNvSpPr>
-          <p:nvPr>
-            <p:ph idx="1"/>
-          </p:nvPr>
-        </p:nvSpPr>
-        <p:spPr/>
-        <p:txBody>
-          <a:bodyPr/>
-          <a:lstStyle/>
-          <a:p>
-            <a:pPr algn="just"/>
-            <a:r>
-              <a:rPr lang="es-MX" dirty="0"/>
-              <a:t>Se pretende usar la metodología </a:t>
-            </a:r>
-            <a:r>
-              <a:rPr lang="es-MX" b="1" dirty="0"/>
-              <a:t>incremental</a:t>
-            </a:r>
-            <a:r>
-              <a:rPr lang="es-MX" dirty="0"/>
-              <a:t> ya que esta nos permite una rápida retroalimentación entre las actividades del desarrollo del sistema.</a:t>
-            </a:r>
-          </a:p>
-          <a:p>
-            <a:endParaRPr lang="es-MX" dirty="0"/>
-          </a:p>
-        </p:txBody>
-      </p:sp>
-      <p:sp>
-        <p:nvSpPr>
-          <p:cNvPr id="4" name="Slide Number Placeholder 3"/>
+            <a:endParaRPr lang="en-US" sz="2200" dirty="0"/>
+          </a:p>
+          <a:p>
+            <a:pPr marL="514350" indent="-514350">
+              <a:buFont typeface="+mj-lt"/>
+              <a:buAutoNum type="arabicPeriod"/>
+            </a:pPr>
+            <a:endParaRPr lang="en-US" sz="2200" dirty="0"/>
+          </a:p>
+          <a:p>
+            <a:pPr marL="514350" indent="-514350">
+              <a:buFont typeface="+mj-lt"/>
+              <a:buAutoNum type="arabicPeriod"/>
+            </a:pPr>
+            <a:endParaRPr lang="en-US" sz="2200" dirty="0"/>
+          </a:p>
+          <a:p>
+            <a:pPr marL="514350" indent="-514350">
+              <a:buFont typeface="+mj-lt"/>
+              <a:buAutoNum type="arabicPeriod"/>
+            </a:pPr>
+            <a:endParaRPr lang="en-US" sz="2200" dirty="0"/>
+          </a:p>
+          <a:p>
+            <a:pPr marL="514350" indent="-514350">
+              <a:buFont typeface="+mj-lt"/>
+              <a:buAutoNum type="arabicPeriod"/>
+            </a:pPr>
+            <a:r>
+              <a:rPr lang="en-US" sz="2200" dirty="0" err="1"/>
+              <a:t>Requerimientos</a:t>
+            </a:r>
+            <a:r>
+              <a:rPr lang="en-US" sz="2200" dirty="0"/>
+              <a:t> del </a:t>
+            </a:r>
+            <a:r>
+              <a:rPr lang="en-US" sz="2200" dirty="0" err="1"/>
+              <a:t>sistema</a:t>
+            </a:r>
+            <a:endParaRPr lang="en-US" sz="2200" dirty="0"/>
+          </a:p>
+          <a:p>
+            <a:pPr marL="514350" indent="-514350">
+              <a:buFont typeface="+mj-lt"/>
+              <a:buAutoNum type="arabicPeriod"/>
+            </a:pPr>
+            <a:endParaRPr lang="en-US" sz="2200" dirty="0"/>
+          </a:p>
+          <a:p>
+            <a:pPr marL="514350" indent="-514350">
+              <a:buFont typeface="+mj-lt"/>
+              <a:buAutoNum type="arabicPeriod"/>
+            </a:pPr>
+            <a:r>
+              <a:rPr lang="en-US" sz="2200" dirty="0" err="1"/>
+              <a:t>Diseño</a:t>
+            </a:r>
+            <a:r>
+              <a:rPr lang="en-US" sz="2200" dirty="0"/>
+              <a:t> del </a:t>
+            </a:r>
+            <a:r>
+              <a:rPr lang="en-US" sz="2200" dirty="0" err="1"/>
+              <a:t>sistema</a:t>
+            </a:r>
+            <a:endParaRPr lang="en-US" sz="2200" dirty="0"/>
+          </a:p>
+          <a:p>
+            <a:pPr marL="514350" indent="-514350">
+              <a:buFont typeface="+mj-lt"/>
+              <a:buAutoNum type="arabicPeriod"/>
+            </a:pPr>
+            <a:endParaRPr lang="en-US" sz="2200" dirty="0"/>
+          </a:p>
+          <a:p>
+            <a:pPr marL="514350" indent="-514350">
+              <a:buFont typeface="+mj-lt"/>
+              <a:buAutoNum type="arabicPeriod"/>
+            </a:pPr>
+            <a:r>
+              <a:rPr lang="en-US" sz="2200" dirty="0" err="1"/>
+              <a:t>Descripción</a:t>
+            </a:r>
+            <a:r>
+              <a:rPr lang="en-US" sz="2200" dirty="0"/>
+              <a:t> de </a:t>
+            </a:r>
+            <a:r>
+              <a:rPr lang="en-US" sz="2200" dirty="0" err="1"/>
+              <a:t>módulos</a:t>
+            </a:r>
+            <a:endParaRPr lang="en-US" sz="2200" dirty="0"/>
+          </a:p>
+          <a:p>
+            <a:pPr marL="514350" indent="-514350">
+              <a:buFont typeface="+mj-lt"/>
+              <a:buAutoNum type="arabicPeriod"/>
+            </a:pPr>
+            <a:endParaRPr lang="en-US" sz="2200" dirty="0"/>
+          </a:p>
+          <a:p>
+            <a:pPr marL="514350" indent="-514350">
+              <a:buFont typeface="+mj-lt"/>
+              <a:buAutoNum type="arabicPeriod"/>
+            </a:pPr>
+            <a:r>
+              <a:rPr lang="en-US" sz="2200" dirty="0" err="1"/>
+              <a:t>Diagrama</a:t>
+            </a:r>
+            <a:r>
+              <a:rPr lang="en-US" sz="2200" dirty="0"/>
+              <a:t> de </a:t>
+            </a:r>
+            <a:r>
+              <a:rPr lang="en-US" sz="2200" dirty="0" err="1"/>
+              <a:t>casos</a:t>
+            </a:r>
+            <a:r>
+              <a:rPr lang="en-US" sz="2200" dirty="0"/>
+              <a:t> de </a:t>
+            </a:r>
+            <a:r>
+              <a:rPr lang="en-US" sz="2200" dirty="0" err="1"/>
+              <a:t>uso</a:t>
+            </a:r>
+            <a:endParaRPr lang="en-US" sz="2200" dirty="0"/>
+          </a:p>
+          <a:p>
+            <a:pPr marL="514350" indent="-514350">
+              <a:buFont typeface="+mj-lt"/>
+              <a:buAutoNum type="arabicPeriod"/>
+            </a:pPr>
+            <a:endParaRPr lang="en-US" sz="2200" dirty="0"/>
+          </a:p>
+          <a:p>
+            <a:pPr marL="514350" indent="-514350">
+              <a:buFont typeface="+mj-lt"/>
+              <a:buAutoNum type="arabicPeriod"/>
+            </a:pPr>
+            <a:r>
+              <a:rPr lang="en-US" sz="2200" dirty="0" err="1"/>
+              <a:t>Resultados</a:t>
+            </a:r>
+            <a:r>
+              <a:rPr lang="en-US" sz="2200" dirty="0"/>
+              <a:t> Trabajo Terminal I</a:t>
+            </a:r>
+          </a:p>
+          <a:p>
+            <a:pPr marL="514350" indent="-514350">
+              <a:buFont typeface="+mj-lt"/>
+              <a:buAutoNum type="arabicPeriod"/>
+            </a:pPr>
+            <a:endParaRPr lang="en-US" sz="2200" dirty="0"/>
+          </a:p>
+          <a:p>
+            <a:pPr marL="514350" indent="-514350">
+              <a:buFont typeface="+mj-lt"/>
+              <a:buAutoNum type="arabicPeriod"/>
+            </a:pPr>
+            <a:r>
+              <a:rPr lang="en-US" sz="2200" dirty="0" err="1"/>
+              <a:t>Tareas</a:t>
+            </a:r>
+            <a:r>
+              <a:rPr lang="en-US" sz="2200" dirty="0"/>
+              <a:t> para Trabajo Terminal II</a:t>
+            </a:r>
+          </a:p>
+          <a:p>
+            <a:pPr marL="514350" indent="-514350">
+              <a:buFont typeface="+mj-lt"/>
+              <a:buAutoNum type="arabicPeriod"/>
+            </a:pPr>
+            <a:endParaRPr lang="en-US" sz="2200" dirty="0"/>
+          </a:p>
+          <a:p>
+            <a:pPr marL="514350" indent="-514350">
+              <a:buFont typeface="+mj-lt"/>
+              <a:buAutoNum type="arabicPeriod"/>
+            </a:pPr>
+            <a:r>
+              <a:rPr lang="en-US" sz="2200" dirty="0" err="1"/>
+              <a:t>Referencias</a:t>
+            </a:r>
+            <a:endParaRPr lang="en-US" sz="2200" dirty="0"/>
+          </a:p>
+          <a:p>
+            <a:pPr marL="514350" indent="-514350">
+              <a:buFont typeface="+mj-lt"/>
+              <a:buAutoNum type="arabicPeriod"/>
+            </a:pPr>
+            <a:endParaRPr lang="en-US" sz="2200" dirty="0"/>
+          </a:p>
+          <a:p>
+            <a:pPr marL="514350" indent="-514350">
+              <a:buFont typeface="+mj-lt"/>
+              <a:buAutoNum type="arabicPeriod"/>
+            </a:pPr>
+            <a:r>
+              <a:rPr lang="en-US" sz="2200" dirty="0" err="1"/>
+              <a:t>Anexos</a:t>
+            </a:r>
+            <a:endParaRPr lang="en-US" sz="2200" dirty="0"/>
+          </a:p>
+          <a:p>
+            <a:pPr marL="514350" indent="-514350">
+              <a:buFont typeface="+mj-lt"/>
+              <a:buAutoNum type="arabicPeriod"/>
+            </a:pPr>
+            <a:endParaRPr lang="en-US" sz="2200" dirty="0"/>
+          </a:p>
+          <a:p>
+            <a:pPr marL="514350" indent="-514350">
+              <a:buFont typeface="+mj-lt"/>
+              <a:buAutoNum type="arabicPeriod"/>
+            </a:pPr>
+            <a:endParaRPr lang="en-US" sz="2000" dirty="0"/>
+          </a:p>
+          <a:p>
+            <a:pPr marL="514350" indent="-514350">
+              <a:buFont typeface="+mj-lt"/>
+              <a:buAutoNum type="arabicPeriod"/>
+            </a:pPr>
+            <a:endParaRPr lang="en-US" sz="2000" dirty="0"/>
+          </a:p>
+        </p:txBody>
+      </p:sp>
+      <p:sp>
+        <p:nvSpPr>
+          <p:cNvPr id="3" name="Slide Number Placeholder 2"/>
           <p:cNvSpPr>
             <a:spLocks noGrp="1"/>
           </p:cNvSpPr>
@@ -5907,7 +6549,126 @@
                 </a:solidFill>
               </a:rPr>
               <a:pPr/>
-              <a:t>18</a:t>
+              <a:t>2</a:t>
+            </a:fld>
+            <a:endParaRPr lang="en-US" sz="1800" dirty="0">
+              <a:solidFill>
+                <a:schemeClr val="tx1"/>
+              </a:solidFill>
+            </a:endParaRPr>
+          </a:p>
+        </p:txBody>
+      </p:sp>
+    </p:spTree>
+    <p:custDataLst>
+      <p:tags r:id="rId1"/>
+    </p:custDataLst>
+  </p:cSld>
+  <p:clrMapOvr>
+    <a:masterClrMapping/>
+  </p:clrMapOvr>
+  <p:transition spd="slow">
+    <p:wipe dir="d"/>
+  </p:transition>
+</p:sld>
+</file>
+
+<file path=ppt/slides/slide20.xml><?xml version="1.0" encoding="utf-8"?>
+<p:sld xmlns:a="http://schemas.openxmlformats.org/drawingml/2006/main" xmlns:r="http://schemas.openxmlformats.org/officeDocument/2006/relationships" xmlns:p="http://schemas.openxmlformats.org/presentationml/2006/main">
+  <p:cSld>
+    <p:spTree>
+      <p:nvGrpSpPr>
+        <p:cNvPr id="1" name=""/>
+        <p:cNvGrpSpPr/>
+        <p:nvPr/>
+      </p:nvGrpSpPr>
+      <p:grpSpPr>
+        <a:xfrm>
+          <a:off x="0" y="0"/>
+          <a:ext cx="0" cy="0"/>
+          <a:chOff x="0" y="0"/>
+          <a:chExt cx="0" cy="0"/>
+        </a:xfrm>
+      </p:grpSpPr>
+      <p:sp>
+        <p:nvSpPr>
+          <p:cNvPr id="2" name="Title 1"/>
+          <p:cNvSpPr>
+            <a:spLocks noGrp="1"/>
+          </p:cNvSpPr>
+          <p:nvPr>
+            <p:ph type="title"/>
+          </p:nvPr>
+        </p:nvSpPr>
+        <p:spPr/>
+        <p:txBody>
+          <a:bodyPr/>
+          <a:lstStyle/>
+          <a:p>
+            <a:r>
+              <a:rPr lang="es-MX" dirty="0"/>
+              <a:t>Metodología</a:t>
+            </a:r>
+          </a:p>
+        </p:txBody>
+      </p:sp>
+      <p:sp>
+        <p:nvSpPr>
+          <p:cNvPr id="3" name="Content Placeholder 2"/>
+          <p:cNvSpPr>
+            <a:spLocks noGrp="1"/>
+          </p:cNvSpPr>
+          <p:nvPr>
+            <p:ph idx="1"/>
+          </p:nvPr>
+        </p:nvSpPr>
+        <p:spPr/>
+        <p:txBody>
+          <a:bodyPr/>
+          <a:lstStyle/>
+          <a:p>
+            <a:pPr algn="just"/>
+            <a:r>
+              <a:rPr lang="es-MX" dirty="0"/>
+              <a:t>Se pretende usar la metodología </a:t>
+            </a:r>
+            <a:r>
+              <a:rPr lang="es-MX" b="1" dirty="0"/>
+              <a:t>incremental</a:t>
+            </a:r>
+            <a:r>
+              <a:rPr lang="es-MX" dirty="0"/>
+              <a:t> ya que esta nos permite una rápida retroalimentación entre las actividades del desarrollo del sistema.</a:t>
+            </a:r>
+          </a:p>
+          <a:p>
+            <a:endParaRPr lang="es-MX" dirty="0"/>
+          </a:p>
+        </p:txBody>
+      </p:sp>
+      <p:sp>
+        <p:nvSpPr>
+          <p:cNvPr id="4" name="Slide Number Placeholder 3"/>
+          <p:cNvSpPr>
+            <a:spLocks noGrp="1"/>
+          </p:cNvSpPr>
+          <p:nvPr>
+            <p:ph type="sldNum" sz="quarter" idx="12"/>
+          </p:nvPr>
+        </p:nvSpPr>
+        <p:spPr/>
+        <p:txBody>
+          <a:bodyPr/>
+          <a:lstStyle/>
+          <a:p>
+            <a:fld id="{33D6E5A2-EC83-451F-A719-9AC1370DD5CF}" type="slidenum">
+              <a:rPr lang="en-US" sz="2800" smtClean="0">
+                <a:solidFill>
+                  <a:schemeClr val="tx1"/>
+                </a:solidFill>
+              </a:rPr>
+              <a:pPr/>
+              <a:t>20</a:t>
             </a:fld>
             <a:endParaRPr lang="en-US" sz="2800" dirty="0">
               <a:solidFill>
@@ -5957,7 +6718,7 @@
 </p:sld>
 </file>
 
-<file path=ppt/slides/slide19.xml><?xml version="1.0" encoding="utf-8"?>
+<file path=ppt/slides/slide21.xml><?xml version="1.0" encoding="utf-8"?>
 <p:sld xmlns:a="http://schemas.openxmlformats.org/drawingml/2006/main" xmlns:r="http://schemas.openxmlformats.org/officeDocument/2006/relationships" xmlns:p="http://schemas.openxmlformats.org/presentationml/2006/main">
   <p:cSld>
     <p:spTree>
@@ -6047,790 +6808,6 @@
                 </a:solidFill>
               </a:rPr>
               <a:pPr/>
-              <a:t>19</a:t>
-            </a:fld>
-            <a:endParaRPr lang="en-US" sz="2800" dirty="0">
-              <a:solidFill>
-                <a:schemeClr val="tx1"/>
-              </a:solidFill>
-            </a:endParaRPr>
-          </a:p>
-        </p:txBody>
-      </p:sp>
-    </p:spTree>
-    <p:extLst>
-      <p:ext uri="{BB962C8B-B14F-4D97-AF65-F5344CB8AC3E}">
-        <p14:creationId xmlns:p14="http://schemas.microsoft.com/office/powerpoint/2010/main" val="2946837166"/>
-      </p:ext>
-    </p:extLst>
-  </p:cSld>
-  <p:clrMapOvr>
-    <a:masterClrMapping/>
-  </p:clrMapOvr>
-  <p:transition spd="slow">
-    <p:wipe dir="d"/>
-  </p:transition>
-</p:sld>
-</file>
-
-<file path=ppt/slides/slide2.xml><?xml version="1.0" encoding="utf-8"?>
-<p:sld xmlns:a="http://schemas.openxmlformats.org/drawingml/2006/main" xmlns:r="http://schemas.openxmlformats.org/officeDocument/2006/relationships" xmlns:p="http://schemas.openxmlformats.org/presentationml/2006/main">
-  <p:cSld>
-    <p:spTree>
-      <p:nvGrpSpPr>
-        <p:cNvPr id="1" name=""/>
-        <p:cNvGrpSpPr/>
-        <p:nvPr/>
-      </p:nvGrpSpPr>
-      <p:grpSpPr>
-        <a:xfrm>
-          <a:off x="0" y="0"/>
-          <a:ext cx="0" cy="0"/>
-          <a:chOff x="0" y="0"/>
-          <a:chExt cx="0" cy="0"/>
-        </a:xfrm>
-      </p:grpSpPr>
-      <p:sp>
-        <p:nvSpPr>
-          <p:cNvPr id="2" name="Title 1"/>
-          <p:cNvSpPr>
-            <a:spLocks noGrp="1"/>
-          </p:cNvSpPr>
-          <p:nvPr>
-            <p:ph type="title"/>
-            <p:custDataLst>
-              <p:tags r:id="rId2"/>
-            </p:custDataLst>
-          </p:nvPr>
-        </p:nvSpPr>
-        <p:spPr/>
-        <p:txBody>
-          <a:bodyPr/>
-          <a:lstStyle/>
-          <a:p>
-            <a:r>
-              <a:rPr lang="en-US" dirty="0" err="1"/>
-              <a:t>Contenido</a:t>
-            </a:r>
-            <a:endParaRPr lang="en-US" dirty="0"/>
-          </a:p>
-        </p:txBody>
-      </p:sp>
-      <p:sp>
-        <p:nvSpPr>
-          <p:cNvPr id="5" name="Content Placeholder 4"/>
-          <p:cNvSpPr>
-            <a:spLocks noGrp="1"/>
-          </p:cNvSpPr>
-          <p:nvPr>
-            <p:ph idx="1"/>
-            <p:custDataLst>
-              <p:tags r:id="rId3"/>
-            </p:custDataLst>
-          </p:nvPr>
-        </p:nvSpPr>
-        <p:spPr>
-          <a:xfrm>
-            <a:off x="762000" y="1268760"/>
-            <a:ext cx="8077200" cy="5400601"/>
-          </a:xfrm>
-        </p:spPr>
-        <p:txBody>
-          <a:bodyPr numCol="2">
-            <a:normAutofit fontScale="85000" lnSpcReduction="20000"/>
-          </a:bodyPr>
-          <a:lstStyle/>
-          <a:p>
-            <a:pPr marL="514350" indent="-514350">
-              <a:buFont typeface="+mj-lt"/>
-              <a:buAutoNum type="arabicPeriod"/>
-            </a:pPr>
-            <a:r>
-              <a:rPr lang="en-US" sz="2200" dirty="0" err="1"/>
-              <a:t>Introducción</a:t>
-            </a:r>
-            <a:endParaRPr lang="en-US" sz="2200" dirty="0"/>
-          </a:p>
-          <a:p>
-            <a:pPr marL="514350" indent="-514350">
-              <a:buFont typeface="+mj-lt"/>
-              <a:buAutoNum type="arabicPeriod"/>
-            </a:pPr>
-            <a:endParaRPr lang="en-US" sz="2200" dirty="0"/>
-          </a:p>
-          <a:p>
-            <a:pPr marL="514350" indent="-514350">
-              <a:buFont typeface="+mj-lt"/>
-              <a:buAutoNum type="arabicPeriod"/>
-            </a:pPr>
-            <a:r>
-              <a:rPr lang="en-US" sz="2200" dirty="0" err="1"/>
-              <a:t>Planteamiento</a:t>
-            </a:r>
-            <a:r>
-              <a:rPr lang="en-US" sz="2200" dirty="0"/>
-              <a:t> del </a:t>
-            </a:r>
-            <a:r>
-              <a:rPr lang="en-US" sz="2200" dirty="0" err="1"/>
-              <a:t>problema</a:t>
-            </a:r>
-            <a:endParaRPr lang="en-US" sz="2200" dirty="0"/>
-          </a:p>
-          <a:p>
-            <a:pPr marL="514350" indent="-514350">
-              <a:buFont typeface="+mj-lt"/>
-              <a:buAutoNum type="arabicPeriod"/>
-            </a:pPr>
-            <a:endParaRPr lang="en-US" sz="2200" dirty="0"/>
-          </a:p>
-          <a:p>
-            <a:pPr marL="514350" indent="-514350">
-              <a:buFont typeface="+mj-lt"/>
-              <a:buAutoNum type="arabicPeriod"/>
-            </a:pPr>
-            <a:r>
-              <a:rPr lang="en-US" sz="2200" dirty="0" err="1"/>
-              <a:t>Propuesta</a:t>
-            </a:r>
-            <a:r>
-              <a:rPr lang="en-US" sz="2200" dirty="0"/>
-              <a:t> de </a:t>
-            </a:r>
-            <a:r>
-              <a:rPr lang="en-US" sz="2200" dirty="0" err="1"/>
-              <a:t>solución</a:t>
-            </a:r>
-            <a:endParaRPr lang="en-US" sz="2200" dirty="0"/>
-          </a:p>
-          <a:p>
-            <a:pPr marL="514350" indent="-514350">
-              <a:buFont typeface="+mj-lt"/>
-              <a:buAutoNum type="arabicPeriod"/>
-            </a:pPr>
-            <a:endParaRPr lang="en-US" sz="2200" dirty="0"/>
-          </a:p>
-          <a:p>
-            <a:pPr marL="514350" indent="-514350">
-              <a:buFont typeface="+mj-lt"/>
-              <a:buAutoNum type="arabicPeriod"/>
-            </a:pPr>
-            <a:r>
-              <a:rPr lang="en-US" sz="2200" dirty="0" err="1"/>
-              <a:t>Justificación</a:t>
-            </a:r>
-            <a:endParaRPr lang="en-US" sz="2200" dirty="0"/>
-          </a:p>
-          <a:p>
-            <a:pPr marL="514350" indent="-514350">
-              <a:buFont typeface="+mj-lt"/>
-              <a:buAutoNum type="arabicPeriod"/>
-            </a:pPr>
-            <a:endParaRPr lang="en-US" sz="2200" dirty="0"/>
-          </a:p>
-          <a:p>
-            <a:pPr marL="514350" indent="-514350">
-              <a:buFont typeface="+mj-lt"/>
-              <a:buAutoNum type="arabicPeriod"/>
-            </a:pPr>
-            <a:r>
-              <a:rPr lang="en-US" sz="2200" dirty="0" err="1"/>
-              <a:t>Objetivo</a:t>
-            </a:r>
-            <a:r>
-              <a:rPr lang="en-US" sz="2200" dirty="0"/>
-              <a:t> general</a:t>
-            </a:r>
-          </a:p>
-          <a:p>
-            <a:pPr marL="514350" indent="-514350">
-              <a:buFont typeface="+mj-lt"/>
-              <a:buAutoNum type="arabicPeriod"/>
-            </a:pPr>
-            <a:endParaRPr lang="en-US" sz="2200" dirty="0"/>
-          </a:p>
-          <a:p>
-            <a:pPr marL="514350" indent="-514350">
-              <a:buFont typeface="+mj-lt"/>
-              <a:buAutoNum type="arabicPeriod"/>
-            </a:pPr>
-            <a:r>
-              <a:rPr lang="en-US" sz="2200" dirty="0"/>
-              <a:t>Trabajo </a:t>
-            </a:r>
-            <a:r>
-              <a:rPr lang="en-US" sz="2200" dirty="0" err="1"/>
-              <a:t>previo</a:t>
-            </a:r>
-            <a:endParaRPr lang="en-US" sz="2200" dirty="0"/>
-          </a:p>
-          <a:p>
-            <a:pPr marL="514350" indent="-514350">
-              <a:buFont typeface="+mj-lt"/>
-              <a:buAutoNum type="arabicPeriod"/>
-            </a:pPr>
-            <a:endParaRPr lang="en-US" sz="2200" dirty="0"/>
-          </a:p>
-          <a:p>
-            <a:pPr marL="514350" indent="-514350">
-              <a:buFont typeface="+mj-lt"/>
-              <a:buAutoNum type="arabicPeriod"/>
-            </a:pPr>
-            <a:r>
-              <a:rPr lang="en-US" sz="2200" dirty="0" err="1"/>
-              <a:t>Herramientas</a:t>
-            </a:r>
-            <a:r>
-              <a:rPr lang="en-US" sz="2200" dirty="0"/>
-              <a:t> para </a:t>
-            </a:r>
-            <a:r>
-              <a:rPr lang="en-US" sz="2200" dirty="0" err="1"/>
-              <a:t>desarrollo</a:t>
-            </a:r>
-            <a:endParaRPr lang="en-US" sz="2200" dirty="0"/>
-          </a:p>
-          <a:p>
-            <a:pPr marL="514350" indent="-514350">
-              <a:buFont typeface="+mj-lt"/>
-              <a:buAutoNum type="arabicPeriod"/>
-            </a:pPr>
-            <a:endParaRPr lang="en-US" sz="2200" dirty="0"/>
-          </a:p>
-          <a:p>
-            <a:pPr marL="514350" indent="-514350">
-              <a:buFont typeface="+mj-lt"/>
-              <a:buAutoNum type="arabicPeriod"/>
-            </a:pPr>
-            <a:r>
-              <a:rPr lang="en-US" sz="2200" dirty="0" err="1"/>
-              <a:t>Metodología</a:t>
-            </a:r>
-            <a:endParaRPr lang="en-US" sz="2200" dirty="0"/>
-          </a:p>
-          <a:p>
-            <a:pPr marL="514350" indent="-514350">
-              <a:buFont typeface="+mj-lt"/>
-              <a:buAutoNum type="arabicPeriod"/>
-            </a:pPr>
-            <a:endParaRPr lang="en-US" sz="2200" dirty="0"/>
-          </a:p>
-          <a:p>
-            <a:pPr marL="514350" indent="-514350">
-              <a:buFont typeface="+mj-lt"/>
-              <a:buAutoNum type="arabicPeriod"/>
-            </a:pPr>
-            <a:endParaRPr lang="en-US" sz="2200" dirty="0"/>
-          </a:p>
-          <a:p>
-            <a:pPr marL="514350" indent="-514350">
-              <a:buFont typeface="+mj-lt"/>
-              <a:buAutoNum type="arabicPeriod"/>
-            </a:pPr>
-            <a:endParaRPr lang="en-US" sz="2200" dirty="0"/>
-          </a:p>
-          <a:p>
-            <a:pPr marL="514350" indent="-514350">
-              <a:buFont typeface="+mj-lt"/>
-              <a:buAutoNum type="arabicPeriod"/>
-            </a:pPr>
-            <a:r>
-              <a:rPr lang="en-US" sz="2200" dirty="0" err="1"/>
-              <a:t>Requerimientos</a:t>
-            </a:r>
-            <a:r>
-              <a:rPr lang="en-US" sz="2200" dirty="0"/>
-              <a:t> del </a:t>
-            </a:r>
-            <a:r>
-              <a:rPr lang="en-US" sz="2200" dirty="0" err="1"/>
-              <a:t>sistema</a:t>
-            </a:r>
-            <a:endParaRPr lang="en-US" sz="2200" dirty="0"/>
-          </a:p>
-          <a:p>
-            <a:pPr marL="514350" indent="-514350">
-              <a:buFont typeface="+mj-lt"/>
-              <a:buAutoNum type="arabicPeriod"/>
-            </a:pPr>
-            <a:endParaRPr lang="en-US" sz="2200" dirty="0"/>
-          </a:p>
-          <a:p>
-            <a:pPr marL="514350" indent="-514350">
-              <a:buFont typeface="+mj-lt"/>
-              <a:buAutoNum type="arabicPeriod"/>
-            </a:pPr>
-            <a:r>
-              <a:rPr lang="en-US" sz="2200" dirty="0" err="1"/>
-              <a:t>Diseño</a:t>
-            </a:r>
-            <a:r>
-              <a:rPr lang="en-US" sz="2200" dirty="0"/>
-              <a:t> del </a:t>
-            </a:r>
-            <a:r>
-              <a:rPr lang="en-US" sz="2200" dirty="0" err="1"/>
-              <a:t>sistema</a:t>
-            </a:r>
-            <a:endParaRPr lang="en-US" sz="2200" dirty="0"/>
-          </a:p>
-          <a:p>
-            <a:pPr marL="514350" indent="-514350">
-              <a:buFont typeface="+mj-lt"/>
-              <a:buAutoNum type="arabicPeriod"/>
-            </a:pPr>
-            <a:endParaRPr lang="en-US" sz="2200" dirty="0"/>
-          </a:p>
-          <a:p>
-            <a:pPr marL="514350" indent="-514350">
-              <a:buFont typeface="+mj-lt"/>
-              <a:buAutoNum type="arabicPeriod"/>
-            </a:pPr>
-            <a:r>
-              <a:rPr lang="en-US" sz="2200" dirty="0" err="1"/>
-              <a:t>Descripción</a:t>
-            </a:r>
-            <a:r>
-              <a:rPr lang="en-US" sz="2200" dirty="0"/>
-              <a:t> de </a:t>
-            </a:r>
-            <a:r>
-              <a:rPr lang="en-US" sz="2200" dirty="0" err="1"/>
-              <a:t>módulos</a:t>
-            </a:r>
-            <a:endParaRPr lang="en-US" sz="2200" dirty="0"/>
-          </a:p>
-          <a:p>
-            <a:pPr marL="514350" indent="-514350">
-              <a:buFont typeface="+mj-lt"/>
-              <a:buAutoNum type="arabicPeriod"/>
-            </a:pPr>
-            <a:endParaRPr lang="en-US" sz="2200" dirty="0"/>
-          </a:p>
-          <a:p>
-            <a:pPr marL="514350" indent="-514350">
-              <a:buFont typeface="+mj-lt"/>
-              <a:buAutoNum type="arabicPeriod"/>
-            </a:pPr>
-            <a:r>
-              <a:rPr lang="en-US" sz="2200" dirty="0" err="1"/>
-              <a:t>Diagrama</a:t>
-            </a:r>
-            <a:r>
-              <a:rPr lang="en-US" sz="2200" dirty="0"/>
-              <a:t> de </a:t>
-            </a:r>
-            <a:r>
-              <a:rPr lang="en-US" sz="2200" dirty="0" err="1"/>
-              <a:t>casos</a:t>
-            </a:r>
-            <a:r>
-              <a:rPr lang="en-US" sz="2200" dirty="0"/>
-              <a:t> de </a:t>
-            </a:r>
-            <a:r>
-              <a:rPr lang="en-US" sz="2200" dirty="0" err="1"/>
-              <a:t>uso</a:t>
-            </a:r>
-            <a:endParaRPr lang="en-US" sz="2200" dirty="0"/>
-          </a:p>
-          <a:p>
-            <a:pPr marL="514350" indent="-514350">
-              <a:buFont typeface="+mj-lt"/>
-              <a:buAutoNum type="arabicPeriod"/>
-            </a:pPr>
-            <a:endParaRPr lang="en-US" sz="2200" dirty="0"/>
-          </a:p>
-          <a:p>
-            <a:pPr marL="514350" indent="-514350">
-              <a:buFont typeface="+mj-lt"/>
-              <a:buAutoNum type="arabicPeriod"/>
-            </a:pPr>
-            <a:r>
-              <a:rPr lang="en-US" sz="2200" dirty="0" err="1"/>
-              <a:t>Resultados</a:t>
-            </a:r>
-            <a:r>
-              <a:rPr lang="en-US" sz="2200" dirty="0"/>
-              <a:t> Trabajo Terminal I</a:t>
-            </a:r>
-          </a:p>
-          <a:p>
-            <a:pPr marL="514350" indent="-514350">
-              <a:buFont typeface="+mj-lt"/>
-              <a:buAutoNum type="arabicPeriod"/>
-            </a:pPr>
-            <a:endParaRPr lang="en-US" sz="2200" dirty="0"/>
-          </a:p>
-          <a:p>
-            <a:pPr marL="514350" indent="-514350">
-              <a:buFont typeface="+mj-lt"/>
-              <a:buAutoNum type="arabicPeriod"/>
-            </a:pPr>
-            <a:r>
-              <a:rPr lang="en-US" sz="2200" dirty="0" err="1"/>
-              <a:t>Tareas</a:t>
-            </a:r>
-            <a:r>
-              <a:rPr lang="en-US" sz="2200" dirty="0"/>
-              <a:t> para Trabajo Terminal II</a:t>
-            </a:r>
-          </a:p>
-          <a:p>
-            <a:pPr marL="514350" indent="-514350">
-              <a:buFont typeface="+mj-lt"/>
-              <a:buAutoNum type="arabicPeriod"/>
-            </a:pPr>
-            <a:endParaRPr lang="en-US" sz="2200" dirty="0"/>
-          </a:p>
-          <a:p>
-            <a:pPr marL="514350" indent="-514350">
-              <a:buFont typeface="+mj-lt"/>
-              <a:buAutoNum type="arabicPeriod"/>
-            </a:pPr>
-            <a:r>
-              <a:rPr lang="en-US" sz="2200" dirty="0" err="1"/>
-              <a:t>Referencias</a:t>
-            </a:r>
-            <a:endParaRPr lang="en-US" sz="2200" dirty="0"/>
-          </a:p>
-          <a:p>
-            <a:pPr marL="514350" indent="-514350">
-              <a:buFont typeface="+mj-lt"/>
-              <a:buAutoNum type="arabicPeriod"/>
-            </a:pPr>
-            <a:endParaRPr lang="en-US" sz="2200" dirty="0"/>
-          </a:p>
-          <a:p>
-            <a:pPr marL="514350" indent="-514350">
-              <a:buFont typeface="+mj-lt"/>
-              <a:buAutoNum type="arabicPeriod"/>
-            </a:pPr>
-            <a:r>
-              <a:rPr lang="en-US" sz="2200" dirty="0" err="1"/>
-              <a:t>Anexos</a:t>
-            </a:r>
-            <a:endParaRPr lang="en-US" sz="2200" dirty="0"/>
-          </a:p>
-          <a:p>
-            <a:pPr marL="514350" indent="-514350">
-              <a:buFont typeface="+mj-lt"/>
-              <a:buAutoNum type="arabicPeriod"/>
-            </a:pPr>
-            <a:endParaRPr lang="en-US" sz="2200" dirty="0"/>
-          </a:p>
-          <a:p>
-            <a:pPr marL="514350" indent="-514350">
-              <a:buFont typeface="+mj-lt"/>
-              <a:buAutoNum type="arabicPeriod"/>
-            </a:pPr>
-            <a:endParaRPr lang="en-US" sz="2000" dirty="0"/>
-          </a:p>
-          <a:p>
-            <a:pPr marL="514350" indent="-514350">
-              <a:buFont typeface="+mj-lt"/>
-              <a:buAutoNum type="arabicPeriod"/>
-            </a:pPr>
-            <a:endParaRPr lang="en-US" sz="2000" dirty="0"/>
-          </a:p>
-        </p:txBody>
-      </p:sp>
-      <p:sp>
-        <p:nvSpPr>
-          <p:cNvPr id="3" name="Slide Number Placeholder 2"/>
-          <p:cNvSpPr>
-            <a:spLocks noGrp="1"/>
-          </p:cNvSpPr>
-          <p:nvPr>
-            <p:ph type="sldNum" sz="quarter" idx="12"/>
-          </p:nvPr>
-        </p:nvSpPr>
-        <p:spPr/>
-        <p:txBody>
-          <a:bodyPr/>
-          <a:lstStyle/>
-          <a:p>
-            <a:fld id="{33D6E5A2-EC83-451F-A719-9AC1370DD5CF}" type="slidenum">
-              <a:rPr lang="en-US" sz="2800" smtClean="0">
-                <a:solidFill>
-                  <a:schemeClr val="tx1"/>
-                </a:solidFill>
-              </a:rPr>
-              <a:pPr/>
-              <a:t>2</a:t>
-            </a:fld>
-            <a:endParaRPr lang="en-US" sz="1800" dirty="0">
-              <a:solidFill>
-                <a:schemeClr val="tx1"/>
-              </a:solidFill>
-            </a:endParaRPr>
-          </a:p>
-        </p:txBody>
-      </p:sp>
-    </p:spTree>
-    <p:custDataLst>
-      <p:tags r:id="rId1"/>
-    </p:custDataLst>
-  </p:cSld>
-  <p:clrMapOvr>
-    <a:masterClrMapping/>
-  </p:clrMapOvr>
-  <p:transition spd="slow">
-    <p:wipe dir="d"/>
-  </p:transition>
-</p:sld>
-</file>
-
-<file path=ppt/slides/slide20.xml><?xml version="1.0" encoding="utf-8"?>
-<p:sld xmlns:a="http://schemas.openxmlformats.org/drawingml/2006/main" xmlns:r="http://schemas.openxmlformats.org/officeDocument/2006/relationships" xmlns:p="http://schemas.openxmlformats.org/presentationml/2006/main">
-  <p:cSld>
-    <p:spTree>
-      <p:nvGrpSpPr>
-        <p:cNvPr id="1" name=""/>
-        <p:cNvGrpSpPr/>
-        <p:nvPr/>
-      </p:nvGrpSpPr>
-      <p:grpSpPr>
-        <a:xfrm>
-          <a:off x="0" y="0"/>
-          <a:ext cx="0" cy="0"/>
-          <a:chOff x="0" y="0"/>
-          <a:chExt cx="0" cy="0"/>
-        </a:xfrm>
-      </p:grpSpPr>
-      <p:sp>
-        <p:nvSpPr>
-          <p:cNvPr id="2" name="Title 1"/>
-          <p:cNvSpPr>
-            <a:spLocks noGrp="1"/>
-          </p:cNvSpPr>
-          <p:nvPr>
-            <p:ph type="title"/>
-          </p:nvPr>
-        </p:nvSpPr>
-        <p:spPr/>
-        <p:txBody>
-          <a:bodyPr/>
-          <a:lstStyle/>
-          <a:p>
-            <a:r>
-              <a:rPr lang="es-MX" dirty="0"/>
-              <a:t>Resultados Trabajo Terminal I</a:t>
-            </a:r>
-          </a:p>
-        </p:txBody>
-      </p:sp>
-      <p:sp>
-        <p:nvSpPr>
-          <p:cNvPr id="3" name="Content Placeholder 2"/>
-          <p:cNvSpPr>
-            <a:spLocks noGrp="1"/>
-          </p:cNvSpPr>
-          <p:nvPr>
-            <p:ph idx="1"/>
-          </p:nvPr>
-        </p:nvSpPr>
-        <p:spPr/>
-        <p:txBody>
-          <a:bodyPr/>
-          <a:lstStyle/>
-          <a:p>
-            <a:pPr algn="just"/>
-            <a:r>
-              <a:rPr lang="es-MX" dirty="0"/>
-              <a:t>Se completó el módulo de decodificación DICOM.</a:t>
-            </a:r>
-          </a:p>
-          <a:p>
-            <a:pPr algn="just"/>
-            <a:r>
-              <a:rPr lang="es-MX" dirty="0"/>
-              <a:t>Se completó el módulo de visualización.</a:t>
-            </a:r>
-          </a:p>
-          <a:p>
-            <a:pPr algn="just"/>
-            <a:r>
-              <a:rPr lang="es-MX" dirty="0"/>
-              <a:t>Se implementaron dos algoritmos básicos de tratamiento de imagen, </a:t>
-            </a:r>
-            <a:r>
-              <a:rPr lang="es-MX" dirty="0" err="1"/>
-              <a:t>umbralización</a:t>
-            </a:r>
-            <a:r>
-              <a:rPr lang="es-MX" dirty="0"/>
-              <a:t> y región creciente a una tomografía.</a:t>
-            </a:r>
-          </a:p>
-          <a:p>
-            <a:endParaRPr lang="es-MX" dirty="0"/>
-          </a:p>
-        </p:txBody>
-      </p:sp>
-      <p:sp>
-        <p:nvSpPr>
-          <p:cNvPr id="4" name="Slide Number Placeholder 3"/>
-          <p:cNvSpPr>
-            <a:spLocks noGrp="1"/>
-          </p:cNvSpPr>
-          <p:nvPr>
-            <p:ph type="sldNum" sz="quarter" idx="12"/>
-          </p:nvPr>
-        </p:nvSpPr>
-        <p:spPr/>
-        <p:txBody>
-          <a:bodyPr/>
-          <a:lstStyle/>
-          <a:p>
-            <a:fld id="{33D6E5A2-EC83-451F-A719-9AC1370DD5CF}" type="slidenum">
-              <a:rPr lang="en-US" sz="2800" smtClean="0">
-                <a:solidFill>
-                  <a:schemeClr val="tx1"/>
-                </a:solidFill>
-              </a:rPr>
-              <a:pPr/>
-              <a:t>20</a:t>
-            </a:fld>
-            <a:endParaRPr lang="en-US" sz="2800" dirty="0">
-              <a:solidFill>
-                <a:schemeClr val="tx1"/>
-              </a:solidFill>
-            </a:endParaRPr>
-          </a:p>
-        </p:txBody>
-      </p:sp>
-    </p:spTree>
-    <p:extLst>
-      <p:ext uri="{BB962C8B-B14F-4D97-AF65-F5344CB8AC3E}">
-        <p14:creationId xmlns:p14="http://schemas.microsoft.com/office/powerpoint/2010/main" val="863306336"/>
-      </p:ext>
-    </p:extLst>
-  </p:cSld>
-  <p:clrMapOvr>
-    <a:masterClrMapping/>
-  </p:clrMapOvr>
-  <p:transition spd="slow">
-    <p:wipe dir="d"/>
-  </p:transition>
-</p:sld>
-</file>
-
-<file path=ppt/slides/slide21.xml><?xml version="1.0" encoding="utf-8"?>
-<p:sld xmlns:a="http://schemas.openxmlformats.org/drawingml/2006/main" xmlns:r="http://schemas.openxmlformats.org/officeDocument/2006/relationships" xmlns:p="http://schemas.openxmlformats.org/presentationml/2006/main">
-  <p:cSld>
-    <p:spTree>
-      <p:nvGrpSpPr>
-        <p:cNvPr id="1" name=""/>
-        <p:cNvGrpSpPr/>
-        <p:nvPr/>
-      </p:nvGrpSpPr>
-      <p:grpSpPr>
-        <a:xfrm>
-          <a:off x="0" y="0"/>
-          <a:ext cx="0" cy="0"/>
-          <a:chOff x="0" y="0"/>
-          <a:chExt cx="0" cy="0"/>
-        </a:xfrm>
-      </p:grpSpPr>
-      <p:sp>
-        <p:nvSpPr>
-          <p:cNvPr id="2" name="Title 1"/>
-          <p:cNvSpPr>
-            <a:spLocks noGrp="1"/>
-          </p:cNvSpPr>
-          <p:nvPr>
-            <p:ph type="title"/>
-          </p:nvPr>
-        </p:nvSpPr>
-        <p:spPr/>
-        <p:txBody>
-          <a:bodyPr/>
-          <a:lstStyle/>
-          <a:p>
-            <a:r>
-              <a:rPr lang="es-MX" dirty="0"/>
-              <a:t>Tareas para Trabajo Terminal II</a:t>
-            </a:r>
-          </a:p>
-        </p:txBody>
-      </p:sp>
-      <p:sp>
-        <p:nvSpPr>
-          <p:cNvPr id="3" name="Content Placeholder 2"/>
-          <p:cNvSpPr>
-            <a:spLocks noGrp="1"/>
-          </p:cNvSpPr>
-          <p:nvPr>
-            <p:ph idx="1"/>
-          </p:nvPr>
-        </p:nvSpPr>
-        <p:spPr>
-          <a:xfrm>
-            <a:off x="683568" y="1596413"/>
-            <a:ext cx="8280920" cy="4297363"/>
-          </a:xfrm>
-        </p:spPr>
-        <p:txBody>
-          <a:bodyPr/>
-          <a:lstStyle/>
-          <a:p>
-            <a:r>
-              <a:rPr lang="es-MX" dirty="0"/>
-              <a:t>Añadir diversos algoritmos en el módulo de tratamiento.</a:t>
-            </a:r>
-          </a:p>
-          <a:p>
-            <a:pPr marL="0" indent="0">
-              <a:buNone/>
-            </a:pPr>
-            <a:endParaRPr lang="es-MX" dirty="0"/>
-          </a:p>
-          <a:p>
-            <a:r>
-              <a:rPr lang="es-MX" dirty="0"/>
-              <a:t>Diseñar e implementar la interfaz de usuario.</a:t>
-            </a:r>
-          </a:p>
-          <a:p>
-            <a:pPr marL="0" indent="0">
-              <a:buNone/>
-            </a:pPr>
-            <a:endParaRPr lang="es-MX" dirty="0"/>
-          </a:p>
-          <a:p>
-            <a:r>
-              <a:rPr lang="es-MX" dirty="0"/>
-              <a:t>Realización de manual de usuario.</a:t>
-            </a:r>
-          </a:p>
-          <a:p>
-            <a:endParaRPr lang="es-MX" dirty="0"/>
-          </a:p>
-        </p:txBody>
-      </p:sp>
-      <p:sp>
-        <p:nvSpPr>
-          <p:cNvPr id="4" name="Slide Number Placeholder 3"/>
-          <p:cNvSpPr>
-            <a:spLocks noGrp="1"/>
-          </p:cNvSpPr>
-          <p:nvPr>
-            <p:ph type="sldNum" sz="quarter" idx="12"/>
-          </p:nvPr>
-        </p:nvSpPr>
-        <p:spPr/>
-        <p:txBody>
-          <a:bodyPr/>
-          <a:lstStyle/>
-          <a:p>
-            <a:fld id="{33D6E5A2-EC83-451F-A719-9AC1370DD5CF}" type="slidenum">
-              <a:rPr lang="en-US" sz="2800" smtClean="0">
-                <a:solidFill>
-                  <a:schemeClr val="tx1"/>
-                </a:solidFill>
-              </a:rPr>
-              <a:pPr/>
               <a:t>21</a:t>
             </a:fld>
             <a:endParaRPr lang="en-US" sz="2800" dirty="0">
@@ -6844,7 +6821,7 @@
     </p:spTree>
     <p:extLst>
       <p:ext uri="{BB962C8B-B14F-4D97-AF65-F5344CB8AC3E}">
-        <p14:creationId xmlns:p14="http://schemas.microsoft.com/office/powerpoint/2010/main" val="473504181"/>
+        <p14:creationId xmlns:p14="http://schemas.microsoft.com/office/powerpoint/2010/main" val="2946837166"/>
       </p:ext>
     </p:extLst>
   </p:cSld>
@@ -6876,161 +6853,85 @@
       </p:grpSpPr>
       <p:sp>
         <p:nvSpPr>
-          <p:cNvPr id="620546" name="Rectangle 2"/>
-          <p:cNvSpPr>
-            <a:spLocks noGrp="1" noChangeArrowheads="1"/>
+          <p:cNvPr id="2" name="Title 1"/>
+          <p:cNvSpPr>
+            <a:spLocks noGrp="1"/>
           </p:cNvSpPr>
           <p:nvPr>
             <p:ph type="title"/>
-            <p:custDataLst>
-              <p:tags r:id="rId2"/>
-            </p:custDataLst>
-          </p:nvPr>
-        </p:nvSpPr>
-        <p:spPr>
-          <a:xfrm>
-            <a:off x="215008" y="2132856"/>
-            <a:ext cx="8928992" cy="3024336"/>
-          </a:xfrm>
-        </p:spPr>
-        <p:txBody>
-          <a:bodyPr>
-            <a:noAutofit/>
-          </a:bodyPr>
-          <a:lstStyle/>
-          <a:p>
-            <a:pPr>
-              <a:defRPr/>
-            </a:pPr>
-            <a:r>
-              <a:rPr lang="en-US" sz="5400" dirty="0">
-                <a:solidFill>
-                  <a:schemeClr val="tx1"/>
-                </a:solidFill>
-              </a:rPr>
-              <a:t>	Gracias </a:t>
-            </a:r>
-            <a:r>
-              <a:rPr lang="en-US" sz="5400" dirty="0" err="1">
-                <a:solidFill>
-                  <a:schemeClr val="tx1"/>
-                </a:solidFill>
-              </a:rPr>
-              <a:t>por</a:t>
-            </a:r>
-            <a:r>
-              <a:rPr lang="en-US" sz="5400" dirty="0">
-                <a:solidFill>
-                  <a:schemeClr val="tx1"/>
-                </a:solidFill>
-              </a:rPr>
-              <a:t> </a:t>
-            </a:r>
-            <a:r>
-              <a:rPr lang="en-US" sz="5400" dirty="0" err="1">
-                <a:solidFill>
-                  <a:schemeClr val="tx1"/>
-                </a:solidFill>
-              </a:rPr>
-              <a:t>su</a:t>
-            </a:r>
-            <a:r>
-              <a:rPr lang="en-US" sz="5400" dirty="0">
-                <a:solidFill>
-                  <a:schemeClr val="tx1"/>
-                </a:solidFill>
-              </a:rPr>
-              <a:t> </a:t>
-            </a:r>
-            <a:r>
-              <a:rPr lang="en-US" sz="5400" dirty="0" err="1">
-                <a:solidFill>
-                  <a:schemeClr val="tx1"/>
-                </a:solidFill>
-              </a:rPr>
-              <a:t>atención</a:t>
-            </a:r>
-            <a:br>
-              <a:rPr lang="en-US" sz="5400" dirty="0">
-                <a:solidFill>
-                  <a:schemeClr val="tx1"/>
-                </a:solidFill>
-              </a:rPr>
-            </a:br>
-            <a:br>
-              <a:rPr lang="en-US" sz="5400" dirty="0">
-                <a:solidFill>
-                  <a:schemeClr val="tx1"/>
-                </a:solidFill>
-              </a:rPr>
-            </a:br>
-            <a:r>
-              <a:rPr lang="en-US" dirty="0" err="1">
-                <a:solidFill>
-                  <a:schemeClr val="tx1"/>
-                </a:solidFill>
-              </a:rPr>
-              <a:t>Ahora</a:t>
-            </a:r>
-            <a:r>
-              <a:rPr lang="en-US" dirty="0">
-                <a:solidFill>
-                  <a:schemeClr val="tx1"/>
-                </a:solidFill>
-              </a:rPr>
-              <a:t> </a:t>
-            </a:r>
-            <a:r>
-              <a:rPr lang="en-US" dirty="0" err="1">
-                <a:solidFill>
-                  <a:schemeClr val="tx1"/>
-                </a:solidFill>
-              </a:rPr>
-              <a:t>pasaremos</a:t>
-            </a:r>
-            <a:r>
-              <a:rPr lang="en-US" dirty="0">
-                <a:solidFill>
-                  <a:schemeClr val="tx1"/>
-                </a:solidFill>
-              </a:rPr>
-              <a:t> a la </a:t>
-            </a:r>
-            <a:r>
-              <a:rPr lang="en-US" dirty="0" err="1">
-                <a:solidFill>
-                  <a:schemeClr val="tx1"/>
-                </a:solidFill>
-              </a:rPr>
-              <a:t>sesión</a:t>
-            </a:r>
-            <a:r>
-              <a:rPr lang="en-US" dirty="0">
-                <a:solidFill>
-                  <a:schemeClr val="tx1"/>
-                </a:solidFill>
-              </a:rPr>
-              <a:t> de </a:t>
-            </a:r>
-            <a:r>
-              <a:rPr lang="en-US" dirty="0" err="1">
-                <a:solidFill>
-                  <a:schemeClr val="tx1"/>
-                </a:solidFill>
-              </a:rPr>
-              <a:t>preguntas</a:t>
-            </a:r>
-            <a:endParaRPr lang="en-US" dirty="0">
-              <a:solidFill>
-                <a:schemeClr val="tx1"/>
-              </a:solidFill>
-            </a:endParaRPr>
-          </a:p>
-        </p:txBody>
-      </p:sp>
-      <p:sp>
-        <p:nvSpPr>
-          <p:cNvPr id="2" name="Slide Number Placeholder 1"/>
+          </p:nvPr>
+        </p:nvSpPr>
+        <p:spPr/>
+        <p:txBody>
+          <a:bodyPr/>
+          <a:lstStyle/>
+          <a:p>
+            <a:r>
+              <a:rPr lang="es-MX" dirty="0"/>
+              <a:t>Resultados Trabajo Terminal I</a:t>
+            </a:r>
+          </a:p>
+        </p:txBody>
+      </p:sp>
+      <p:sp>
+        <p:nvSpPr>
+          <p:cNvPr id="3" name="Content Placeholder 2"/>
+          <p:cNvSpPr>
+            <a:spLocks noGrp="1"/>
+          </p:cNvSpPr>
+          <p:nvPr>
+            <p:ph idx="1"/>
+          </p:nvPr>
+        </p:nvSpPr>
+        <p:spPr/>
+        <p:txBody>
+          <a:bodyPr/>
+          <a:lstStyle/>
+          <a:p>
+            <a:pPr algn="just"/>
+            <a:r>
+              <a:rPr lang="es-MX" dirty="0"/>
+              <a:t>Se completó el módulo de decodificación DICOM.</a:t>
+            </a:r>
+          </a:p>
+          <a:p>
+            <a:pPr algn="just"/>
+            <a:r>
+              <a:rPr lang="es-MX" dirty="0"/>
+              <a:t>Se logró representar visualmente una </a:t>
+            </a:r>
+            <a:r>
+              <a:rPr lang="es-MX" dirty="0" err="1"/>
+              <a:t>tomgrafía</a:t>
+            </a:r>
+            <a:r>
+              <a:rPr lang="es-MX" dirty="0"/>
+              <a:t>.</a:t>
+            </a:r>
+          </a:p>
+          <a:p>
+            <a:pPr algn="just"/>
+            <a:r>
+              <a:rPr lang="es-MX" dirty="0"/>
+              <a:t>Se implementaron dos algoritmos básicos de tratamiento de imagen, </a:t>
+            </a:r>
+            <a:r>
+              <a:rPr lang="es-MX" dirty="0" err="1"/>
+              <a:t>umbralización</a:t>
+            </a:r>
+            <a:r>
+              <a:rPr lang="es-MX" dirty="0"/>
+              <a:t> y región creciente a una tomografía.</a:t>
+            </a:r>
+          </a:p>
+          <a:p>
+            <a:endParaRPr lang="es-MX" dirty="0"/>
+          </a:p>
+        </p:txBody>
+      </p:sp>
+      <p:sp>
+        <p:nvSpPr>
+          <p:cNvPr id="4" name="Slide Number Placeholder 3"/>
           <p:cNvSpPr>
             <a:spLocks noGrp="1"/>
           </p:cNvSpPr>
@@ -7061,15 +6962,17 @@
         </p:txBody>
       </p:sp>
     </p:spTree>
-    <p:custDataLst>
-      <p:tags r:id="rId1"/>
-    </p:custDataLst>
+    <p:extLst>
+      <p:ext uri="{BB962C8B-B14F-4D97-AF65-F5344CB8AC3E}">
+        <p14:creationId xmlns:p14="http://schemas.microsoft.com/office/powerpoint/2010/main" val="863306336"/>
+      </p:ext>
+    </p:extLst>
   </p:cSld>
   <p:clrMapOvr>
     <a:masterClrMapping/>
   </p:clrMapOvr>
-  <p:transition>
-    <p:fade/>
+  <p:transition spd="slow">
+    <p:wipe dir="d"/>
   </p:transition>
 </p:sld>
 </file>
@@ -7108,14 +7011,68 @@
           <a:p>
             <a:r>
               <a:rPr lang="es-MX" dirty="0"/>
-              <a:t>anexos</a:t>
-            </a:r>
-          </a:p>
-        </p:txBody>
-      </p:sp>
-      <p:sp>
-        <p:nvSpPr>
-          <p:cNvPr id="3" name="Slide Number Placeholder 2"/>
+              <a:t>Tareas para Trabajo Terminal II</a:t>
+            </a:r>
+          </a:p>
+        </p:txBody>
+      </p:sp>
+      <p:sp>
+        <p:nvSpPr>
+          <p:cNvPr id="3" name="Content Placeholder 2"/>
+          <p:cNvSpPr>
+            <a:spLocks noGrp="1"/>
+          </p:cNvSpPr>
+          <p:nvPr>
+            <p:ph idx="1"/>
+          </p:nvPr>
+        </p:nvSpPr>
+        <p:spPr>
+          <a:xfrm>
+            <a:off x="683568" y="1596413"/>
+            <a:ext cx="8280920" cy="4297363"/>
+          </a:xfrm>
+        </p:spPr>
+        <p:txBody>
+          <a:bodyPr/>
+          <a:lstStyle/>
+          <a:p>
+            <a:r>
+              <a:rPr lang="es-MX" dirty="0"/>
+              <a:t>Añadir diversos algoritmos en el módulo de tratamiento.</a:t>
+            </a:r>
+          </a:p>
+          <a:p>
+            <a:pPr marL="0" indent="0">
+              <a:buNone/>
+            </a:pPr>
+            <a:endParaRPr lang="es-MX" dirty="0"/>
+          </a:p>
+          <a:p>
+            <a:r>
+              <a:rPr lang="es-MX" dirty="0"/>
+              <a:t>Diseñar e implementar la interfaz de usuario.</a:t>
+            </a:r>
+          </a:p>
+          <a:p>
+            <a:pPr marL="0" indent="0">
+              <a:buNone/>
+            </a:pPr>
+            <a:endParaRPr lang="es-MX" dirty="0"/>
+          </a:p>
+          <a:p>
+            <a:r>
+              <a:rPr lang="es-MX" dirty="0"/>
+              <a:t>Realización de manual de usuario.</a:t>
+            </a:r>
+          </a:p>
+          <a:p>
+            <a:endParaRPr lang="es-MX" dirty="0"/>
+          </a:p>
+        </p:txBody>
+      </p:sp>
+      <p:sp>
+        <p:nvSpPr>
+          <p:cNvPr id="4" name="Slide Number Placeholder 3"/>
           <p:cNvSpPr>
             <a:spLocks noGrp="1"/>
           </p:cNvSpPr>
@@ -7129,18 +7086,26 @@
           <a:lstStyle/>
           <a:p>
             <a:fld id="{33D6E5A2-EC83-451F-A719-9AC1370DD5CF}" type="slidenum">
-              <a:rPr lang="en-US" smtClean="0"/>
+              <a:rPr lang="en-US" sz="2800" smtClean="0">
+                <a:solidFill>
+                  <a:schemeClr val="tx1"/>
+                </a:solidFill>
+              </a:rPr>
               <a:pPr/>
               <a:t>23</a:t>
             </a:fld>
-            <a:endParaRPr lang="en-US" dirty="0"/>
+            <a:endParaRPr lang="en-US" sz="2800" dirty="0">
+              <a:solidFill>
+                <a:schemeClr val="tx1"/>
+              </a:solidFill>
+            </a:endParaRPr>
           </a:p>
         </p:txBody>
       </p:sp>
     </p:spTree>
     <p:extLst>
       <p:ext uri="{BB962C8B-B14F-4D97-AF65-F5344CB8AC3E}">
-        <p14:creationId xmlns:p14="http://schemas.microsoft.com/office/powerpoint/2010/main" val="3285178066"/>
+        <p14:creationId xmlns:p14="http://schemas.microsoft.com/office/powerpoint/2010/main" val="473504181"/>
       </p:ext>
     </p:extLst>
   </p:cSld>
@@ -7187,19 +7152,19 @@
           <a:p>
             <a:r>
               <a:rPr lang="es-MX" dirty="0"/>
-              <a:t>Introducción	</a:t>
-            </a:r>
-          </a:p>
-        </p:txBody>
-      </p:sp>
-      <p:sp>
-        <p:nvSpPr>
-          <p:cNvPr id="3" name="Content Placeholder 2"/>
-          <p:cNvSpPr>
-            <a:spLocks noGrp="1"/>
-          </p:cNvSpPr>
-          <p:nvPr>
-            <p:ph idx="1"/>
+              <a:t>anexos</a:t>
+            </a:r>
+          </a:p>
+        </p:txBody>
+      </p:sp>
+      <p:sp>
+        <p:nvSpPr>
+          <p:cNvPr id="3" name="Slide Number Placeholder 2"/>
+          <p:cNvSpPr>
+            <a:spLocks noGrp="1"/>
+          </p:cNvSpPr>
+          <p:nvPr>
+            <p:ph type="sldNum" sz="quarter" idx="12"/>
           </p:nvPr>
         </p:nvSpPr>
         <p:spPr/>
@@ -7207,31 +7172,126 @@
           <a:bodyPr/>
           <a:lstStyle/>
           <a:p>
-            <a:endParaRPr lang="es-MX" dirty="0"/>
-          </a:p>
-        </p:txBody>
-      </p:sp>
-      <p:sp>
-        <p:nvSpPr>
-          <p:cNvPr id="4" name="Slide Number Placeholder 3"/>
-          <p:cNvSpPr>
-            <a:spLocks noGrp="1"/>
-          </p:cNvSpPr>
-          <p:nvPr>
-            <p:ph type="sldNum" sz="quarter" idx="12"/>
-          </p:nvPr>
-        </p:nvSpPr>
-        <p:spPr/>
-        <p:txBody>
-          <a:bodyPr/>
-          <a:lstStyle/>
-          <a:p>
             <a:fld id="{33D6E5A2-EC83-451F-A719-9AC1370DD5CF}" type="slidenum">
-              <a:rPr lang="en-US" smtClean="0"/>
+              <a:rPr lang="en-US" sz="2800" smtClean="0">
+                <a:solidFill>
+                  <a:schemeClr val="tx1"/>
+                </a:solidFill>
+              </a:rPr>
               <a:pPr/>
               <a:t>24</a:t>
             </a:fld>
-            <a:endParaRPr lang="en-US" dirty="0"/>
+            <a:endParaRPr lang="en-US" sz="2800" dirty="0">
+              <a:solidFill>
+                <a:schemeClr val="tx1"/>
+              </a:solidFill>
+            </a:endParaRPr>
+          </a:p>
+        </p:txBody>
+      </p:sp>
+    </p:spTree>
+    <p:extLst>
+      <p:ext uri="{BB962C8B-B14F-4D97-AF65-F5344CB8AC3E}">
+        <p14:creationId xmlns:p14="http://schemas.microsoft.com/office/powerpoint/2010/main" val="3285178066"/>
+      </p:ext>
+    </p:extLst>
+  </p:cSld>
+  <p:clrMapOvr>
+    <a:masterClrMapping/>
+  </p:clrMapOvr>
+  <p:transition spd="slow">
+    <p:wipe dir="d"/>
+  </p:transition>
+</p:sld>
+</file>
+
+<file path=ppt/slides/slide25.xml><?xml version="1.0" encoding="utf-8"?>
+<p:sld xmlns:a="http://schemas.openxmlformats.org/drawingml/2006/main" xmlns:r="http://schemas.openxmlformats.org/officeDocument/2006/relationships" xmlns:p="http://schemas.openxmlformats.org/presentationml/2006/main">
+  <p:cSld>
+    <p:spTree>
+      <p:nvGrpSpPr>
+        <p:cNvPr id="1" name=""/>
+        <p:cNvGrpSpPr/>
+        <p:nvPr/>
+      </p:nvGrpSpPr>
+      <p:grpSpPr>
+        <a:xfrm>
+          <a:off x="0" y="0"/>
+          <a:ext cx="0" cy="0"/>
+          <a:chOff x="0" y="0"/>
+          <a:chExt cx="0" cy="0"/>
+        </a:xfrm>
+      </p:grpSpPr>
+      <p:sp>
+        <p:nvSpPr>
+          <p:cNvPr id="2" name="Title 1"/>
+          <p:cNvSpPr>
+            <a:spLocks noGrp="1"/>
+          </p:cNvSpPr>
+          <p:nvPr>
+            <p:ph type="title"/>
+          </p:nvPr>
+        </p:nvSpPr>
+        <p:spPr/>
+        <p:txBody>
+          <a:bodyPr/>
+          <a:lstStyle/>
+          <a:p>
+            <a:r>
+              <a:rPr lang="es-MX" dirty="0"/>
+              <a:t>Introducción	</a:t>
+            </a:r>
+          </a:p>
+        </p:txBody>
+      </p:sp>
+      <p:sp>
+        <p:nvSpPr>
+          <p:cNvPr id="3" name="Content Placeholder 2"/>
+          <p:cNvSpPr>
+            <a:spLocks noGrp="1"/>
+          </p:cNvSpPr>
+          <p:nvPr>
+            <p:ph idx="1"/>
+          </p:nvPr>
+        </p:nvSpPr>
+        <p:spPr/>
+        <p:txBody>
+          <a:bodyPr/>
+          <a:lstStyle/>
+          <a:p>
+            <a:endParaRPr lang="es-MX" dirty="0"/>
+          </a:p>
+        </p:txBody>
+      </p:sp>
+      <p:sp>
+        <p:nvSpPr>
+          <p:cNvPr id="4" name="Slide Number Placeholder 3"/>
+          <p:cNvSpPr>
+            <a:spLocks noGrp="1"/>
+          </p:cNvSpPr>
+          <p:nvPr>
+            <p:ph type="sldNum" sz="quarter" idx="12"/>
+          </p:nvPr>
+        </p:nvSpPr>
+        <p:spPr/>
+        <p:txBody>
+          <a:bodyPr/>
+          <a:lstStyle/>
+          <a:p>
+            <a:fld id="{33D6E5A2-EC83-451F-A719-9AC1370DD5CF}" type="slidenum">
+              <a:rPr lang="en-US" sz="2800" smtClean="0">
+                <a:solidFill>
+                  <a:schemeClr val="tx1"/>
+                </a:solidFill>
+              </a:rPr>
+              <a:pPr/>
+              <a:t>25</a:t>
+            </a:fld>
+            <a:endParaRPr lang="en-US" sz="2800" dirty="0">
+              <a:solidFill>
+                <a:schemeClr val="tx1"/>
+              </a:solidFill>
+            </a:endParaRPr>
           </a:p>
         </p:txBody>
       </p:sp>
@@ -8224,7 +8284,15 @@
             </a:r>
             <a:r>
               <a:rPr lang="es-MX" sz="2800" dirty="0"/>
-              <a:t> de software CAD que trabajen sobre métodos simples de diagnóstico, las herramientas existentes ofrecen funcionalidades básicas .</a:t>
+              <a:t> CAD que permitan una gran manipulación de la información proporcionada por el estudio, las herramientas existentes ofrecen </a:t>
+            </a:r>
+            <a:r>
+              <a:rPr lang="es-MX" sz="2800" b="1" dirty="0"/>
+              <a:t>funcionalidades básicas</a:t>
+            </a:r>
+            <a:r>
+              <a:rPr lang="es-MX" sz="2800" dirty="0"/>
+              <a:t>.</a:t>
             </a:r>
           </a:p>
           <a:p>
@@ -8237,7 +8305,15 @@
             <a:pPr algn="just"/>
             <a:r>
               <a:rPr lang="es-MX" sz="2800" dirty="0"/>
-              <a:t>Los tomógrafos usados en hospitales y clínicas de especialidades cuentan con softwares muy potentes, sin embargo tanto las herramientas como las licencias tienen un alto costo.</a:t>
+              <a:t>Los tomógrafos usados en hospitales y clínicas de especialidades cuentan con softwares muy potentes, sin embargo tanto las herramientas como las licencias tienen un </a:t>
+            </a:r>
+            <a:r>
+              <a:rPr lang="es-MX" sz="2800" b="1" dirty="0"/>
+              <a:t>alto costo</a:t>
+            </a:r>
+            <a:r>
+              <a:rPr lang="es-MX" sz="2800" dirty="0"/>
+              <a:t>.</a:t>
             </a:r>
           </a:p>
           <a:p>
@@ -8636,7 +8712,7 @@
             </a:r>
             <a:r>
               <a:rPr lang="es-MX" b="1" dirty="0"/>
-              <a:t>diseñar</a:t>
+              <a:t>Diseñar</a:t>
             </a:r>
             <a:r>
               <a:rPr lang="es-MX" dirty="0"/>
@@ -8652,7 +8728,7 @@
             </a:r>
             <a:r>
               <a:rPr lang="es-MX" b="1" dirty="0"/>
-              <a:t>herramienta</a:t>
+              <a:t>herramienta tipo CAD</a:t>
             </a:r>
             <a:r>
               <a:rPr lang="es-MX" dirty="0"/>
@@ -8668,11 +8744,11 @@
             </a:r>
             <a:r>
               <a:rPr lang="es-MX" b="1" dirty="0"/>
-              <a:t>tratamiento de tomografías axiales tipo CAD</a:t>
+              <a:t>tratamiento de tomografías axiales </a:t>
             </a:r>
             <a:r>
               <a:rPr lang="es-MX" dirty="0"/>
-              <a:t> computarizadas almacenadas en archivos con </a:t>
+              <a:t>computarizadas almacenadas en archivos con </a:t>
             </a:r>
             <a:r>
               <a:rPr lang="es-MX" b="1" dirty="0"/>
@@ -8680,7 +8756,7 @@
             </a:r>
             <a:r>
               <a:rPr lang="es-MX" dirty="0"/>
-              <a:t>, la cual permitirá a médicos y radiólogos una fácil y mejorada interpretación de resultados”.</a:t>
+              <a:t>, la cual permitirá a médicos y radiólogos una fácil interpretación de resultados”.</a:t>
             </a:r>
           </a:p>
         </p:txBody>
@@ -8766,18 +8842,6 @@
 <file path=ppt/tags/tag6.xml><?xml version="1.0" encoding="utf-8"?>
 <p:tagLst xmlns:a="http://schemas.openxmlformats.org/drawingml/2006/main" xmlns:r="http://schemas.openxmlformats.org/officeDocument/2006/relationships" xmlns:p="http://schemas.openxmlformats.org/presentationml/2006/main">
   <p:tag name="DVSHAPEID" val="retnMj4SFfqbVIhVK0Rf83"/>
-</p:tagLst>
-</file>
-
-<file path=ppt/tags/tag7.xml><?xml version="1.0" encoding="utf-8"?>
-<p:tagLst xmlns:a="http://schemas.openxmlformats.org/drawingml/2006/main" xmlns:r="http://schemas.openxmlformats.org/officeDocument/2006/relationships" xmlns:p="http://schemas.openxmlformats.org/presentationml/2006/main">
-  <p:tag name="DVSECTIONID" val="ezdaKHeWyBnZyZ2cDqRSoa"/>
-</p:tagLst>
-</file>
-
-<file path=ppt/tags/tag8.xml><?xml version="1.0" encoding="utf-8"?>
-<p:tagLst xmlns:a="http://schemas.openxmlformats.org/drawingml/2006/main" xmlns:r="http://schemas.openxmlformats.org/officeDocument/2006/relationships" xmlns:p="http://schemas.openxmlformats.org/presentationml/2006/main">
-  <p:tag name="DVSHAPEID" val="LRMR96J2MVd0CGe2e5htjk"/>
 </p:tagLst>
 </file>
 
